--- a/Slides/03. Variáveis Constantes e Atribuição.pptx
+++ b/Slides/03. Variáveis Constantes e Atribuição.pptx
@@ -170,16 +170,13 @@
 <file path=ppt/revisionInfo.xml><?xml version="1.0" encoding="utf-8"?>
 <p1510:revInfo xmlns:a="http://schemas.openxmlformats.org/drawingml/2006/main" xmlns:r="http://schemas.openxmlformats.org/officeDocument/2006/relationships" xmlns:p1510="http://schemas.microsoft.com/office/powerpoint/2015/10/main">
   <p1510:revLst>
-    <p1510:client id="{CB83FBDD-8080-41E6-BD3E-89F304D88874}" v="1" dt="2019-09-26T22:25:38.312"/>
+    <p1510:client id="{95A0EE36-1C5A-4AA8-99C4-AE7771F79553}" v="7" dt="2021-03-05T04:48:16.280"/>
   </p1510:revLst>
 </p1510:revInfo>
 </file>
 
 <file path=ppt/changesInfos/changesInfo1.xml><?xml version="1.0" encoding="utf-8"?>
 <pc:chgInfo xmlns:a="http://schemas.openxmlformats.org/drawingml/2006/main" xmlns:r="http://schemas.openxmlformats.org/officeDocument/2006/relationships" xmlns:ac="http://schemas.microsoft.com/office/drawing/2013/main/command" xmlns:pc="http://schemas.microsoft.com/office/powerpoint/2013/main/command">
-  <pc:docChgLst>
-    <pc:chgData name="Judson Santiago" userId="ebb108da2f256286" providerId="LiveId" clId="{1AED8528-4ECC-4F9F-84F3-7587B21D79B2}"/>
-  </pc:docChgLst>
   <pc:docChgLst>
     <pc:chgData name="Judson Santiago" userId="ebb108da2f256286" providerId="LiveId" clId="{F5D85984-B632-41A3-BC23-EFE4B464AB10}"/>
     <pc:docChg chg="undo custSel modSld">
@@ -362,7 +359,543 @@
     </pc:docChg>
   </pc:docChgLst>
   <pc:docChgLst>
-    <pc:chgData name="Judson Santiago" userId="ebb108da2f256286" providerId="LiveId" clId="{85956761-F8A5-462E-AF2B-ACBBE6A740F4}"/>
+    <pc:chgData name="Judson Santiago" userId="ebb108da2f256286" providerId="LiveId" clId="{95A0EE36-1C5A-4AA8-99C4-AE7771F79553}"/>
+    <pc:docChg chg="undo custSel modSld">
+      <pc:chgData name="Judson Santiago" userId="ebb108da2f256286" providerId="LiveId" clId="{95A0EE36-1C5A-4AA8-99C4-AE7771F79553}" dt="2021-03-05T04:48:40.513" v="293" actId="57"/>
+      <pc:docMkLst>
+        <pc:docMk/>
+      </pc:docMkLst>
+      <pc:sldChg chg="modNotesTx">
+        <pc:chgData name="Judson Santiago" userId="ebb108da2f256286" providerId="LiveId" clId="{95A0EE36-1C5A-4AA8-99C4-AE7771F79553}" dt="2021-03-05T03:33:09.006" v="17" actId="20577"/>
+        <pc:sldMkLst>
+          <pc:docMk/>
+          <pc:sldMk cId="0" sldId="256"/>
+        </pc:sldMkLst>
+      </pc:sldChg>
+      <pc:sldChg chg="modSp mod">
+        <pc:chgData name="Judson Santiago" userId="ebb108da2f256286" providerId="LiveId" clId="{95A0EE36-1C5A-4AA8-99C4-AE7771F79553}" dt="2021-03-05T04:02:35.100" v="76" actId="6549"/>
+        <pc:sldMkLst>
+          <pc:docMk/>
+          <pc:sldMk cId="0" sldId="285"/>
+        </pc:sldMkLst>
+        <pc:spChg chg="mod">
+          <ac:chgData name="Judson Santiago" userId="ebb108da2f256286" providerId="LiveId" clId="{95A0EE36-1C5A-4AA8-99C4-AE7771F79553}" dt="2021-03-05T04:02:35.100" v="76" actId="6549"/>
+          <ac:spMkLst>
+            <pc:docMk/>
+            <pc:sldMk cId="0" sldId="285"/>
+            <ac:spMk id="3" creationId="{00000000-0000-0000-0000-000000000000}"/>
+          </ac:spMkLst>
+        </pc:spChg>
+      </pc:sldChg>
+      <pc:sldChg chg="modSp mod">
+        <pc:chgData name="Judson Santiago" userId="ebb108da2f256286" providerId="LiveId" clId="{95A0EE36-1C5A-4AA8-99C4-AE7771F79553}" dt="2021-03-05T04:09:41.355" v="89" actId="6549"/>
+        <pc:sldMkLst>
+          <pc:docMk/>
+          <pc:sldMk cId="0" sldId="286"/>
+        </pc:sldMkLst>
+        <pc:spChg chg="mod">
+          <ac:chgData name="Judson Santiago" userId="ebb108da2f256286" providerId="LiveId" clId="{95A0EE36-1C5A-4AA8-99C4-AE7771F79553}" dt="2021-03-05T04:09:41.355" v="89" actId="6549"/>
+          <ac:spMkLst>
+            <pc:docMk/>
+            <pc:sldMk cId="0" sldId="286"/>
+            <ac:spMk id="3" creationId="{00000000-0000-0000-0000-000000000000}"/>
+          </ac:spMkLst>
+        </pc:spChg>
+        <pc:spChg chg="mod">
+          <ac:chgData name="Judson Santiago" userId="ebb108da2f256286" providerId="LiveId" clId="{95A0EE36-1C5A-4AA8-99C4-AE7771F79553}" dt="2021-03-05T04:06:35.216" v="87" actId="20577"/>
+          <ac:spMkLst>
+            <pc:docMk/>
+            <pc:sldMk cId="0" sldId="286"/>
+            <ac:spMk id="4" creationId="{00000000-0000-0000-0000-000000000000}"/>
+          </ac:spMkLst>
+        </pc:spChg>
+      </pc:sldChg>
+      <pc:sldChg chg="modSp mod">
+        <pc:chgData name="Judson Santiago" userId="ebb108da2f256286" providerId="LiveId" clId="{95A0EE36-1C5A-4AA8-99C4-AE7771F79553}" dt="2021-03-05T04:10:21.987" v="90" actId="20577"/>
+        <pc:sldMkLst>
+          <pc:docMk/>
+          <pc:sldMk cId="0" sldId="289"/>
+        </pc:sldMkLst>
+        <pc:spChg chg="mod">
+          <ac:chgData name="Judson Santiago" userId="ebb108da2f256286" providerId="LiveId" clId="{95A0EE36-1C5A-4AA8-99C4-AE7771F79553}" dt="2021-03-05T04:10:21.987" v="90" actId="20577"/>
+          <ac:spMkLst>
+            <pc:docMk/>
+            <pc:sldMk cId="0" sldId="289"/>
+            <ac:spMk id="3" creationId="{00000000-0000-0000-0000-000000000000}"/>
+          </ac:spMkLst>
+        </pc:spChg>
+      </pc:sldChg>
+      <pc:sldChg chg="addSp modSp mod">
+        <pc:chgData name="Judson Santiago" userId="ebb108da2f256286" providerId="LiveId" clId="{95A0EE36-1C5A-4AA8-99C4-AE7771F79553}" dt="2021-03-05T04:12:34.585" v="99" actId="20577"/>
+        <pc:sldMkLst>
+          <pc:docMk/>
+          <pc:sldMk cId="0" sldId="290"/>
+        </pc:sldMkLst>
+        <pc:spChg chg="mod">
+          <ac:chgData name="Judson Santiago" userId="ebb108da2f256286" providerId="LiveId" clId="{95A0EE36-1C5A-4AA8-99C4-AE7771F79553}" dt="2021-03-05T04:12:34.585" v="99" actId="20577"/>
+          <ac:spMkLst>
+            <pc:docMk/>
+            <pc:sldMk cId="0" sldId="290"/>
+            <ac:spMk id="3" creationId="{00000000-0000-0000-0000-000000000000}"/>
+          </ac:spMkLst>
+        </pc:spChg>
+        <pc:spChg chg="mod">
+          <ac:chgData name="Judson Santiago" userId="ebb108da2f256286" providerId="LiveId" clId="{95A0EE36-1C5A-4AA8-99C4-AE7771F79553}" dt="2021-03-05T04:11:59.296" v="93" actId="164"/>
+          <ac:spMkLst>
+            <pc:docMk/>
+            <pc:sldMk cId="0" sldId="290"/>
+            <ac:spMk id="4" creationId="{00000000-0000-0000-0000-000000000000}"/>
+          </ac:spMkLst>
+        </pc:spChg>
+        <pc:spChg chg="mod">
+          <ac:chgData name="Judson Santiago" userId="ebb108da2f256286" providerId="LiveId" clId="{95A0EE36-1C5A-4AA8-99C4-AE7771F79553}" dt="2021-03-05T04:11:59.296" v="93" actId="164"/>
+          <ac:spMkLst>
+            <pc:docMk/>
+            <pc:sldMk cId="0" sldId="290"/>
+            <ac:spMk id="5" creationId="{00000000-0000-0000-0000-000000000000}"/>
+          </ac:spMkLst>
+        </pc:spChg>
+        <pc:spChg chg="mod">
+          <ac:chgData name="Judson Santiago" userId="ebb108da2f256286" providerId="LiveId" clId="{95A0EE36-1C5A-4AA8-99C4-AE7771F79553}" dt="2021-03-05T04:11:59.296" v="93" actId="164"/>
+          <ac:spMkLst>
+            <pc:docMk/>
+            <pc:sldMk cId="0" sldId="290"/>
+            <ac:spMk id="6" creationId="{00000000-0000-0000-0000-000000000000}"/>
+          </ac:spMkLst>
+        </pc:spChg>
+        <pc:spChg chg="mod">
+          <ac:chgData name="Judson Santiago" userId="ebb108da2f256286" providerId="LiveId" clId="{95A0EE36-1C5A-4AA8-99C4-AE7771F79553}" dt="2021-03-05T04:11:59.296" v="93" actId="164"/>
+          <ac:spMkLst>
+            <pc:docMk/>
+            <pc:sldMk cId="0" sldId="290"/>
+            <ac:spMk id="8" creationId="{00000000-0000-0000-0000-000000000000}"/>
+          </ac:spMkLst>
+        </pc:spChg>
+        <pc:spChg chg="mod">
+          <ac:chgData name="Judson Santiago" userId="ebb108da2f256286" providerId="LiveId" clId="{95A0EE36-1C5A-4AA8-99C4-AE7771F79553}" dt="2021-03-05T04:11:59.296" v="93" actId="164"/>
+          <ac:spMkLst>
+            <pc:docMk/>
+            <pc:sldMk cId="0" sldId="290"/>
+            <ac:spMk id="11" creationId="{00000000-0000-0000-0000-000000000000}"/>
+          </ac:spMkLst>
+        </pc:spChg>
+        <pc:spChg chg="mod">
+          <ac:chgData name="Judson Santiago" userId="ebb108da2f256286" providerId="LiveId" clId="{95A0EE36-1C5A-4AA8-99C4-AE7771F79553}" dt="2021-03-05T04:11:54.041" v="92" actId="164"/>
+          <ac:spMkLst>
+            <pc:docMk/>
+            <pc:sldMk cId="0" sldId="290"/>
+            <ac:spMk id="12" creationId="{00000000-0000-0000-0000-000000000000}"/>
+          </ac:spMkLst>
+        </pc:spChg>
+        <pc:spChg chg="mod">
+          <ac:chgData name="Judson Santiago" userId="ebb108da2f256286" providerId="LiveId" clId="{95A0EE36-1C5A-4AA8-99C4-AE7771F79553}" dt="2021-03-05T04:11:54.041" v="92" actId="164"/>
+          <ac:spMkLst>
+            <pc:docMk/>
+            <pc:sldMk cId="0" sldId="290"/>
+            <ac:spMk id="13" creationId="{00000000-0000-0000-0000-000000000000}"/>
+          </ac:spMkLst>
+        </pc:spChg>
+        <pc:spChg chg="mod">
+          <ac:chgData name="Judson Santiago" userId="ebb108da2f256286" providerId="LiveId" clId="{95A0EE36-1C5A-4AA8-99C4-AE7771F79553}" dt="2021-03-05T04:11:54.041" v="92" actId="164"/>
+          <ac:spMkLst>
+            <pc:docMk/>
+            <pc:sldMk cId="0" sldId="290"/>
+            <ac:spMk id="14" creationId="{00000000-0000-0000-0000-000000000000}"/>
+          </ac:spMkLst>
+        </pc:spChg>
+        <pc:spChg chg="mod">
+          <ac:chgData name="Judson Santiago" userId="ebb108da2f256286" providerId="LiveId" clId="{95A0EE36-1C5A-4AA8-99C4-AE7771F79553}" dt="2021-03-05T04:11:54.041" v="92" actId="164"/>
+          <ac:spMkLst>
+            <pc:docMk/>
+            <pc:sldMk cId="0" sldId="290"/>
+            <ac:spMk id="15" creationId="{00000000-0000-0000-0000-000000000000}"/>
+          </ac:spMkLst>
+        </pc:spChg>
+        <pc:spChg chg="mod">
+          <ac:chgData name="Judson Santiago" userId="ebb108da2f256286" providerId="LiveId" clId="{95A0EE36-1C5A-4AA8-99C4-AE7771F79553}" dt="2021-03-05T04:11:54.041" v="92" actId="164"/>
+          <ac:spMkLst>
+            <pc:docMk/>
+            <pc:sldMk cId="0" sldId="290"/>
+            <ac:spMk id="16" creationId="{00000000-0000-0000-0000-000000000000}"/>
+          </ac:spMkLst>
+        </pc:spChg>
+        <pc:spChg chg="mod">
+          <ac:chgData name="Judson Santiago" userId="ebb108da2f256286" providerId="LiveId" clId="{95A0EE36-1C5A-4AA8-99C4-AE7771F79553}" dt="2021-03-05T04:11:54.041" v="92" actId="164"/>
+          <ac:spMkLst>
+            <pc:docMk/>
+            <pc:sldMk cId="0" sldId="290"/>
+            <ac:spMk id="17" creationId="{00000000-0000-0000-0000-000000000000}"/>
+          </ac:spMkLst>
+        </pc:spChg>
+        <pc:spChg chg="mod">
+          <ac:chgData name="Judson Santiago" userId="ebb108da2f256286" providerId="LiveId" clId="{95A0EE36-1C5A-4AA8-99C4-AE7771F79553}" dt="2021-03-05T04:11:54.041" v="92" actId="164"/>
+          <ac:spMkLst>
+            <pc:docMk/>
+            <pc:sldMk cId="0" sldId="290"/>
+            <ac:spMk id="18" creationId="{00000000-0000-0000-0000-000000000000}"/>
+          </ac:spMkLst>
+        </pc:spChg>
+        <pc:spChg chg="mod">
+          <ac:chgData name="Judson Santiago" userId="ebb108da2f256286" providerId="LiveId" clId="{95A0EE36-1C5A-4AA8-99C4-AE7771F79553}" dt="2021-03-05T04:11:54.041" v="92" actId="164"/>
+          <ac:spMkLst>
+            <pc:docMk/>
+            <pc:sldMk cId="0" sldId="290"/>
+            <ac:spMk id="19" creationId="{00000000-0000-0000-0000-000000000000}"/>
+          </ac:spMkLst>
+        </pc:spChg>
+        <pc:spChg chg="mod">
+          <ac:chgData name="Judson Santiago" userId="ebb108da2f256286" providerId="LiveId" clId="{95A0EE36-1C5A-4AA8-99C4-AE7771F79553}" dt="2021-03-05T04:11:54.041" v="92" actId="164"/>
+          <ac:spMkLst>
+            <pc:docMk/>
+            <pc:sldMk cId="0" sldId="290"/>
+            <ac:spMk id="30" creationId="{00000000-0000-0000-0000-000000000000}"/>
+          </ac:spMkLst>
+        </pc:spChg>
+        <pc:spChg chg="mod">
+          <ac:chgData name="Judson Santiago" userId="ebb108da2f256286" providerId="LiveId" clId="{95A0EE36-1C5A-4AA8-99C4-AE7771F79553}" dt="2021-03-05T04:11:54.041" v="92" actId="164"/>
+          <ac:spMkLst>
+            <pc:docMk/>
+            <pc:sldMk cId="0" sldId="290"/>
+            <ac:spMk id="31" creationId="{00000000-0000-0000-0000-000000000000}"/>
+          </ac:spMkLst>
+        </pc:spChg>
+        <pc:spChg chg="mod">
+          <ac:chgData name="Judson Santiago" userId="ebb108da2f256286" providerId="LiveId" clId="{95A0EE36-1C5A-4AA8-99C4-AE7771F79553}" dt="2021-03-05T04:11:54.041" v="92" actId="164"/>
+          <ac:spMkLst>
+            <pc:docMk/>
+            <pc:sldMk cId="0" sldId="290"/>
+            <ac:spMk id="32" creationId="{00000000-0000-0000-0000-000000000000}"/>
+          </ac:spMkLst>
+        </pc:spChg>
+        <pc:spChg chg="mod">
+          <ac:chgData name="Judson Santiago" userId="ebb108da2f256286" providerId="LiveId" clId="{95A0EE36-1C5A-4AA8-99C4-AE7771F79553}" dt="2021-03-05T04:11:54.041" v="92" actId="164"/>
+          <ac:spMkLst>
+            <pc:docMk/>
+            <pc:sldMk cId="0" sldId="290"/>
+            <ac:spMk id="33" creationId="{00000000-0000-0000-0000-000000000000}"/>
+          </ac:spMkLst>
+        </pc:spChg>
+        <pc:spChg chg="mod">
+          <ac:chgData name="Judson Santiago" userId="ebb108da2f256286" providerId="LiveId" clId="{95A0EE36-1C5A-4AA8-99C4-AE7771F79553}" dt="2021-03-05T04:11:54.041" v="92" actId="164"/>
+          <ac:spMkLst>
+            <pc:docMk/>
+            <pc:sldMk cId="0" sldId="290"/>
+            <ac:spMk id="34" creationId="{00000000-0000-0000-0000-000000000000}"/>
+          </ac:spMkLst>
+        </pc:spChg>
+        <pc:spChg chg="mod">
+          <ac:chgData name="Judson Santiago" userId="ebb108da2f256286" providerId="LiveId" clId="{95A0EE36-1C5A-4AA8-99C4-AE7771F79553}" dt="2021-03-05T04:11:54.041" v="92" actId="164"/>
+          <ac:spMkLst>
+            <pc:docMk/>
+            <pc:sldMk cId="0" sldId="290"/>
+            <ac:spMk id="35" creationId="{00000000-0000-0000-0000-000000000000}"/>
+          </ac:spMkLst>
+        </pc:spChg>
+        <pc:spChg chg="mod">
+          <ac:chgData name="Judson Santiago" userId="ebb108da2f256286" providerId="LiveId" clId="{95A0EE36-1C5A-4AA8-99C4-AE7771F79553}" dt="2021-03-05T04:11:54.041" v="92" actId="164"/>
+          <ac:spMkLst>
+            <pc:docMk/>
+            <pc:sldMk cId="0" sldId="290"/>
+            <ac:spMk id="36" creationId="{00000000-0000-0000-0000-000000000000}"/>
+          </ac:spMkLst>
+        </pc:spChg>
+        <pc:spChg chg="mod">
+          <ac:chgData name="Judson Santiago" userId="ebb108da2f256286" providerId="LiveId" clId="{95A0EE36-1C5A-4AA8-99C4-AE7771F79553}" dt="2021-03-05T04:11:54.041" v="92" actId="164"/>
+          <ac:spMkLst>
+            <pc:docMk/>
+            <pc:sldMk cId="0" sldId="290"/>
+            <ac:spMk id="37" creationId="{00000000-0000-0000-0000-000000000000}"/>
+          </ac:spMkLst>
+        </pc:spChg>
+        <pc:spChg chg="mod">
+          <ac:chgData name="Judson Santiago" userId="ebb108da2f256286" providerId="LiveId" clId="{95A0EE36-1C5A-4AA8-99C4-AE7771F79553}" dt="2021-03-05T04:11:54.041" v="92" actId="164"/>
+          <ac:spMkLst>
+            <pc:docMk/>
+            <pc:sldMk cId="0" sldId="290"/>
+            <ac:spMk id="38" creationId="{00000000-0000-0000-0000-000000000000}"/>
+          </ac:spMkLst>
+        </pc:spChg>
+        <pc:spChg chg="mod">
+          <ac:chgData name="Judson Santiago" userId="ebb108da2f256286" providerId="LiveId" clId="{95A0EE36-1C5A-4AA8-99C4-AE7771F79553}" dt="2021-03-05T04:11:54.041" v="92" actId="164"/>
+          <ac:spMkLst>
+            <pc:docMk/>
+            <pc:sldMk cId="0" sldId="290"/>
+            <ac:spMk id="39" creationId="{00000000-0000-0000-0000-000000000000}"/>
+          </ac:spMkLst>
+        </pc:spChg>
+        <pc:grpChg chg="add mod">
+          <ac:chgData name="Judson Santiago" userId="ebb108da2f256286" providerId="LiveId" clId="{95A0EE36-1C5A-4AA8-99C4-AE7771F79553}" dt="2021-03-05T04:12:22.354" v="95" actId="1076"/>
+          <ac:grpSpMkLst>
+            <pc:docMk/>
+            <pc:sldMk cId="0" sldId="290"/>
+            <ac:grpSpMk id="20" creationId="{D8989772-AC44-4851-B932-F6EBE9D598AA}"/>
+          </ac:grpSpMkLst>
+        </pc:grpChg>
+        <pc:grpChg chg="add mod">
+          <ac:chgData name="Judson Santiago" userId="ebb108da2f256286" providerId="LiveId" clId="{95A0EE36-1C5A-4AA8-99C4-AE7771F79553}" dt="2021-03-05T04:12:17.552" v="94" actId="1076"/>
+          <ac:grpSpMkLst>
+            <pc:docMk/>
+            <pc:sldMk cId="0" sldId="290"/>
+            <ac:grpSpMk id="21" creationId="{0E5B65EA-265A-4B0A-9D63-E8316589EA67}"/>
+          </ac:grpSpMkLst>
+        </pc:grpChg>
+        <pc:cxnChg chg="mod">
+          <ac:chgData name="Judson Santiago" userId="ebb108da2f256286" providerId="LiveId" clId="{95A0EE36-1C5A-4AA8-99C4-AE7771F79553}" dt="2021-03-05T04:11:59.296" v="93" actId="164"/>
+          <ac:cxnSpMkLst>
+            <pc:docMk/>
+            <pc:sldMk cId="0" sldId="290"/>
+            <ac:cxnSpMk id="7" creationId="{00000000-0000-0000-0000-000000000000}"/>
+          </ac:cxnSpMkLst>
+        </pc:cxnChg>
+        <pc:cxnChg chg="mod">
+          <ac:chgData name="Judson Santiago" userId="ebb108da2f256286" providerId="LiveId" clId="{95A0EE36-1C5A-4AA8-99C4-AE7771F79553}" dt="2021-03-05T04:11:59.296" v="93" actId="164"/>
+          <ac:cxnSpMkLst>
+            <pc:docMk/>
+            <pc:sldMk cId="0" sldId="290"/>
+            <ac:cxnSpMk id="9" creationId="{00000000-0000-0000-0000-000000000000}"/>
+          </ac:cxnSpMkLst>
+        </pc:cxnChg>
+        <pc:cxnChg chg="mod">
+          <ac:chgData name="Judson Santiago" userId="ebb108da2f256286" providerId="LiveId" clId="{95A0EE36-1C5A-4AA8-99C4-AE7771F79553}" dt="2021-03-05T04:11:59.296" v="93" actId="164"/>
+          <ac:cxnSpMkLst>
+            <pc:docMk/>
+            <pc:sldMk cId="0" sldId="290"/>
+            <ac:cxnSpMk id="10" creationId="{00000000-0000-0000-0000-000000000000}"/>
+          </ac:cxnSpMkLst>
+        </pc:cxnChg>
+      </pc:sldChg>
+      <pc:sldChg chg="addSp delSp modSp mod">
+        <pc:chgData name="Judson Santiago" userId="ebb108da2f256286" providerId="LiveId" clId="{95A0EE36-1C5A-4AA8-99C4-AE7771F79553}" dt="2021-03-05T04:32:58.205" v="217" actId="207"/>
+        <pc:sldMkLst>
+          <pc:docMk/>
+          <pc:sldMk cId="0" sldId="292"/>
+        </pc:sldMkLst>
+        <pc:spChg chg="mod">
+          <ac:chgData name="Judson Santiago" userId="ebb108da2f256286" providerId="LiveId" clId="{95A0EE36-1C5A-4AA8-99C4-AE7771F79553}" dt="2021-03-05T04:32:58.205" v="217" actId="207"/>
+          <ac:spMkLst>
+            <pc:docMk/>
+            <pc:sldMk cId="0" sldId="292"/>
+            <ac:spMk id="3" creationId="{00000000-0000-0000-0000-000000000000}"/>
+          </ac:spMkLst>
+        </pc:spChg>
+        <pc:spChg chg="mod">
+          <ac:chgData name="Judson Santiago" userId="ebb108da2f256286" providerId="LiveId" clId="{95A0EE36-1C5A-4AA8-99C4-AE7771F79553}" dt="2021-03-05T04:31:25.536" v="179" actId="164"/>
+          <ac:spMkLst>
+            <pc:docMk/>
+            <pc:sldMk cId="0" sldId="292"/>
+            <ac:spMk id="5" creationId="{00000000-0000-0000-0000-000000000000}"/>
+          </ac:spMkLst>
+        </pc:spChg>
+        <pc:spChg chg="add mod">
+          <ac:chgData name="Judson Santiago" userId="ebb108da2f256286" providerId="LiveId" clId="{95A0EE36-1C5A-4AA8-99C4-AE7771F79553}" dt="2021-03-05T04:31:25.536" v="179" actId="164"/>
+          <ac:spMkLst>
+            <pc:docMk/>
+            <pc:sldMk cId="0" sldId="292"/>
+            <ac:spMk id="6" creationId="{C81CA089-73DA-4C28-9FBD-26A32CB3D4EB}"/>
+          </ac:spMkLst>
+        </pc:spChg>
+        <pc:spChg chg="add del">
+          <ac:chgData name="Judson Santiago" userId="ebb108da2f256286" providerId="LiveId" clId="{95A0EE36-1C5A-4AA8-99C4-AE7771F79553}" dt="2021-03-05T04:26:45.676" v="106" actId="478"/>
+          <ac:spMkLst>
+            <pc:docMk/>
+            <pc:sldMk cId="0" sldId="292"/>
+            <ac:spMk id="7" creationId="{00000000-0000-0000-0000-000000000000}"/>
+          </ac:spMkLst>
+        </pc:spChg>
+        <pc:spChg chg="mod">
+          <ac:chgData name="Judson Santiago" userId="ebb108da2f256286" providerId="LiveId" clId="{95A0EE36-1C5A-4AA8-99C4-AE7771F79553}" dt="2021-03-05T04:31:25.536" v="179" actId="164"/>
+          <ac:spMkLst>
+            <pc:docMk/>
+            <pc:sldMk cId="0" sldId="292"/>
+            <ac:spMk id="8" creationId="{00000000-0000-0000-0000-000000000000}"/>
+          </ac:spMkLst>
+        </pc:spChg>
+        <pc:spChg chg="add del mod">
+          <ac:chgData name="Judson Santiago" userId="ebb108da2f256286" providerId="LiveId" clId="{95A0EE36-1C5A-4AA8-99C4-AE7771F79553}" dt="2021-03-05T04:28:27.569" v="125" actId="478"/>
+          <ac:spMkLst>
+            <pc:docMk/>
+            <pc:sldMk cId="0" sldId="292"/>
+            <ac:spMk id="14" creationId="{02A48B52-3DA2-43FF-89BF-932491FC6C8A}"/>
+          </ac:spMkLst>
+        </pc:spChg>
+        <pc:spChg chg="mod">
+          <ac:chgData name="Judson Santiago" userId="ebb108da2f256286" providerId="LiveId" clId="{95A0EE36-1C5A-4AA8-99C4-AE7771F79553}" dt="2021-03-05T04:31:25.536" v="179" actId="164"/>
+          <ac:spMkLst>
+            <pc:docMk/>
+            <pc:sldMk cId="0" sldId="292"/>
+            <ac:spMk id="21" creationId="{00000000-0000-0000-0000-000000000000}"/>
+          </ac:spMkLst>
+        </pc:spChg>
+        <pc:grpChg chg="add mod">
+          <ac:chgData name="Judson Santiago" userId="ebb108da2f256286" providerId="LiveId" clId="{95A0EE36-1C5A-4AA8-99C4-AE7771F79553}" dt="2021-03-05T04:31:32.355" v="180" actId="1076"/>
+          <ac:grpSpMkLst>
+            <pc:docMk/>
+            <pc:sldMk cId="0" sldId="292"/>
+            <ac:grpSpMk id="17" creationId="{3CE35039-F696-45CC-A33A-370253A99676}"/>
+          </ac:grpSpMkLst>
+        </pc:grpChg>
+        <pc:cxnChg chg="mod">
+          <ac:chgData name="Judson Santiago" userId="ebb108da2f256286" providerId="LiveId" clId="{95A0EE36-1C5A-4AA8-99C4-AE7771F79553}" dt="2021-03-05T04:31:25.536" v="179" actId="164"/>
+          <ac:cxnSpMkLst>
+            <pc:docMk/>
+            <pc:sldMk cId="0" sldId="292"/>
+            <ac:cxnSpMk id="10" creationId="{00000000-0000-0000-0000-000000000000}"/>
+          </ac:cxnSpMkLst>
+        </pc:cxnChg>
+      </pc:sldChg>
+      <pc:sldChg chg="modSp mod">
+        <pc:chgData name="Judson Santiago" userId="ebb108da2f256286" providerId="LiveId" clId="{95A0EE36-1C5A-4AA8-99C4-AE7771F79553}" dt="2021-03-05T04:39:25.456" v="258" actId="20577"/>
+        <pc:sldMkLst>
+          <pc:docMk/>
+          <pc:sldMk cId="0" sldId="293"/>
+        </pc:sldMkLst>
+        <pc:spChg chg="mod">
+          <ac:chgData name="Judson Santiago" userId="ebb108da2f256286" providerId="LiveId" clId="{95A0EE36-1C5A-4AA8-99C4-AE7771F79553}" dt="2021-03-05T04:39:25.456" v="258" actId="20577"/>
+          <ac:spMkLst>
+            <pc:docMk/>
+            <pc:sldMk cId="0" sldId="293"/>
+            <ac:spMk id="2" creationId="{00000000-0000-0000-0000-000000000000}"/>
+          </ac:spMkLst>
+        </pc:spChg>
+      </pc:sldChg>
+      <pc:sldChg chg="modSp mod">
+        <pc:chgData name="Judson Santiago" userId="ebb108da2f256286" providerId="LiveId" clId="{95A0EE36-1C5A-4AA8-99C4-AE7771F79553}" dt="2021-03-05T04:38:01.781" v="244"/>
+        <pc:sldMkLst>
+          <pc:docMk/>
+          <pc:sldMk cId="0" sldId="294"/>
+        </pc:sldMkLst>
+        <pc:spChg chg="mod">
+          <ac:chgData name="Judson Santiago" userId="ebb108da2f256286" providerId="LiveId" clId="{95A0EE36-1C5A-4AA8-99C4-AE7771F79553}" dt="2021-03-05T04:37:00.028" v="226" actId="20577"/>
+          <ac:spMkLst>
+            <pc:docMk/>
+            <pc:sldMk cId="0" sldId="294"/>
+            <ac:spMk id="3" creationId="{00000000-0000-0000-0000-000000000000}"/>
+          </ac:spMkLst>
+        </pc:spChg>
+        <pc:spChg chg="mod">
+          <ac:chgData name="Judson Santiago" userId="ebb108da2f256286" providerId="LiveId" clId="{95A0EE36-1C5A-4AA8-99C4-AE7771F79553}" dt="2021-03-05T04:38:01.781" v="244"/>
+          <ac:spMkLst>
+            <pc:docMk/>
+            <pc:sldMk cId="0" sldId="294"/>
+            <ac:spMk id="4" creationId="{00000000-0000-0000-0000-000000000000}"/>
+          </ac:spMkLst>
+        </pc:spChg>
+      </pc:sldChg>
+      <pc:sldChg chg="modSp mod">
+        <pc:chgData name="Judson Santiago" userId="ebb108da2f256286" providerId="LiveId" clId="{95A0EE36-1C5A-4AA8-99C4-AE7771F79553}" dt="2021-03-05T04:42:37.741" v="261" actId="20577"/>
+        <pc:sldMkLst>
+          <pc:docMk/>
+          <pc:sldMk cId="0" sldId="297"/>
+        </pc:sldMkLst>
+        <pc:spChg chg="mod">
+          <ac:chgData name="Judson Santiago" userId="ebb108da2f256286" providerId="LiveId" clId="{95A0EE36-1C5A-4AA8-99C4-AE7771F79553}" dt="2021-03-05T04:42:37.741" v="261" actId="20577"/>
+          <ac:spMkLst>
+            <pc:docMk/>
+            <pc:sldMk cId="0" sldId="297"/>
+            <ac:spMk id="3" creationId="{00000000-0000-0000-0000-000000000000}"/>
+          </ac:spMkLst>
+        </pc:spChg>
+      </pc:sldChg>
+      <pc:sldChg chg="modSp mod modNotesTx">
+        <pc:chgData name="Judson Santiago" userId="ebb108da2f256286" providerId="LiveId" clId="{95A0EE36-1C5A-4AA8-99C4-AE7771F79553}" dt="2021-03-05T04:48:40.513" v="293" actId="57"/>
+        <pc:sldMkLst>
+          <pc:docMk/>
+          <pc:sldMk cId="0" sldId="328"/>
+        </pc:sldMkLst>
+        <pc:spChg chg="mod">
+          <ac:chgData name="Judson Santiago" userId="ebb108da2f256286" providerId="LiveId" clId="{95A0EE36-1C5A-4AA8-99C4-AE7771F79553}" dt="2021-03-05T04:48:26.695" v="291" actId="57"/>
+          <ac:spMkLst>
+            <pc:docMk/>
+            <pc:sldMk cId="0" sldId="328"/>
+            <ac:spMk id="3" creationId="{00000000-0000-0000-0000-000000000000}"/>
+          </ac:spMkLst>
+        </pc:spChg>
+      </pc:sldChg>
+      <pc:sldChg chg="modSp mod modNotesTx">
+        <pc:chgData name="Judson Santiago" userId="ebb108da2f256286" providerId="LiveId" clId="{95A0EE36-1C5A-4AA8-99C4-AE7771F79553}" dt="2021-03-05T03:36:05.405" v="70" actId="20577"/>
+        <pc:sldMkLst>
+          <pc:docMk/>
+          <pc:sldMk cId="2550401378" sldId="331"/>
+        </pc:sldMkLst>
+        <pc:spChg chg="mod">
+          <ac:chgData name="Judson Santiago" userId="ebb108da2f256286" providerId="LiveId" clId="{95A0EE36-1C5A-4AA8-99C4-AE7771F79553}" dt="2021-03-05T03:35:17.902" v="35" actId="404"/>
+          <ac:spMkLst>
+            <pc:docMk/>
+            <pc:sldMk cId="2550401378" sldId="331"/>
+            <ac:spMk id="3" creationId="{00000000-0000-0000-0000-000000000000}"/>
+          </ac:spMkLst>
+        </pc:spChg>
+      </pc:sldChg>
+      <pc:sldChg chg="modSp mod">
+        <pc:chgData name="Judson Santiago" userId="ebb108da2f256286" providerId="LiveId" clId="{95A0EE36-1C5A-4AA8-99C4-AE7771F79553}" dt="2021-03-05T04:45:30.588" v="287" actId="1076"/>
+        <pc:sldMkLst>
+          <pc:docMk/>
+          <pc:sldMk cId="870912715" sldId="332"/>
+        </pc:sldMkLst>
+        <pc:spChg chg="mod">
+          <ac:chgData name="Judson Santiago" userId="ebb108da2f256286" providerId="LiveId" clId="{95A0EE36-1C5A-4AA8-99C4-AE7771F79553}" dt="2021-03-05T04:44:53.967" v="269" actId="6549"/>
+          <ac:spMkLst>
+            <pc:docMk/>
+            <pc:sldMk cId="870912715" sldId="332"/>
+            <ac:spMk id="3" creationId="{00000000-0000-0000-0000-000000000000}"/>
+          </ac:spMkLst>
+        </pc:spChg>
+        <pc:spChg chg="mod">
+          <ac:chgData name="Judson Santiago" userId="ebb108da2f256286" providerId="LiveId" clId="{95A0EE36-1C5A-4AA8-99C4-AE7771F79553}" dt="2021-03-05T04:45:06.151" v="279" actId="1035"/>
+          <ac:spMkLst>
+            <pc:docMk/>
+            <pc:sldMk cId="870912715" sldId="332"/>
+            <ac:spMk id="4" creationId="{00000000-0000-0000-0000-000000000000}"/>
+          </ac:spMkLst>
+        </pc:spChg>
+        <pc:spChg chg="mod">
+          <ac:chgData name="Judson Santiago" userId="ebb108da2f256286" providerId="LiveId" clId="{95A0EE36-1C5A-4AA8-99C4-AE7771F79553}" dt="2021-03-05T04:45:30.588" v="287" actId="1076"/>
+          <ac:spMkLst>
+            <pc:docMk/>
+            <pc:sldMk cId="870912715" sldId="332"/>
+            <ac:spMk id="5" creationId="{00000000-0000-0000-0000-000000000000}"/>
+          </ac:spMkLst>
+        </pc:spChg>
+        <pc:spChg chg="mod">
+          <ac:chgData name="Judson Santiago" userId="ebb108da2f256286" providerId="LiveId" clId="{95A0EE36-1C5A-4AA8-99C4-AE7771F79553}" dt="2021-03-05T04:45:30.588" v="287" actId="1076"/>
+          <ac:spMkLst>
+            <pc:docMk/>
+            <pc:sldMk cId="870912715" sldId="332"/>
+            <ac:spMk id="6" creationId="{00000000-0000-0000-0000-000000000000}"/>
+          </ac:spMkLst>
+        </pc:spChg>
+      </pc:sldChg>
+      <pc:sldChg chg="modSp mod">
+        <pc:chgData name="Judson Santiago" userId="ebb108da2f256286" providerId="LiveId" clId="{95A0EE36-1C5A-4AA8-99C4-AE7771F79553}" dt="2021-03-05T04:34:20.598" v="218" actId="20577"/>
+        <pc:sldMkLst>
+          <pc:docMk/>
+          <pc:sldMk cId="1575579195" sldId="333"/>
+        </pc:sldMkLst>
+        <pc:spChg chg="mod">
+          <ac:chgData name="Judson Santiago" userId="ebb108da2f256286" providerId="LiveId" clId="{95A0EE36-1C5A-4AA8-99C4-AE7771F79553}" dt="2021-03-05T04:34:20.598" v="218" actId="20577"/>
+          <ac:spMkLst>
+            <pc:docMk/>
+            <pc:sldMk cId="1575579195" sldId="333"/>
+            <ac:spMk id="3" creationId="{00000000-0000-0000-0000-000000000000}"/>
+          </ac:spMkLst>
+        </pc:spChg>
+      </pc:sldChg>
+      <pc:sldChg chg="modSp mod">
+        <pc:chgData name="Judson Santiago" userId="ebb108da2f256286" providerId="LiveId" clId="{95A0EE36-1C5A-4AA8-99C4-AE7771F79553}" dt="2021-03-05T03:52:52.430" v="74" actId="207"/>
+        <pc:sldMkLst>
+          <pc:docMk/>
+          <pc:sldMk cId="3600969494" sldId="336"/>
+        </pc:sldMkLst>
+        <pc:spChg chg="mod">
+          <ac:chgData name="Judson Santiago" userId="ebb108da2f256286" providerId="LiveId" clId="{95A0EE36-1C5A-4AA8-99C4-AE7771F79553}" dt="2021-03-05T03:52:52.430" v="74" actId="207"/>
+          <ac:spMkLst>
+            <pc:docMk/>
+            <pc:sldMk cId="3600969494" sldId="336"/>
+            <ac:spMk id="3" creationId="{00000000-0000-0000-0000-000000000000}"/>
+          </ac:spMkLst>
+        </pc:spChg>
+      </pc:sldChg>
+    </pc:docChg>
   </pc:docChgLst>
   <pc:docChgLst>
     <pc:chgData name="Judson Santiago" userId="ebb108da2f256286" providerId="LiveId" clId="{CB83FBDD-8080-41E6-BD3E-89F304D88874}"/>
@@ -520,7 +1053,7 @@
             <a:fld id="{67DB6B99-E1E8-4D9C-A985-A63B30E347AC}" type="datetimeFigureOut">
               <a:rPr lang="pt-BR" smtClean="0"/>
               <a:pPr/>
-              <a:t>26/09/2019</a:t>
+              <a:t>05/03/2021</a:t>
             </a:fld>
             <a:endParaRPr lang="pt-BR" dirty="0"/>
           </a:p>
@@ -840,35 +1373,55 @@
           <a:lstStyle/>
           <a:p>
             <a:r>
-              <a:rPr lang="pt-BR" dirty="0"/>
-              <a:t>Resumo da aula:  comandos de entrada</a:t>
-            </a:r>
-            <a:r>
-              <a:rPr lang="pt-BR" baseline="0" dirty="0"/>
-              <a:t> de dados</a:t>
-            </a:r>
-            <a:r>
-              <a:rPr lang="pt-BR" baseline="0"/>
-              <a:t>, c</a:t>
-            </a:r>
-            <a:r>
-              <a:rPr lang="pt-BR"/>
-              <a:t>onstantes</a:t>
-            </a:r>
-            <a:r>
-              <a:rPr lang="pt-BR" dirty="0"/>
-              <a:t>/variáveis, declaração de variáveis</a:t>
-            </a:r>
-            <a:r>
-              <a:rPr lang="pt-BR"/>
-              <a:t>, atribuição </a:t>
-            </a:r>
-            <a:r>
-              <a:rPr lang="pt-BR" dirty="0"/>
-              <a:t>de valor, alteração de variáveis</a:t>
-            </a:r>
-          </a:p>
-          <a:p>
+              <a:rPr lang="pt-BR" b="0" i="0" dirty="0">
+                <a:solidFill>
+                  <a:srgbClr val="000000"/>
+                </a:solidFill>
+                <a:effectLst/>
+                <a:latin typeface="Verdana" panose="020B0604030504040204" pitchFamily="34" charset="0"/>
+              </a:rPr>
+              <a:t>Criação de constantes, tipos de constantes, constantes versus variáveis,</a:t>
+            </a:r>
+            <a:r>
+              <a:rPr lang="pt-BR" b="0" i="0" u="none" strike="noStrike" dirty="0">
+                <a:solidFill>
+                  <a:srgbClr val="000000"/>
+                </a:solidFill>
+                <a:effectLst/>
+                <a:latin typeface="Verdana" panose="020B0604030504040204" pitchFamily="34" charset="0"/>
+              </a:rPr>
+              <a:t> </a:t>
+            </a:r>
+            <a:r>
+              <a:rPr lang="pt-BR" b="0" i="0" dirty="0">
+                <a:solidFill>
+                  <a:srgbClr val="000000"/>
+                </a:solidFill>
+                <a:effectLst/>
+                <a:latin typeface="Verdana" panose="020B0604030504040204" pitchFamily="34" charset="0"/>
+              </a:rPr>
+              <a:t>declaração de variáveis, entrada de dados, atribuição de valor. Exploração da entrada e saída de dados com </a:t>
+            </a:r>
+            <a:r>
+              <a:rPr lang="pt-BR" b="0" i="0" dirty="0" err="1">
+                <a:solidFill>
+                  <a:srgbClr val="000000"/>
+                </a:solidFill>
+                <a:effectLst/>
+                <a:latin typeface="Verdana" panose="020B0604030504040204" pitchFamily="34" charset="0"/>
+              </a:rPr>
+              <a:t>cin</a:t>
+            </a:r>
+            <a:r>
+              <a:rPr lang="pt-BR" b="0" i="0" dirty="0">
+                <a:solidFill>
+                  <a:srgbClr val="000000"/>
+                </a:solidFill>
+                <a:effectLst/>
+                <a:latin typeface="Verdana" panose="020B0604030504040204" pitchFamily="34" charset="0"/>
+              </a:rPr>
+              <a:t> e cout. Criação e uso de variáveis dentro do programa. Utilização do depurador.</a:t>
+            </a:r>
             <a:endParaRPr lang="pt-BR" dirty="0"/>
           </a:p>
         </p:txBody>
@@ -954,10 +1507,7 @@
           <a:bodyPr/>
           <a:lstStyle/>
           <a:p>
-            <a:r>
-              <a:rPr lang="pt-BR" dirty="0"/>
-              <a:t>Ao processar uma declaração de variáveis o compilador faz uma série de tarefas.</a:t>
-            </a:r>
+            <a:endParaRPr lang="pt-BR" dirty="0"/>
           </a:p>
         </p:txBody>
       </p:sp>
@@ -979,7 +1529,7 @@
             <a:fld id="{83FCC293-6C0A-4CFC-8082-A55A9DD88714}" type="slidenum">
               <a:rPr lang="pt-BR" smtClean="0"/>
               <a:pPr/>
-              <a:t>14</a:t>
+              <a:t>13</a:t>
             </a:fld>
             <a:endParaRPr lang="pt-BR" dirty="0"/>
           </a:p>
@@ -988,7 +1538,7 @@
     </p:spTree>
     <p:extLst>
       <p:ext uri="{BB962C8B-B14F-4D97-AF65-F5344CB8AC3E}">
-        <p14:creationId xmlns:p14="http://schemas.microsoft.com/office/powerpoint/2010/main" val="1988557254"/>
+        <p14:creationId xmlns:p14="http://schemas.microsoft.com/office/powerpoint/2010/main" val="348474477"/>
       </p:ext>
     </p:extLst>
   </p:cSld>
@@ -1017,7 +1567,7 @@
       </p:grpSpPr>
       <p:sp>
         <p:nvSpPr>
-          <p:cNvPr id="2" name="Slide Image Placeholder 1"/>
+          <p:cNvPr id="2" name="Espaço Reservado para Imagem de Slide 1"/>
           <p:cNvSpPr>
             <a:spLocks noGrp="1" noRot="1" noChangeAspect="1"/>
           </p:cNvSpPr>
@@ -1025,16 +1575,11 @@
             <p:ph type="sldImg"/>
           </p:nvPr>
         </p:nvSpPr>
-        <p:spPr>
-          <a:xfrm>
-            <a:off x="381000" y="685800"/>
-            <a:ext cx="6096000" cy="3429000"/>
-          </a:xfrm>
-        </p:spPr>
-      </p:sp>
-      <p:sp>
-        <p:nvSpPr>
-          <p:cNvPr id="3" name="Notes Placeholder 2"/>
+        <p:spPr/>
+      </p:sp>
+      <p:sp>
+        <p:nvSpPr>
+          <p:cNvPr id="3" name="Espaço Reservado para Anotações 2"/>
           <p:cNvSpPr>
             <a:spLocks noGrp="1"/>
           </p:cNvSpPr>
@@ -1049,19 +1594,14 @@
           <a:p>
             <a:r>
               <a:rPr lang="pt-BR" dirty="0"/>
-              <a:t>cenouras é uma variável e</a:t>
-            </a:r>
-            <a:r>
-              <a:rPr lang="pt-BR" baseline="0" dirty="0"/>
-              <a:t> cenoura é outra. A primeira terá valor 34, a segunda terá valor 35.</a:t>
-            </a:r>
-            <a:endParaRPr lang="en-US" dirty="0"/>
-          </a:p>
-        </p:txBody>
-      </p:sp>
-      <p:sp>
-        <p:nvSpPr>
-          <p:cNvPr id="4" name="Slide Number Placeholder 3"/>
+              <a:t>Ao processar uma declaração de variáveis o compilador faz uma série de tarefas.</a:t>
+            </a:r>
+          </a:p>
+        </p:txBody>
+      </p:sp>
+      <p:sp>
+        <p:nvSpPr>
+          <p:cNvPr id="4" name="Espaço Reservado para Número de Slide 3"/>
           <p:cNvSpPr>
             <a:spLocks noGrp="1"/>
           </p:cNvSpPr>
@@ -1077,7 +1617,7 @@
             <a:fld id="{83FCC293-6C0A-4CFC-8082-A55A9DD88714}" type="slidenum">
               <a:rPr lang="pt-BR" smtClean="0"/>
               <a:pPr/>
-              <a:t>15</a:t>
+              <a:t>14</a:t>
             </a:fld>
             <a:endParaRPr lang="pt-BR" dirty="0"/>
           </a:p>
@@ -1086,7 +1626,7 @@
     </p:spTree>
     <p:extLst>
       <p:ext uri="{BB962C8B-B14F-4D97-AF65-F5344CB8AC3E}">
-        <p14:creationId xmlns:p14="http://schemas.microsoft.com/office/powerpoint/2010/main" val="2013251422"/>
+        <p14:creationId xmlns:p14="http://schemas.microsoft.com/office/powerpoint/2010/main" val="1988557254"/>
       </p:ext>
     </p:extLst>
   </p:cSld>
@@ -1147,11 +1687,11 @@
           <a:p>
             <a:r>
               <a:rPr lang="pt-BR" dirty="0"/>
-              <a:t>Ao contrário da linguagem C, em que originalmente todas as variáveis deviam</a:t>
+              <a:t>cenouras é uma variável e</a:t>
             </a:r>
             <a:r>
               <a:rPr lang="pt-BR" baseline="0" dirty="0"/>
-              <a:t> ser declaradas no início do programa.</a:t>
+              <a:t> cenoura é outra. A primeira terá valor 34, a segunda terá valor 35.</a:t>
             </a:r>
             <a:endParaRPr lang="en-US" dirty="0"/>
           </a:p>
@@ -1175,7 +1715,7 @@
             <a:fld id="{83FCC293-6C0A-4CFC-8082-A55A9DD88714}" type="slidenum">
               <a:rPr lang="pt-BR" smtClean="0"/>
               <a:pPr/>
-              <a:t>16</a:t>
+              <a:t>15</a:t>
             </a:fld>
             <a:endParaRPr lang="pt-BR" dirty="0"/>
           </a:p>
@@ -1184,7 +1724,7 @@
     </p:spTree>
     <p:extLst>
       <p:ext uri="{BB962C8B-B14F-4D97-AF65-F5344CB8AC3E}">
-        <p14:creationId xmlns:p14="http://schemas.microsoft.com/office/powerpoint/2010/main" val="3709224723"/>
+        <p14:creationId xmlns:p14="http://schemas.microsoft.com/office/powerpoint/2010/main" val="2013251422"/>
       </p:ext>
     </p:extLst>
   </p:cSld>
@@ -1213,7 +1753,7 @@
       </p:grpSpPr>
       <p:sp>
         <p:nvSpPr>
-          <p:cNvPr id="2" name="Espaço Reservado para Imagem de Slide 1"/>
+          <p:cNvPr id="2" name="Slide Image Placeholder 1"/>
           <p:cNvSpPr>
             <a:spLocks noGrp="1" noRot="1" noChangeAspect="1"/>
           </p:cNvSpPr>
@@ -1221,11 +1761,16 @@
             <p:ph type="sldImg"/>
           </p:nvPr>
         </p:nvSpPr>
-        <p:spPr/>
-      </p:sp>
-      <p:sp>
-        <p:nvSpPr>
-          <p:cNvPr id="3" name="Espaço Reservado para Anotações 2"/>
+        <p:spPr>
+          <a:xfrm>
+            <a:off x="381000" y="685800"/>
+            <a:ext cx="6096000" cy="3429000"/>
+          </a:xfrm>
+        </p:spPr>
+      </p:sp>
+      <p:sp>
+        <p:nvSpPr>
+          <p:cNvPr id="3" name="Notes Placeholder 2"/>
           <p:cNvSpPr>
             <a:spLocks noGrp="1"/>
           </p:cNvSpPr>
@@ -1238,44 +1783,21 @@
           <a:bodyPr/>
           <a:lstStyle/>
           <a:p>
-            <a:pPr marL="0" marR="0" lvl="0" indent="0" algn="l" defTabSz="914400" rtl="0" eaLnBrk="1" fontAlgn="auto" latinLnBrk="0" hangingPunct="1">
-              <a:lnSpc>
-                <a:spcPct val="100000"/>
-              </a:lnSpc>
-              <a:spcBef>
-                <a:spcPts val="0"/>
-              </a:spcBef>
-              <a:spcAft>
-                <a:spcPts val="0"/>
-              </a:spcAft>
-              <a:buClrTx/>
-              <a:buSzTx/>
-              <a:buFontTx/>
-              <a:buNone/>
-              <a:tabLst/>
-              <a:defRPr/>
-            </a:pPr>
-            <a:r>
-              <a:rPr lang="pt-BR" dirty="0">
-                <a:solidFill>
-                  <a:schemeClr val="accent3">
-                    <a:lumMod val="60000"/>
-                    <a:lumOff val="40000"/>
-                  </a:schemeClr>
-                </a:solidFill>
-              </a:rPr>
-              <a:t>» Mostrar que o nome cenoura some no código compilado observando o código Assembly no site godbolt.org</a:t>
-            </a:r>
-            <a:endParaRPr lang="pt-BR" dirty="0"/>
-          </a:p>
-          <a:p>
-            <a:endParaRPr lang="pt-BR" dirty="0"/>
-          </a:p>
-        </p:txBody>
-      </p:sp>
-      <p:sp>
-        <p:nvSpPr>
-          <p:cNvPr id="4" name="Espaço Reservado para Número de Slide 3"/>
+            <a:r>
+              <a:rPr lang="pt-BR" dirty="0"/>
+              <a:t>Ao contrário da linguagem C, em que originalmente todas as variáveis deviam</a:t>
+            </a:r>
+            <a:r>
+              <a:rPr lang="pt-BR" baseline="0" dirty="0"/>
+              <a:t> ser declaradas no início do programa.</a:t>
+            </a:r>
+            <a:endParaRPr lang="en-US" dirty="0"/>
+          </a:p>
+        </p:txBody>
+      </p:sp>
+      <p:sp>
+        <p:nvSpPr>
+          <p:cNvPr id="4" name="Slide Number Placeholder 3"/>
           <p:cNvSpPr>
             <a:spLocks noGrp="1"/>
           </p:cNvSpPr>
@@ -1291,7 +1813,7 @@
             <a:fld id="{83FCC293-6C0A-4CFC-8082-A55A9DD88714}" type="slidenum">
               <a:rPr lang="pt-BR" smtClean="0"/>
               <a:pPr/>
-              <a:t>17</a:t>
+              <a:t>16</a:t>
             </a:fld>
             <a:endParaRPr lang="pt-BR" dirty="0"/>
           </a:p>
@@ -1300,7 +1822,7 @@
     </p:spTree>
     <p:extLst>
       <p:ext uri="{BB962C8B-B14F-4D97-AF65-F5344CB8AC3E}">
-        <p14:creationId xmlns:p14="http://schemas.microsoft.com/office/powerpoint/2010/main" val="292655861"/>
+        <p14:creationId xmlns:p14="http://schemas.microsoft.com/office/powerpoint/2010/main" val="3709224723"/>
       </p:ext>
     </p:extLst>
   </p:cSld>
@@ -1354,6 +1876,23 @@
           <a:bodyPr/>
           <a:lstStyle/>
           <a:p>
+            <a:pPr marL="0" marR="0" lvl="0" indent="0" algn="l" defTabSz="914400" rtl="0" eaLnBrk="1" fontAlgn="auto" latinLnBrk="0" hangingPunct="1">
+              <a:lnSpc>
+                <a:spcPct val="100000"/>
+              </a:lnSpc>
+              <a:spcBef>
+                <a:spcPts val="0"/>
+              </a:spcBef>
+              <a:spcAft>
+                <a:spcPts val="0"/>
+              </a:spcAft>
+              <a:buClrTx/>
+              <a:buSzTx/>
+              <a:buFontTx/>
+              <a:buNone/>
+              <a:tabLst/>
+              <a:defRPr/>
+            </a:pPr>
             <a:r>
               <a:rPr lang="pt-BR" dirty="0">
                 <a:solidFill>
@@ -1363,21 +1902,9 @@
                   </a:schemeClr>
                 </a:solidFill>
               </a:rPr>
-              <a:t>» </a:t>
-            </a:r>
-            <a:r>
-              <a:rPr lang="pt-BR" dirty="0"/>
-              <a:t>Depurar o programa para</a:t>
-            </a:r>
-            <a:r>
-              <a:rPr lang="pt-BR" baseline="0" dirty="0"/>
-              <a:t> mostrar a mudança de valor das variáveis. Inicialmente elas começam com um lixo </a:t>
-            </a:r>
-            <a:r>
-              <a:rPr lang="pt-BR" baseline="0"/>
-              <a:t>da memória.</a:t>
-            </a:r>
-            <a:endParaRPr lang="pt-BR" baseline="0" dirty="0"/>
+              <a:t>» Mostrar que o nome cenoura some no código compilado observando o código Assembly no site godbolt.org</a:t>
+            </a:r>
+            <a:endParaRPr lang="pt-BR" dirty="0"/>
           </a:p>
           <a:p>
             <a:endParaRPr lang="pt-BR" dirty="0"/>
@@ -1402,7 +1929,7 @@
             <a:fld id="{83FCC293-6C0A-4CFC-8082-A55A9DD88714}" type="slidenum">
               <a:rPr lang="pt-BR" smtClean="0"/>
               <a:pPr/>
-              <a:t>20</a:t>
+              <a:t>17</a:t>
             </a:fld>
             <a:endParaRPr lang="pt-BR" dirty="0"/>
           </a:p>
@@ -1411,7 +1938,7 @@
     </p:spTree>
     <p:extLst>
       <p:ext uri="{BB962C8B-B14F-4D97-AF65-F5344CB8AC3E}">
-        <p14:creationId xmlns:p14="http://schemas.microsoft.com/office/powerpoint/2010/main" val="4032298155"/>
+        <p14:creationId xmlns:p14="http://schemas.microsoft.com/office/powerpoint/2010/main" val="292655861"/>
       </p:ext>
     </p:extLst>
   </p:cSld>
@@ -1448,12 +1975,7 @@
             <p:ph type="sldImg"/>
           </p:nvPr>
         </p:nvSpPr>
-        <p:spPr>
-          <a:xfrm>
-            <a:off x="381000" y="685800"/>
-            <a:ext cx="6096000" cy="3429000"/>
-          </a:xfrm>
-        </p:spPr>
+        <p:spPr/>
       </p:sp>
       <p:sp>
         <p:nvSpPr>
@@ -1467,19 +1989,35 @@
         </p:nvSpPr>
         <p:spPr/>
         <p:txBody>
-          <a:bodyPr>
-            <a:normAutofit/>
-          </a:bodyPr>
-          <a:lstStyle/>
-          <a:p>
+          <a:bodyPr/>
+          <a:lstStyle/>
+          <a:p>
+            <a:r>
+              <a:rPr lang="pt-BR" dirty="0">
+                <a:solidFill>
+                  <a:schemeClr val="accent3">
+                    <a:lumMod val="60000"/>
+                    <a:lumOff val="40000"/>
+                  </a:schemeClr>
+                </a:solidFill>
+              </a:rPr>
+              <a:t>» </a:t>
+            </a:r>
             <a:r>
               <a:rPr lang="pt-BR" dirty="0"/>
-              <a:t>A representação interna</a:t>
+              <a:t>Depurar o programa para</a:t>
             </a:r>
             <a:r>
               <a:rPr lang="pt-BR" baseline="0" dirty="0"/>
-              <a:t> de uma string é diferente da representação de um inteiro.</a:t>
-            </a:r>
+              <a:t> mostrar a mudança de valor das variáveis. Inicialmente elas começam com um lixo </a:t>
+            </a:r>
+            <a:r>
+              <a:rPr lang="pt-BR" baseline="0"/>
+              <a:t>da memória.</a:t>
+            </a:r>
+            <a:endParaRPr lang="pt-BR" baseline="0" dirty="0"/>
+          </a:p>
+          <a:p>
             <a:endParaRPr lang="pt-BR" dirty="0"/>
           </a:p>
         </p:txBody>
@@ -1502,7 +2040,7 @@
             <a:fld id="{83FCC293-6C0A-4CFC-8082-A55A9DD88714}" type="slidenum">
               <a:rPr lang="pt-BR" smtClean="0"/>
               <a:pPr/>
-              <a:t>21</a:t>
+              <a:t>20</a:t>
             </a:fld>
             <a:endParaRPr lang="pt-BR" dirty="0"/>
           </a:p>
@@ -1511,7 +2049,7 @@
     </p:spTree>
     <p:extLst>
       <p:ext uri="{BB962C8B-B14F-4D97-AF65-F5344CB8AC3E}">
-        <p14:creationId xmlns:p14="http://schemas.microsoft.com/office/powerpoint/2010/main" val="901736244"/>
+        <p14:creationId xmlns:p14="http://schemas.microsoft.com/office/powerpoint/2010/main" val="4032298155"/>
       </p:ext>
     </p:extLst>
   </p:cSld>
@@ -1548,7 +2086,12 @@
             <p:ph type="sldImg"/>
           </p:nvPr>
         </p:nvSpPr>
-        <p:spPr/>
+        <p:spPr>
+          <a:xfrm>
+            <a:off x="381000" y="685800"/>
+            <a:ext cx="6096000" cy="3429000"/>
+          </a:xfrm>
+        </p:spPr>
       </p:sp>
       <p:sp>
         <p:nvSpPr>
@@ -1562,13 +2105,20 @@
         </p:nvSpPr>
         <p:spPr/>
         <p:txBody>
-          <a:bodyPr/>
+          <a:bodyPr>
+            <a:normAutofit/>
+          </a:bodyPr>
           <a:lstStyle/>
           <a:p>
             <a:r>
               <a:rPr lang="pt-BR" dirty="0"/>
-              <a:t>Em C, %i é a mesma coisa que %d</a:t>
-            </a:r>
+              <a:t>A representação interna</a:t>
+            </a:r>
+            <a:r>
+              <a:rPr lang="pt-BR" baseline="0" dirty="0"/>
+              <a:t> de uma string é diferente da representação de um inteiro.</a:t>
+            </a:r>
+            <a:endParaRPr lang="pt-BR" dirty="0"/>
           </a:p>
         </p:txBody>
       </p:sp>
@@ -1590,7 +2140,7 @@
             <a:fld id="{83FCC293-6C0A-4CFC-8082-A55A9DD88714}" type="slidenum">
               <a:rPr lang="pt-BR" smtClean="0"/>
               <a:pPr/>
-              <a:t>22</a:t>
+              <a:t>21</a:t>
             </a:fld>
             <a:endParaRPr lang="pt-BR" dirty="0"/>
           </a:p>
@@ -1599,7 +2149,7 @@
     </p:spTree>
     <p:extLst>
       <p:ext uri="{BB962C8B-B14F-4D97-AF65-F5344CB8AC3E}">
-        <p14:creationId xmlns:p14="http://schemas.microsoft.com/office/powerpoint/2010/main" val="4089196984"/>
+        <p14:creationId xmlns:p14="http://schemas.microsoft.com/office/powerpoint/2010/main" val="901736244"/>
       </p:ext>
     </p:extLst>
   </p:cSld>
@@ -1654,25 +2204,9 @@
           <a:lstStyle/>
           <a:p>
             <a:r>
-              <a:rPr lang="pt-BR" dirty="0">
-                <a:solidFill>
-                  <a:schemeClr val="accent3">
-                    <a:lumMod val="60000"/>
-                    <a:lumOff val="40000"/>
-                  </a:schemeClr>
-                </a:solidFill>
-              </a:rPr>
-              <a:t>» </a:t>
-            </a:r>
-            <a:r>
               <a:rPr lang="pt-BR" dirty="0"/>
-              <a:t>Mostrar que os</a:t>
-            </a:r>
-            <a:r>
-              <a:rPr lang="pt-BR" baseline="0" dirty="0"/>
-              <a:t> valores lidos podem ser separados pelo caractere de NOVA LINHA ou ESPAÇO.</a:t>
-            </a:r>
-            <a:endParaRPr lang="pt-BR" dirty="0"/>
+              <a:t>Em C, %i é a mesma coisa que %d</a:t>
+            </a:r>
           </a:p>
         </p:txBody>
       </p:sp>
@@ -1694,7 +2228,7 @@
             <a:fld id="{83FCC293-6C0A-4CFC-8082-A55A9DD88714}" type="slidenum">
               <a:rPr lang="pt-BR" smtClean="0"/>
               <a:pPr/>
-              <a:t>25</a:t>
+              <a:t>22</a:t>
             </a:fld>
             <a:endParaRPr lang="pt-BR" dirty="0"/>
           </a:p>
@@ -1703,7 +2237,7 @@
     </p:spTree>
     <p:extLst>
       <p:ext uri="{BB962C8B-B14F-4D97-AF65-F5344CB8AC3E}">
-        <p14:creationId xmlns:p14="http://schemas.microsoft.com/office/powerpoint/2010/main" val="32128034"/>
+        <p14:creationId xmlns:p14="http://schemas.microsoft.com/office/powerpoint/2010/main" val="4089196984"/>
       </p:ext>
     </p:extLst>
   </p:cSld>
@@ -1757,23 +2291,6 @@
           <a:bodyPr/>
           <a:lstStyle/>
           <a:p>
-            <a:pPr marL="0" marR="0" lvl="0" indent="0" algn="l" defTabSz="914400" rtl="0" eaLnBrk="1" fontAlgn="auto" latinLnBrk="0" hangingPunct="1">
-              <a:lnSpc>
-                <a:spcPct val="100000"/>
-              </a:lnSpc>
-              <a:spcBef>
-                <a:spcPts val="0"/>
-              </a:spcBef>
-              <a:spcAft>
-                <a:spcPts val="0"/>
-              </a:spcAft>
-              <a:buClrTx/>
-              <a:buSzTx/>
-              <a:buFontTx/>
-              <a:buNone/>
-              <a:tabLst/>
-              <a:defRPr/>
-            </a:pPr>
             <a:r>
               <a:rPr lang="pt-BR" dirty="0">
                 <a:solidFill>
@@ -1787,10 +2304,12 @@
             </a:r>
             <a:r>
               <a:rPr lang="pt-BR" dirty="0"/>
-              <a:t>Demonstrar funcionamento do buffer do teclado</a:t>
-            </a:r>
-          </a:p>
-          <a:p>
+              <a:t>Mostrar que os</a:t>
+            </a:r>
+            <a:r>
+              <a:rPr lang="pt-BR" baseline="0" dirty="0"/>
+              <a:t> valores lidos podem ser separados pelo caractere de NOVA LINHA ou ESPAÇO.</a:t>
+            </a:r>
             <a:endParaRPr lang="pt-BR" dirty="0"/>
           </a:p>
         </p:txBody>
@@ -1802,7 +2321,7 @@
             <a:spLocks noGrp="1"/>
           </p:cNvSpPr>
           <p:nvPr>
-            <p:ph type="sldNum" sz="quarter" idx="5"/>
+            <p:ph type="sldNum" sz="quarter" idx="10"/>
           </p:nvPr>
         </p:nvSpPr>
         <p:spPr/>
@@ -1813,7 +2332,7 @@
             <a:fld id="{83FCC293-6C0A-4CFC-8082-A55A9DD88714}" type="slidenum">
               <a:rPr lang="pt-BR" smtClean="0"/>
               <a:pPr/>
-              <a:t>26</a:t>
+              <a:t>25</a:t>
             </a:fld>
             <a:endParaRPr lang="pt-BR" dirty="0"/>
           </a:p>
@@ -1822,7 +2341,7 @@
     </p:spTree>
     <p:extLst>
       <p:ext uri="{BB962C8B-B14F-4D97-AF65-F5344CB8AC3E}">
-        <p14:creationId xmlns:p14="http://schemas.microsoft.com/office/powerpoint/2010/main" val="3126250119"/>
+        <p14:creationId xmlns:p14="http://schemas.microsoft.com/office/powerpoint/2010/main" val="32128034"/>
       </p:ext>
     </p:extLst>
   </p:cSld>
@@ -1876,10 +2395,41 @@
           <a:bodyPr/>
           <a:lstStyle/>
           <a:p>
+            <a:pPr marL="0" marR="0" lvl="0" indent="0" algn="l" defTabSz="914400" rtl="0" eaLnBrk="1" fontAlgn="auto" latinLnBrk="0" hangingPunct="1">
+              <a:lnSpc>
+                <a:spcPct val="100000"/>
+              </a:lnSpc>
+              <a:spcBef>
+                <a:spcPts val="0"/>
+              </a:spcBef>
+              <a:spcAft>
+                <a:spcPts val="0"/>
+              </a:spcAft>
+              <a:buClrTx/>
+              <a:buSzTx/>
+              <a:buFontTx/>
+              <a:buNone/>
+              <a:tabLst/>
+              <a:defRPr/>
+            </a:pPr>
+            <a:r>
+              <a:rPr lang="pt-BR" dirty="0">
+                <a:solidFill>
+                  <a:schemeClr val="accent3">
+                    <a:lumMod val="60000"/>
+                    <a:lumOff val="40000"/>
+                  </a:schemeClr>
+                </a:solidFill>
+              </a:rPr>
+              <a:t>» </a:t>
+            </a:r>
             <a:r>
               <a:rPr lang="pt-BR" dirty="0"/>
-              <a:t>* Durante a execução do programa</a:t>
-            </a:r>
+              <a:t>Demonstrar funcionamento do buffer do teclado</a:t>
+            </a:r>
+          </a:p>
+          <a:p>
+            <a:endParaRPr lang="pt-BR" dirty="0"/>
           </a:p>
         </p:txBody>
       </p:sp>
@@ -1890,7 +2440,7 @@
             <a:spLocks noGrp="1"/>
           </p:cNvSpPr>
           <p:nvPr>
-            <p:ph type="sldNum" sz="quarter" idx="10"/>
+            <p:ph type="sldNum" sz="quarter" idx="5"/>
           </p:nvPr>
         </p:nvSpPr>
         <p:spPr/>
@@ -1901,7 +2451,7 @@
             <a:fld id="{83FCC293-6C0A-4CFC-8082-A55A9DD88714}" type="slidenum">
               <a:rPr lang="pt-BR" smtClean="0"/>
               <a:pPr/>
-              <a:t>28</a:t>
+              <a:t>26</a:t>
             </a:fld>
             <a:endParaRPr lang="pt-BR" dirty="0"/>
           </a:p>
@@ -1910,7 +2460,7 @@
     </p:spTree>
     <p:extLst>
       <p:ext uri="{BB962C8B-B14F-4D97-AF65-F5344CB8AC3E}">
-        <p14:creationId xmlns:p14="http://schemas.microsoft.com/office/powerpoint/2010/main" val="1689809597"/>
+        <p14:creationId xmlns:p14="http://schemas.microsoft.com/office/powerpoint/2010/main" val="3126250119"/>
       </p:ext>
     </p:extLst>
   </p:cSld>
@@ -1964,60 +2514,10 @@
           <a:bodyPr/>
           <a:lstStyle/>
           <a:p>
-            <a:pPr marL="0" marR="0" lvl="0" indent="0" algn="l" defTabSz="914400" rtl="0" eaLnBrk="1" fontAlgn="auto" latinLnBrk="0" hangingPunct="1">
-              <a:lnSpc>
-                <a:spcPct val="100000"/>
-              </a:lnSpc>
-              <a:spcBef>
-                <a:spcPts val="0"/>
-              </a:spcBef>
-              <a:spcAft>
-                <a:spcPts val="0"/>
-              </a:spcAft>
-              <a:buClrTx/>
-              <a:buSzTx/>
-              <a:buFontTx/>
-              <a:buNone/>
-              <a:tabLst/>
-              <a:defRPr/>
-            </a:pPr>
-            <a:r>
-              <a:rPr lang="pt-BR" dirty="0">
-                <a:solidFill>
-                  <a:schemeClr val="accent3">
-                    <a:lumMod val="60000"/>
-                    <a:lumOff val="40000"/>
-                  </a:schemeClr>
-                </a:solidFill>
-              </a:rPr>
-              <a:t>» Demostrar a compilação através do Prompt de Comando do Desenvolvedor: “cl /</a:t>
-            </a:r>
-            <a:r>
-              <a:rPr lang="pt-BR" dirty="0" err="1">
-                <a:solidFill>
-                  <a:schemeClr val="accent3">
-                    <a:lumMod val="60000"/>
-                    <a:lumOff val="40000"/>
-                  </a:schemeClr>
-                </a:solidFill>
-              </a:rPr>
-              <a:t>EHsc</a:t>
-            </a:r>
-            <a:r>
-              <a:rPr lang="pt-BR" dirty="0">
-                <a:solidFill>
-                  <a:schemeClr val="accent3">
-                    <a:lumMod val="60000"/>
-                    <a:lumOff val="40000"/>
-                  </a:schemeClr>
-                </a:solidFill>
-              </a:rPr>
-              <a:t> Teste.cpp”</a:t>
-            </a:r>
-            <a:endParaRPr lang="pt-BR" dirty="0"/>
-          </a:p>
-          <a:p>
-            <a:endParaRPr lang="pt-BR" dirty="0"/>
+            <a:r>
+              <a:rPr lang="pt-BR" dirty="0"/>
+              <a:t>Como vimos nas últimas aulas...</a:t>
+            </a:r>
           </a:p>
         </p:txBody>
       </p:sp>
@@ -2039,7 +2539,7 @@
             <a:fld id="{83FCC293-6C0A-4CFC-8082-A55A9DD88714}" type="slidenum">
               <a:rPr lang="pt-BR" smtClean="0"/>
               <a:pPr/>
-              <a:t>4</a:t>
+              <a:t>2</a:t>
             </a:fld>
             <a:endParaRPr lang="pt-BR" dirty="0"/>
           </a:p>
@@ -2048,7 +2548,99 @@
     </p:spTree>
     <p:extLst>
       <p:ext uri="{BB962C8B-B14F-4D97-AF65-F5344CB8AC3E}">
-        <p14:creationId xmlns:p14="http://schemas.microsoft.com/office/powerpoint/2010/main" val="1915512446"/>
+        <p14:creationId xmlns:p14="http://schemas.microsoft.com/office/powerpoint/2010/main" val="913407147"/>
+      </p:ext>
+    </p:extLst>
+  </p:cSld>
+  <p:clrMapOvr>
+    <a:masterClrMapping/>
+  </p:clrMapOvr>
+</p:notes>
+</file>
+
+<file path=ppt/notesSlides/notesSlide20.xml><?xml version="1.0" encoding="utf-8"?>
+<p:notes xmlns:a="http://schemas.openxmlformats.org/drawingml/2006/main" xmlns:r="http://schemas.openxmlformats.org/officeDocument/2006/relationships" xmlns:p="http://schemas.openxmlformats.org/presentationml/2006/main">
+  <p:cSld>
+    <p:spTree>
+      <p:nvGrpSpPr>
+        <p:cNvPr id="1" name=""/>
+        <p:cNvGrpSpPr/>
+        <p:nvPr/>
+      </p:nvGrpSpPr>
+      <p:grpSpPr>
+        <a:xfrm>
+          <a:off x="0" y="0"/>
+          <a:ext cx="0" cy="0"/>
+          <a:chOff x="0" y="0"/>
+          <a:chExt cx="0" cy="0"/>
+        </a:xfrm>
+      </p:grpSpPr>
+      <p:sp>
+        <p:nvSpPr>
+          <p:cNvPr id="2" name="Espaço Reservado para Imagem de Slide 1"/>
+          <p:cNvSpPr>
+            <a:spLocks noGrp="1" noRot="1" noChangeAspect="1"/>
+          </p:cNvSpPr>
+          <p:nvPr>
+            <p:ph type="sldImg"/>
+          </p:nvPr>
+        </p:nvSpPr>
+        <p:spPr/>
+      </p:sp>
+      <p:sp>
+        <p:nvSpPr>
+          <p:cNvPr id="3" name="Espaço Reservado para Anotações 2"/>
+          <p:cNvSpPr>
+            <a:spLocks noGrp="1"/>
+          </p:cNvSpPr>
+          <p:nvPr>
+            <p:ph type="body" idx="1"/>
+          </p:nvPr>
+        </p:nvSpPr>
+        <p:spPr/>
+        <p:txBody>
+          <a:bodyPr/>
+          <a:lstStyle/>
+          <a:p>
+            <a:r>
+              <a:rPr lang="pt-BR" baseline="0" dirty="0"/>
+              <a:t>†</a:t>
+            </a:r>
+            <a:r>
+              <a:rPr lang="pt-BR" dirty="0"/>
+              <a:t> Durante a execução do programa</a:t>
+            </a:r>
+          </a:p>
+        </p:txBody>
+      </p:sp>
+      <p:sp>
+        <p:nvSpPr>
+          <p:cNvPr id="4" name="Espaço Reservado para Número de Slide 3"/>
+          <p:cNvSpPr>
+            <a:spLocks noGrp="1"/>
+          </p:cNvSpPr>
+          <p:nvPr>
+            <p:ph type="sldNum" sz="quarter" idx="10"/>
+          </p:nvPr>
+        </p:nvSpPr>
+        <p:spPr/>
+        <p:txBody>
+          <a:bodyPr/>
+          <a:lstStyle/>
+          <a:p>
+            <a:fld id="{83FCC293-6C0A-4CFC-8082-A55A9DD88714}" type="slidenum">
+              <a:rPr lang="pt-BR" smtClean="0"/>
+              <a:pPr/>
+              <a:t>28</a:t>
+            </a:fld>
+            <a:endParaRPr lang="pt-BR" dirty="0"/>
+          </a:p>
+        </p:txBody>
+      </p:sp>
+    </p:spTree>
+    <p:extLst>
+      <p:ext uri="{BB962C8B-B14F-4D97-AF65-F5344CB8AC3E}">
+        <p14:creationId xmlns:p14="http://schemas.microsoft.com/office/powerpoint/2010/main" val="1689809597"/>
       </p:ext>
     </p:extLst>
   </p:cSld>
@@ -2085,12 +2677,7 @@
             <p:ph type="sldImg"/>
           </p:nvPr>
         </p:nvSpPr>
-        <p:spPr>
-          <a:xfrm>
-            <a:off x="381000" y="685800"/>
-            <a:ext cx="6096000" cy="3429000"/>
-          </a:xfrm>
-        </p:spPr>
+        <p:spPr/>
       </p:sp>
       <p:sp>
         <p:nvSpPr>
@@ -2107,14 +2694,59 @@
           <a:bodyPr/>
           <a:lstStyle/>
           <a:p>
-            <a:r>
-              <a:rPr lang="pt-BR" dirty="0"/>
-              <a:t>Uma declaração e uma atribuição de valor são os novos</a:t>
-            </a:r>
-            <a:r>
-              <a:rPr lang="pt-BR" baseline="0" dirty="0"/>
-              <a:t> elementos desse exemplo. Observe as diferentes formas de mostrar mensagens e exibir o conteúdo de variáveis usando o cout.</a:t>
-            </a:r>
+            <a:pPr marL="0" marR="0" lvl="0" indent="0" algn="l" defTabSz="914400" rtl="0" eaLnBrk="1" fontAlgn="auto" latinLnBrk="0" hangingPunct="1">
+              <a:lnSpc>
+                <a:spcPct val="100000"/>
+              </a:lnSpc>
+              <a:spcBef>
+                <a:spcPts val="0"/>
+              </a:spcBef>
+              <a:spcAft>
+                <a:spcPts val="0"/>
+              </a:spcAft>
+              <a:buClrTx/>
+              <a:buSzTx/>
+              <a:buFontTx/>
+              <a:buNone/>
+              <a:tabLst/>
+              <a:defRPr/>
+            </a:pPr>
+            <a:r>
+              <a:rPr lang="pt-BR" dirty="0">
+                <a:solidFill>
+                  <a:schemeClr val="accent3">
+                    <a:lumMod val="60000"/>
+                    <a:lumOff val="40000"/>
+                  </a:schemeClr>
+                </a:solidFill>
+              </a:rPr>
+              <a:t>» Demostrar a compilação através do Prompt de Comando do Desenvolvedor: “cl /</a:t>
+            </a:r>
+            <a:r>
+              <a:rPr lang="pt-BR" dirty="0" err="1">
+                <a:solidFill>
+                  <a:schemeClr val="accent3">
+                    <a:lumMod val="60000"/>
+                    <a:lumOff val="40000"/>
+                  </a:schemeClr>
+                </a:solidFill>
+              </a:rPr>
+              <a:t>EHsc</a:t>
+            </a:r>
+            <a:r>
+              <a:rPr lang="pt-BR" dirty="0">
+                <a:solidFill>
+                  <a:schemeClr val="accent3">
+                    <a:lumMod val="60000"/>
+                    <a:lumOff val="40000"/>
+                  </a:schemeClr>
+                </a:solidFill>
+              </a:rPr>
+              <a:t> Teste.cpp”</a:t>
+            </a:r>
+            <a:endParaRPr lang="pt-BR" dirty="0"/>
+          </a:p>
+          <a:p>
             <a:endParaRPr lang="pt-BR" dirty="0"/>
           </a:p>
         </p:txBody>
@@ -2126,7 +2758,7 @@
             <a:spLocks noGrp="1"/>
           </p:cNvSpPr>
           <p:nvPr>
-            <p:ph type="sldNum" sz="quarter" idx="10"/>
+            <p:ph type="sldNum" sz="quarter" idx="5"/>
           </p:nvPr>
         </p:nvSpPr>
         <p:spPr/>
@@ -2137,7 +2769,7 @@
             <a:fld id="{83FCC293-6C0A-4CFC-8082-A55A9DD88714}" type="slidenum">
               <a:rPr lang="pt-BR" smtClean="0"/>
               <a:pPr/>
-              <a:t>5</a:t>
+              <a:t>4</a:t>
             </a:fld>
             <a:endParaRPr lang="pt-BR" dirty="0"/>
           </a:p>
@@ -2146,7 +2778,7 @@
     </p:spTree>
     <p:extLst>
       <p:ext uri="{BB962C8B-B14F-4D97-AF65-F5344CB8AC3E}">
-        <p14:creationId xmlns:p14="http://schemas.microsoft.com/office/powerpoint/2010/main" val="999314018"/>
+        <p14:creationId xmlns:p14="http://schemas.microsoft.com/office/powerpoint/2010/main" val="1915512446"/>
       </p:ext>
     </p:extLst>
   </p:cSld>
@@ -2183,7 +2815,12 @@
             <p:ph type="sldImg"/>
           </p:nvPr>
         </p:nvSpPr>
-        <p:spPr/>
+        <p:spPr>
+          <a:xfrm>
+            <a:off x="381000" y="685800"/>
+            <a:ext cx="6096000" cy="3429000"/>
+          </a:xfrm>
+        </p:spPr>
       </p:sp>
       <p:sp>
         <p:nvSpPr>
@@ -2200,6 +2837,14 @@
           <a:bodyPr/>
           <a:lstStyle/>
           <a:p>
+            <a:r>
+              <a:rPr lang="pt-BR" dirty="0"/>
+              <a:t>Uma declaração e uma atribuição de valor são os novos</a:t>
+            </a:r>
+            <a:r>
+              <a:rPr lang="pt-BR" baseline="0" dirty="0"/>
+              <a:t> elementos desse exemplo. Observe as diferentes formas de mostrar mensagens e exibir o conteúdo de variáveis usando o cout.</a:t>
+            </a:r>
             <a:endParaRPr lang="pt-BR" dirty="0"/>
           </a:p>
         </p:txBody>
@@ -2222,7 +2867,7 @@
             <a:fld id="{83FCC293-6C0A-4CFC-8082-A55A9DD88714}" type="slidenum">
               <a:rPr lang="pt-BR" smtClean="0"/>
               <a:pPr/>
-              <a:t>6</a:t>
+              <a:t>5</a:t>
             </a:fld>
             <a:endParaRPr lang="pt-BR" dirty="0"/>
           </a:p>
@@ -2231,7 +2876,7 @@
     </p:spTree>
     <p:extLst>
       <p:ext uri="{BB962C8B-B14F-4D97-AF65-F5344CB8AC3E}">
-        <p14:creationId xmlns:p14="http://schemas.microsoft.com/office/powerpoint/2010/main" val="2591780449"/>
+        <p14:creationId xmlns:p14="http://schemas.microsoft.com/office/powerpoint/2010/main" val="999314018"/>
       </p:ext>
     </p:extLst>
   </p:cSld>
@@ -2285,50 +2930,6 @@
           <a:bodyPr/>
           <a:lstStyle/>
           <a:p>
-            <a:r>
-              <a:rPr lang="pt-BR" dirty="0">
-                <a:solidFill>
-                  <a:schemeClr val="accent3">
-                    <a:lumMod val="60000"/>
-                    <a:lumOff val="40000"/>
-                  </a:schemeClr>
-                </a:solidFill>
-              </a:rPr>
-              <a:t>» Demostrar criação de constantes numéricas (decimal,</a:t>
-            </a:r>
-            <a:r>
-              <a:rPr lang="pt-BR" baseline="0" dirty="0">
-                <a:solidFill>
-                  <a:schemeClr val="accent3">
-                    <a:lumMod val="60000"/>
-                    <a:lumOff val="40000"/>
-                  </a:schemeClr>
-                </a:solidFill>
-              </a:rPr>
-              <a:t> hexadecimal, octal e binário) </a:t>
-            </a:r>
-            <a:r>
-              <a:rPr lang="pt-BR" dirty="0">
-                <a:solidFill>
-                  <a:schemeClr val="accent3">
-                    <a:lumMod val="60000"/>
-                    <a:lumOff val="40000"/>
-                  </a:schemeClr>
-                </a:solidFill>
-              </a:rPr>
-              <a:t>em </a:t>
-            </a:r>
-            <a:r>
-              <a:rPr lang="pt-BR">
-                <a:solidFill>
-                  <a:schemeClr val="accent3">
-                    <a:lumMod val="60000"/>
-                    <a:lumOff val="40000"/>
-                  </a:schemeClr>
-                </a:solidFill>
-              </a:rPr>
-              <a:t>um programa</a:t>
-            </a:r>
             <a:endParaRPr lang="pt-BR" dirty="0"/>
           </a:p>
         </p:txBody>
@@ -2351,7 +2952,7 @@
             <a:fld id="{83FCC293-6C0A-4CFC-8082-A55A9DD88714}" type="slidenum">
               <a:rPr lang="pt-BR" smtClean="0"/>
               <a:pPr/>
-              <a:t>7</a:t>
+              <a:t>6</a:t>
             </a:fld>
             <a:endParaRPr lang="pt-BR" dirty="0"/>
           </a:p>
@@ -2360,7 +2961,7 @@
     </p:spTree>
     <p:extLst>
       <p:ext uri="{BB962C8B-B14F-4D97-AF65-F5344CB8AC3E}">
-        <p14:creationId xmlns:p14="http://schemas.microsoft.com/office/powerpoint/2010/main" val="2804562728"/>
+        <p14:creationId xmlns:p14="http://schemas.microsoft.com/office/powerpoint/2010/main" val="2591780449"/>
       </p:ext>
     </p:extLst>
   </p:cSld>
@@ -2414,24 +3015,51 @@
           <a:bodyPr/>
           <a:lstStyle/>
           <a:p>
-            <a:pPr marL="0" marR="0" indent="0" algn="l" defTabSz="914400" rtl="0" eaLnBrk="1" fontAlgn="auto" latinLnBrk="0" hangingPunct="1">
-              <a:lnSpc>
-                <a:spcPct val="100000"/>
-              </a:lnSpc>
-              <a:spcBef>
-                <a:spcPts val="0"/>
-              </a:spcBef>
-              <a:spcAft>
-                <a:spcPts val="0"/>
-              </a:spcAft>
-              <a:buClrTx/>
-              <a:buSzTx/>
-              <a:buFontTx/>
-              <a:buNone/>
-              <a:tabLst/>
-              <a:defRPr/>
-            </a:pPr>
-            <a:endParaRPr lang="pt-BR" baseline="0" dirty="0"/>
+            <a:r>
+              <a:rPr lang="pt-BR" dirty="0">
+                <a:solidFill>
+                  <a:schemeClr val="accent3">
+                    <a:lumMod val="60000"/>
+                    <a:lumOff val="40000"/>
+                  </a:schemeClr>
+                </a:solidFill>
+              </a:rPr>
+              <a:t>» Demostrar criação de constantes numéricas (decimal,</a:t>
+            </a:r>
+            <a:r>
+              <a:rPr lang="pt-BR" baseline="0" dirty="0">
+                <a:solidFill>
+                  <a:schemeClr val="accent3">
+                    <a:lumMod val="60000"/>
+                    <a:lumOff val="40000"/>
+                  </a:schemeClr>
+                </a:solidFill>
+              </a:rPr>
+              <a:t> hexadecimal, octal e binário) </a:t>
+            </a:r>
+            <a:r>
+              <a:rPr lang="pt-BR" dirty="0">
+                <a:solidFill>
+                  <a:schemeClr val="accent3">
+                    <a:lumMod val="60000"/>
+                    <a:lumOff val="40000"/>
+                  </a:schemeClr>
+                </a:solidFill>
+              </a:rPr>
+              <a:t>em </a:t>
+            </a:r>
+            <a:r>
+              <a:rPr lang="pt-BR">
+                <a:solidFill>
+                  <a:schemeClr val="accent3">
+                    <a:lumMod val="60000"/>
+                    <a:lumOff val="40000"/>
+                  </a:schemeClr>
+                </a:solidFill>
+              </a:rPr>
+              <a:t>um programa</a:t>
+            </a:r>
+            <a:endParaRPr lang="pt-BR" dirty="0"/>
           </a:p>
         </p:txBody>
       </p:sp>
@@ -2453,7 +3081,7 @@
             <a:fld id="{83FCC293-6C0A-4CFC-8082-A55A9DD88714}" type="slidenum">
               <a:rPr lang="pt-BR" smtClean="0"/>
               <a:pPr/>
-              <a:t>8</a:t>
+              <a:t>7</a:t>
             </a:fld>
             <a:endParaRPr lang="pt-BR" dirty="0"/>
           </a:p>
@@ -2462,7 +3090,7 @@
     </p:spTree>
     <p:extLst>
       <p:ext uri="{BB962C8B-B14F-4D97-AF65-F5344CB8AC3E}">
-        <p14:creationId xmlns:p14="http://schemas.microsoft.com/office/powerpoint/2010/main" val="4044498340"/>
+        <p14:creationId xmlns:p14="http://schemas.microsoft.com/office/powerpoint/2010/main" val="2804562728"/>
       </p:ext>
     </p:extLst>
   </p:cSld>
@@ -2499,12 +3127,7 @@
             <p:ph type="sldImg"/>
           </p:nvPr>
         </p:nvSpPr>
-        <p:spPr>
-          <a:xfrm>
-            <a:off x="381000" y="685800"/>
-            <a:ext cx="6096000" cy="3429000"/>
-          </a:xfrm>
-        </p:spPr>
+        <p:spPr/>
       </p:sp>
       <p:sp>
         <p:nvSpPr>
@@ -2521,48 +3144,23 @@
           <a:bodyPr/>
           <a:lstStyle/>
           <a:p>
-            <a:r>
-              <a:rPr lang="pt-BR" dirty="0"/>
-              <a:t>0x1E</a:t>
-            </a:r>
-            <a:r>
-              <a:rPr lang="pt-BR" baseline="0" dirty="0"/>
-              <a:t> (hexadecimal) = 1x16</a:t>
-            </a:r>
-            <a:r>
-              <a:rPr lang="pt-BR" baseline="30000" dirty="0"/>
-              <a:t>1</a:t>
-            </a:r>
-            <a:r>
-              <a:rPr lang="pt-BR" baseline="0" dirty="0"/>
-              <a:t> + E(14) x 16</a:t>
-            </a:r>
-            <a:r>
-              <a:rPr lang="pt-BR" baseline="30000" dirty="0"/>
-              <a:t>0</a:t>
-            </a:r>
-            <a:r>
-              <a:rPr lang="pt-BR" baseline="0" dirty="0"/>
-              <a:t> = 30 (decimal)</a:t>
-            </a:r>
-          </a:p>
-          <a:p>
-            <a:r>
-              <a:rPr lang="pt-BR" baseline="0" dirty="0"/>
-              <a:t>25 (decimal) = 2 x 10</a:t>
-            </a:r>
-            <a:r>
-              <a:rPr lang="pt-BR" baseline="30000" dirty="0"/>
-              <a:t>1</a:t>
-            </a:r>
-            <a:r>
-              <a:rPr lang="pt-BR" baseline="0" dirty="0"/>
-              <a:t> + 5 x 10</a:t>
-            </a:r>
-            <a:r>
-              <a:rPr lang="pt-BR" baseline="30000" dirty="0"/>
-              <a:t>0</a:t>
-            </a:r>
+            <a:pPr marL="0" marR="0" indent="0" algn="l" defTabSz="914400" rtl="0" eaLnBrk="1" fontAlgn="auto" latinLnBrk="0" hangingPunct="1">
+              <a:lnSpc>
+                <a:spcPct val="100000"/>
+              </a:lnSpc>
+              <a:spcBef>
+                <a:spcPts val="0"/>
+              </a:spcBef>
+              <a:spcAft>
+                <a:spcPts val="0"/>
+              </a:spcAft>
+              <a:buClrTx/>
+              <a:buSzTx/>
+              <a:buFontTx/>
+              <a:buNone/>
+              <a:tabLst/>
+              <a:defRPr/>
+            </a:pPr>
             <a:endParaRPr lang="pt-BR" baseline="0" dirty="0"/>
           </a:p>
         </p:txBody>
@@ -2585,7 +3183,7 @@
             <a:fld id="{83FCC293-6C0A-4CFC-8082-A55A9DD88714}" type="slidenum">
               <a:rPr lang="pt-BR" smtClean="0"/>
               <a:pPr/>
-              <a:t>9</a:t>
+              <a:t>8</a:t>
             </a:fld>
             <a:endParaRPr lang="pt-BR" dirty="0"/>
           </a:p>
@@ -2594,7 +3192,7 @@
     </p:spTree>
     <p:extLst>
       <p:ext uri="{BB962C8B-B14F-4D97-AF65-F5344CB8AC3E}">
-        <p14:creationId xmlns:p14="http://schemas.microsoft.com/office/powerpoint/2010/main" val="3998083154"/>
+        <p14:creationId xmlns:p14="http://schemas.microsoft.com/office/powerpoint/2010/main" val="4044498340"/>
       </p:ext>
     </p:extLst>
   </p:cSld>
@@ -2623,7 +3221,7 @@
       </p:grpSpPr>
       <p:sp>
         <p:nvSpPr>
-          <p:cNvPr id="2" name="Slide Image Placeholder 1"/>
+          <p:cNvPr id="2" name="Espaço Reservado para Imagem de Slide 1"/>
           <p:cNvSpPr>
             <a:spLocks noGrp="1" noRot="1" noChangeAspect="1"/>
           </p:cNvSpPr>
@@ -2640,7 +3238,7 @@
       </p:sp>
       <p:sp>
         <p:nvSpPr>
-          <p:cNvPr id="3" name="Notes Placeholder 2"/>
+          <p:cNvPr id="3" name="Espaço Reservado para Anotações 2"/>
           <p:cNvSpPr>
             <a:spLocks noGrp="1"/>
           </p:cNvSpPr>
@@ -2653,13 +3251,55 @@
           <a:bodyPr/>
           <a:lstStyle/>
           <a:p>
-            <a:endParaRPr lang="en-US" dirty="0"/>
-          </a:p>
-        </p:txBody>
-      </p:sp>
-      <p:sp>
-        <p:nvSpPr>
-          <p:cNvPr id="4" name="Slide Number Placeholder 3"/>
+            <a:r>
+              <a:rPr lang="pt-BR" dirty="0"/>
+              <a:t>0x1E</a:t>
+            </a:r>
+            <a:r>
+              <a:rPr lang="pt-BR" baseline="0" dirty="0"/>
+              <a:t> (hexadecimal) = 1x16</a:t>
+            </a:r>
+            <a:r>
+              <a:rPr lang="pt-BR" baseline="30000" dirty="0"/>
+              <a:t>1</a:t>
+            </a:r>
+            <a:r>
+              <a:rPr lang="pt-BR" baseline="0" dirty="0"/>
+              <a:t> + E(14) x 16</a:t>
+            </a:r>
+            <a:r>
+              <a:rPr lang="pt-BR" baseline="30000" dirty="0"/>
+              <a:t>0</a:t>
+            </a:r>
+            <a:r>
+              <a:rPr lang="pt-BR" baseline="0" dirty="0"/>
+              <a:t> = 30 (decimal)</a:t>
+            </a:r>
+          </a:p>
+          <a:p>
+            <a:r>
+              <a:rPr lang="pt-BR" baseline="0" dirty="0"/>
+              <a:t>25 (decimal) = 2 x 10</a:t>
+            </a:r>
+            <a:r>
+              <a:rPr lang="pt-BR" baseline="30000" dirty="0"/>
+              <a:t>1</a:t>
+            </a:r>
+            <a:r>
+              <a:rPr lang="pt-BR" baseline="0" dirty="0"/>
+              <a:t> + 5 x 10</a:t>
+            </a:r>
+            <a:r>
+              <a:rPr lang="pt-BR" baseline="30000" dirty="0"/>
+              <a:t>0</a:t>
+            </a:r>
+            <a:endParaRPr lang="pt-BR" baseline="0" dirty="0"/>
+          </a:p>
+        </p:txBody>
+      </p:sp>
+      <p:sp>
+        <p:nvSpPr>
+          <p:cNvPr id="4" name="Espaço Reservado para Número de Slide 3"/>
           <p:cNvSpPr>
             <a:spLocks noGrp="1"/>
           </p:cNvSpPr>
@@ -2675,7 +3315,7 @@
             <a:fld id="{83FCC293-6C0A-4CFC-8082-A55A9DD88714}" type="slidenum">
               <a:rPr lang="pt-BR" smtClean="0"/>
               <a:pPr/>
-              <a:t>11</a:t>
+              <a:t>9</a:t>
             </a:fld>
             <a:endParaRPr lang="pt-BR" dirty="0"/>
           </a:p>
@@ -2684,7 +3324,7 @@
     </p:spTree>
     <p:extLst>
       <p:ext uri="{BB962C8B-B14F-4D97-AF65-F5344CB8AC3E}">
-        <p14:creationId xmlns:p14="http://schemas.microsoft.com/office/powerpoint/2010/main" val="3517370000"/>
+        <p14:creationId xmlns:p14="http://schemas.microsoft.com/office/powerpoint/2010/main" val="3998083154"/>
       </p:ext>
     </p:extLst>
   </p:cSld>
@@ -2713,7 +3353,7 @@
       </p:grpSpPr>
       <p:sp>
         <p:nvSpPr>
-          <p:cNvPr id="2" name="Espaço Reservado para Imagem de Slide 1"/>
+          <p:cNvPr id="2" name="Slide Image Placeholder 1"/>
           <p:cNvSpPr>
             <a:spLocks noGrp="1" noRot="1" noChangeAspect="1"/>
           </p:cNvSpPr>
@@ -2721,11 +3361,16 @@
             <p:ph type="sldImg"/>
           </p:nvPr>
         </p:nvSpPr>
-        <p:spPr/>
-      </p:sp>
-      <p:sp>
-        <p:nvSpPr>
-          <p:cNvPr id="3" name="Espaço Reservado para Anotações 2"/>
+        <p:spPr>
+          <a:xfrm>
+            <a:off x="381000" y="685800"/>
+            <a:ext cx="6096000" cy="3429000"/>
+          </a:xfrm>
+        </p:spPr>
+      </p:sp>
+      <p:sp>
+        <p:nvSpPr>
+          <p:cNvPr id="3" name="Notes Placeholder 2"/>
           <p:cNvSpPr>
             <a:spLocks noGrp="1"/>
           </p:cNvSpPr>
@@ -2738,13 +3383,13 @@
           <a:bodyPr/>
           <a:lstStyle/>
           <a:p>
-            <a:endParaRPr lang="pt-BR" dirty="0"/>
-          </a:p>
-        </p:txBody>
-      </p:sp>
-      <p:sp>
-        <p:nvSpPr>
-          <p:cNvPr id="4" name="Espaço Reservado para Número de Slide 3"/>
+            <a:endParaRPr lang="en-US" dirty="0"/>
+          </a:p>
+        </p:txBody>
+      </p:sp>
+      <p:sp>
+        <p:nvSpPr>
+          <p:cNvPr id="4" name="Slide Number Placeholder 3"/>
           <p:cNvSpPr>
             <a:spLocks noGrp="1"/>
           </p:cNvSpPr>
@@ -2760,7 +3405,7 @@
             <a:fld id="{83FCC293-6C0A-4CFC-8082-A55A9DD88714}" type="slidenum">
               <a:rPr lang="pt-BR" smtClean="0"/>
               <a:pPr/>
-              <a:t>13</a:t>
+              <a:t>11</a:t>
             </a:fld>
             <a:endParaRPr lang="pt-BR" dirty="0"/>
           </a:p>
@@ -2769,7 +3414,7 @@
     </p:spTree>
     <p:extLst>
       <p:ext uri="{BB962C8B-B14F-4D97-AF65-F5344CB8AC3E}">
-        <p14:creationId xmlns:p14="http://schemas.microsoft.com/office/powerpoint/2010/main" val="348474477"/>
+        <p14:creationId xmlns:p14="http://schemas.microsoft.com/office/powerpoint/2010/main" val="3517370000"/>
       </p:ext>
     </p:extLst>
   </p:cSld>
@@ -2814,7 +3459,7 @@
             <a:fld id="{BADD4369-A458-4831-B200-FCA465CC7541}" type="datetimeFigureOut">
               <a:rPr lang="pt-BR" smtClean="0"/>
               <a:pPr/>
-              <a:t>26/09/2019</a:t>
+              <a:t>05/03/2021</a:t>
             </a:fld>
             <a:endParaRPr lang="pt-BR" dirty="0"/>
           </a:p>
@@ -3369,7 +4014,7 @@
             <a:fld id="{BADD4369-A458-4831-B200-FCA465CC7541}" type="datetimeFigureOut">
               <a:rPr lang="pt-BR" smtClean="0"/>
               <a:pPr/>
-              <a:t>26/09/2019</a:t>
+              <a:t>05/03/2021</a:t>
             </a:fld>
             <a:endParaRPr lang="pt-BR" dirty="0"/>
           </a:p>
@@ -3546,7 +4191,7 @@
             <a:fld id="{BADD4369-A458-4831-B200-FCA465CC7541}" type="datetimeFigureOut">
               <a:rPr lang="pt-BR" smtClean="0"/>
               <a:pPr/>
-              <a:t>26/09/2019</a:t>
+              <a:t>05/03/2021</a:t>
             </a:fld>
             <a:endParaRPr lang="pt-BR" dirty="0"/>
           </a:p>
@@ -3713,7 +4358,7 @@
             <a:fld id="{BADD4369-A458-4831-B200-FCA465CC7541}" type="datetimeFigureOut">
               <a:rPr lang="pt-BR" smtClean="0"/>
               <a:pPr/>
-              <a:t>26/09/2019</a:t>
+              <a:t>05/03/2021</a:t>
             </a:fld>
             <a:endParaRPr lang="pt-BR" dirty="0"/>
           </a:p>
@@ -5162,7 +5807,7 @@
             <a:fld id="{BADD4369-A458-4831-B200-FCA465CC7541}" type="datetimeFigureOut">
               <a:rPr lang="pt-BR" smtClean="0"/>
               <a:pPr/>
-              <a:t>26/09/2019</a:t>
+              <a:t>05/03/2021</a:t>
             </a:fld>
             <a:endParaRPr lang="pt-BR" dirty="0"/>
           </a:p>
@@ -5744,7 +6389,7 @@
             <a:fld id="{BADD4369-A458-4831-B200-FCA465CC7541}" type="datetimeFigureOut">
               <a:rPr lang="pt-BR" smtClean="0"/>
               <a:pPr/>
-              <a:t>26/09/2019</a:t>
+              <a:t>05/03/2021</a:t>
             </a:fld>
             <a:endParaRPr lang="pt-BR" dirty="0"/>
           </a:p>
@@ -6175,7 +6820,7 @@
             <a:fld id="{BADD4369-A458-4831-B200-FCA465CC7541}" type="datetimeFigureOut">
               <a:rPr lang="pt-BR" smtClean="0"/>
               <a:pPr/>
-              <a:t>26/09/2019</a:t>
+              <a:t>05/03/2021</a:t>
             </a:fld>
             <a:endParaRPr lang="pt-BR" dirty="0"/>
           </a:p>
@@ -6714,7 +7359,7 @@
             <a:fld id="{BADD4369-A458-4831-B200-FCA465CC7541}" type="datetimeFigureOut">
               <a:rPr lang="pt-BR" smtClean="0"/>
               <a:pPr/>
-              <a:t>26/09/2019</a:t>
+              <a:t>05/03/2021</a:t>
             </a:fld>
             <a:endParaRPr lang="pt-BR" dirty="0"/>
           </a:p>
@@ -6806,7 +7451,7 @@
             <a:fld id="{BADD4369-A458-4831-B200-FCA465CC7541}" type="datetimeFigureOut">
               <a:rPr lang="pt-BR" smtClean="0"/>
               <a:pPr/>
-              <a:t>26/09/2019</a:t>
+              <a:t>05/03/2021</a:t>
             </a:fld>
             <a:endParaRPr lang="pt-BR" dirty="0"/>
           </a:p>
@@ -7056,7 +7701,7 @@
             <a:fld id="{BADD4369-A458-4831-B200-FCA465CC7541}" type="datetimeFigureOut">
               <a:rPr lang="pt-BR" smtClean="0"/>
               <a:pPr/>
-              <a:t>26/09/2019</a:t>
+              <a:t>05/03/2021</a:t>
             </a:fld>
             <a:endParaRPr lang="pt-BR" dirty="0"/>
           </a:p>
@@ -7771,7 +8416,7 @@
             <a:fld id="{BADD4369-A458-4831-B200-FCA465CC7541}" type="datetimeFigureOut">
               <a:rPr lang="pt-BR" smtClean="0"/>
               <a:pPr/>
-              <a:t>26/09/2019</a:t>
+              <a:t>05/03/2021</a:t>
             </a:fld>
             <a:endParaRPr lang="pt-BR" dirty="0"/>
           </a:p>
@@ -8038,7 +8683,7 @@
             <a:fld id="{BADD4369-A458-4831-B200-FCA465CC7541}" type="datetimeFigureOut">
               <a:rPr lang="pt-BR" smtClean="0"/>
               <a:pPr/>
-              <a:t>26/09/2019</a:t>
+              <a:t>05/03/2021</a:t>
             </a:fld>
             <a:endParaRPr lang="pt-BR" dirty="0"/>
           </a:p>
@@ -12327,7 +12972,7 @@
             </a:r>
             <a:r>
               <a:rPr lang="pt-BR" dirty="0"/>
-              <a:t> vai fazer referencia a um </a:t>
+              <a:t> vai fazer referência a um </a:t>
             </a:r>
             <a:r>
               <a:rPr lang="pt-BR" dirty="0">
@@ -12619,10 +13264,14 @@
             </a:endParaRPr>
           </a:p>
           <a:p>
+            <a:pPr lvl="1"/>
             <a:r>
               <a:rPr lang="pt-BR" dirty="0"/>
-              <a:t>A criação automática de variáveis pode gerar </a:t>
-            </a:r>
+              <a:t>A criação automática de variáveis pode gerar</a:t>
+            </a:r>
+            <a:br>
+              <a:rPr lang="pt-BR" dirty="0"/>
+            </a:br>
             <a:r>
               <a:rPr lang="pt-BR" dirty="0">
                 <a:solidFill>
@@ -12697,7 +13346,7 @@
               <a:rPr lang="pt-BR" dirty="0">
                 <a:latin typeface="+mj-lt"/>
               </a:rPr>
-              <a:t>     ...</a:t>
+              <a:t>     ┅</a:t>
             </a:r>
           </a:p>
           <a:p>
@@ -12784,7 +13433,14 @@
           <a:p>
             <a:r>
               <a:rPr lang="pt-BR" dirty="0"/>
-              <a:t>A declaração pode ser feita em qualquer ponto do programa, sempre </a:t>
+              <a:t>A declaração pode ser feita em qualquer ponto do </a:t>
+            </a:r>
+            <a:br>
+              <a:rPr lang="pt-BR" dirty="0"/>
+            </a:br>
+            <a:r>
+              <a:rPr lang="pt-BR" dirty="0"/>
+              <a:t>programa, sempre </a:t>
             </a:r>
             <a:r>
               <a:rPr lang="pt-BR" dirty="0">
@@ -13085,1059 +13741,1108 @@
             </a:r>
             <a:r>
               <a:rPr lang="pt-BR" dirty="0"/>
-              <a:t>coloca um valor em um endereço de memória</a:t>
-            </a:r>
-          </a:p>
-        </p:txBody>
-      </p:sp>
-      <p:sp>
-        <p:nvSpPr>
-          <p:cNvPr id="4" name="Retângulo 3"/>
-          <p:cNvSpPr/>
+              <a:t>coloca um valor em um </a:t>
+            </a:r>
+            <a:br>
+              <a:rPr lang="pt-BR" dirty="0"/>
+            </a:br>
+            <a:r>
+              <a:rPr lang="pt-BR" dirty="0"/>
+              <a:t>endereço de memória</a:t>
+            </a:r>
+          </a:p>
+        </p:txBody>
+      </p:sp>
+      <p:grpSp>
+        <p:nvGrpSpPr>
+          <p:cNvPr id="21" name="Agrupar 20">
+            <a:extLst>
+              <a:ext uri="{FF2B5EF4-FFF2-40B4-BE49-F238E27FC236}">
+                <a16:creationId xmlns:a16="http://schemas.microsoft.com/office/drawing/2014/main" id="{0E5B65EA-265A-4B0A-9D63-E8316589EA67}"/>
+              </a:ext>
+            </a:extLst>
+          </p:cNvPr>
+          <p:cNvGrpSpPr/>
           <p:nvPr/>
-        </p:nvSpPr>
-        <p:spPr>
+        </p:nvGrpSpPr>
+        <p:grpSpPr>
           <a:xfrm>
-            <a:off x="7454898" y="3427118"/>
-            <a:ext cx="2286017" cy="714380"/>
+            <a:off x="4511824" y="3253260"/>
+            <a:ext cx="6185689" cy="1798092"/>
+            <a:chOff x="4878863" y="2927052"/>
+            <a:chExt cx="6185689" cy="1798092"/>
           </a:xfrm>
-          <a:prstGeom prst="rect">
-            <a:avLst/>
-          </a:prstGeom>
-          <a:solidFill>
-            <a:schemeClr val="bg2">
-              <a:lumMod val="50000"/>
-            </a:schemeClr>
-          </a:solidFill>
-          <a:ln>
+        </p:grpSpPr>
+        <p:sp>
+          <p:nvSpPr>
+            <p:cNvPr id="4" name="Retângulo 3"/>
+            <p:cNvSpPr/>
+            <p:nvPr/>
+          </p:nvSpPr>
+          <p:spPr>
+            <a:xfrm>
+              <a:off x="7454898" y="3427118"/>
+              <a:ext cx="2286017" cy="714380"/>
+            </a:xfrm>
+            <a:prstGeom prst="rect">
+              <a:avLst/>
+            </a:prstGeom>
+            <a:solidFill>
+              <a:schemeClr val="bg2">
+                <a:lumMod val="50000"/>
+              </a:schemeClr>
+            </a:solidFill>
+            <a:ln>
+              <a:noFill/>
+            </a:ln>
+            <a:effectLst/>
+            <a:scene3d>
+              <a:camera prst="orthographicFront">
+                <a:rot lat="0" lon="0" rev="0"/>
+              </a:camera>
+              <a:lightRig rig="chilly" dir="t">
+                <a:rot lat="0" lon="0" rev="18480000"/>
+              </a:lightRig>
+            </a:scene3d>
+            <a:sp3d prstMaterial="clear">
+              <a:bevelT h="63500"/>
+            </a:sp3d>
+          </p:spPr>
+          <p:style>
+            <a:lnRef idx="2">
+              <a:schemeClr val="accent1">
+                <a:shade val="50000"/>
+              </a:schemeClr>
+            </a:lnRef>
+            <a:fillRef idx="1">
+              <a:schemeClr val="accent1"/>
+            </a:fillRef>
+            <a:effectRef idx="0">
+              <a:schemeClr val="accent1"/>
+            </a:effectRef>
+            <a:fontRef idx="minor">
+              <a:schemeClr val="lt1"/>
+            </a:fontRef>
+          </p:style>
+          <p:txBody>
+            <a:bodyPr rtlCol="0" anchor="ctr"/>
+            <a:lstStyle/>
+            <a:p>
+              <a:pPr algn="ctr"/>
+              <a:endParaRPr lang="pt-BR" dirty="0"/>
+            </a:p>
+          </p:txBody>
+        </p:sp>
+        <p:sp>
+          <p:nvSpPr>
+            <p:cNvPr id="5" name="CaixaDeTexto 4"/>
+            <p:cNvSpPr txBox="1"/>
+            <p:nvPr/>
+          </p:nvSpPr>
+          <p:spPr>
+            <a:xfrm>
+              <a:off x="7526336" y="3569994"/>
+              <a:ext cx="2214579" cy="400110"/>
+            </a:xfrm>
+            <a:prstGeom prst="rect">
+              <a:avLst/>
+            </a:prstGeom>
             <a:noFill/>
-          </a:ln>
-          <a:effectLst/>
-          <a:scene3d>
-            <a:camera prst="orthographicFront">
-              <a:rot lat="0" lon="0" rev="0"/>
-            </a:camera>
-            <a:lightRig rig="chilly" dir="t">
-              <a:rot lat="0" lon="0" rev="18480000"/>
-            </a:lightRig>
-          </a:scene3d>
-          <a:sp3d prstMaterial="clear">
-            <a:bevelT h="63500"/>
-          </a:sp3d>
-        </p:spPr>
-        <p:style>
-          <a:lnRef idx="2">
-            <a:schemeClr val="accent1">
-              <a:shade val="50000"/>
-            </a:schemeClr>
-          </a:lnRef>
-          <a:fillRef idx="1">
-            <a:schemeClr val="accent1"/>
-          </a:fillRef>
-          <a:effectRef idx="0">
-            <a:schemeClr val="accent1"/>
-          </a:effectRef>
-          <a:fontRef idx="minor">
-            <a:schemeClr val="lt1"/>
-          </a:fontRef>
-        </p:style>
-        <p:txBody>
-          <a:bodyPr rtlCol="0" anchor="ctr"/>
-          <a:lstStyle/>
-          <a:p>
-            <a:pPr algn="ctr"/>
-            <a:endParaRPr lang="pt-BR" dirty="0"/>
-          </a:p>
-        </p:txBody>
-      </p:sp>
-      <p:sp>
-        <p:nvSpPr>
-          <p:cNvPr id="5" name="CaixaDeTexto 4"/>
-          <p:cNvSpPr txBox="1"/>
+          </p:spPr>
+          <p:txBody>
+            <a:bodyPr wrap="square" rtlCol="0">
+              <a:spAutoFit/>
+            </a:bodyPr>
+            <a:lstStyle/>
+            <a:p>
+              <a:r>
+                <a:rPr lang="pt-BR" sz="2000" dirty="0">
+                  <a:latin typeface="+mj-lt"/>
+                </a:rPr>
+                <a:t>cenouras = 25;</a:t>
+              </a:r>
+            </a:p>
+          </p:txBody>
+        </p:sp>
+        <p:sp>
+          <p:nvSpPr>
+            <p:cNvPr id="6" name="CaixaDeTexto 5"/>
+            <p:cNvSpPr txBox="1"/>
+            <p:nvPr/>
+          </p:nvSpPr>
+          <p:spPr>
+            <a:xfrm>
+              <a:off x="9026535" y="2927052"/>
+              <a:ext cx="691215" cy="369332"/>
+            </a:xfrm>
+            <a:prstGeom prst="rect">
+              <a:avLst/>
+            </a:prstGeom>
+            <a:noFill/>
+          </p:spPr>
+          <p:txBody>
+            <a:bodyPr wrap="none" rtlCol="0">
+              <a:spAutoFit/>
+            </a:bodyPr>
+            <a:lstStyle/>
+            <a:p>
+              <a:r>
+                <a:rPr lang="pt-BR" dirty="0"/>
+                <a:t>Valor</a:t>
+              </a:r>
+            </a:p>
+          </p:txBody>
+        </p:sp>
+        <p:cxnSp>
+          <p:nvCxnSpPr>
+            <p:cNvPr id="7" name="Conector reto 6"/>
+            <p:cNvCxnSpPr/>
+            <p:nvPr/>
+          </p:nvCxnSpPr>
+          <p:spPr>
+            <a:xfrm rot="5400000">
+              <a:off x="9170204" y="3426324"/>
+              <a:ext cx="285752" cy="1588"/>
+            </a:xfrm>
+            <a:prstGeom prst="line">
+              <a:avLst/>
+            </a:prstGeom>
+            <a:ln>
+              <a:solidFill>
+                <a:schemeClr val="tx1"/>
+              </a:solidFill>
+            </a:ln>
+          </p:spPr>
+          <p:style>
+            <a:lnRef idx="1">
+              <a:schemeClr val="accent1"/>
+            </a:lnRef>
+            <a:fillRef idx="0">
+              <a:schemeClr val="accent1"/>
+            </a:fillRef>
+            <a:effectRef idx="0">
+              <a:schemeClr val="accent1"/>
+            </a:effectRef>
+            <a:fontRef idx="minor">
+              <a:schemeClr val="tx1"/>
+            </a:fontRef>
+          </p:style>
+        </p:cxnSp>
+        <p:sp>
+          <p:nvSpPr>
+            <p:cNvPr id="8" name="CaixaDeTexto 7"/>
+            <p:cNvSpPr txBox="1"/>
+            <p:nvPr/>
+          </p:nvSpPr>
+          <p:spPr>
+            <a:xfrm>
+              <a:off x="4878863" y="2927052"/>
+              <a:ext cx="3245119" cy="369332"/>
+            </a:xfrm>
+            <a:prstGeom prst="rect">
+              <a:avLst/>
+            </a:prstGeom>
+            <a:noFill/>
+          </p:spPr>
+          <p:txBody>
+            <a:bodyPr wrap="none" rtlCol="0">
+              <a:spAutoFit/>
+            </a:bodyPr>
+            <a:lstStyle/>
+            <a:p>
+              <a:pPr algn="r"/>
+              <a:r>
+                <a:rPr lang="pt-BR" dirty="0"/>
+                <a:t>Rótulo do endereço de memória</a:t>
+              </a:r>
+            </a:p>
+          </p:txBody>
+        </p:sp>
+        <p:cxnSp>
+          <p:nvCxnSpPr>
+            <p:cNvPr id="9" name="Conector reto 8"/>
+            <p:cNvCxnSpPr/>
+            <p:nvPr/>
+          </p:nvCxnSpPr>
+          <p:spPr>
+            <a:xfrm rot="5400000">
+              <a:off x="7670006" y="3426324"/>
+              <a:ext cx="285752" cy="1588"/>
+            </a:xfrm>
+            <a:prstGeom prst="line">
+              <a:avLst/>
+            </a:prstGeom>
+            <a:ln>
+              <a:solidFill>
+                <a:schemeClr val="tx1"/>
+              </a:solidFill>
+            </a:ln>
+          </p:spPr>
+          <p:style>
+            <a:lnRef idx="1">
+              <a:schemeClr val="accent1"/>
+            </a:lnRef>
+            <a:fillRef idx="0">
+              <a:schemeClr val="accent1"/>
+            </a:fillRef>
+            <a:effectRef idx="0">
+              <a:schemeClr val="accent1"/>
+            </a:effectRef>
+            <a:fontRef idx="minor">
+              <a:schemeClr val="tx1"/>
+            </a:fontRef>
+          </p:style>
+        </p:cxnSp>
+        <p:cxnSp>
+          <p:nvCxnSpPr>
+            <p:cNvPr id="10" name="Conector reto 9"/>
+            <p:cNvCxnSpPr/>
+            <p:nvPr/>
+          </p:nvCxnSpPr>
+          <p:spPr>
+            <a:xfrm rot="5400000">
+              <a:off x="8776438" y="4140704"/>
+              <a:ext cx="285752" cy="1588"/>
+            </a:xfrm>
+            <a:prstGeom prst="line">
+              <a:avLst/>
+            </a:prstGeom>
+            <a:ln>
+              <a:solidFill>
+                <a:schemeClr val="tx1"/>
+              </a:solidFill>
+            </a:ln>
+          </p:spPr>
+          <p:style>
+            <a:lnRef idx="1">
+              <a:schemeClr val="accent1"/>
+            </a:lnRef>
+            <a:fillRef idx="0">
+              <a:schemeClr val="accent1"/>
+            </a:fillRef>
+            <a:effectRef idx="0">
+              <a:schemeClr val="accent1"/>
+            </a:effectRef>
+            <a:fontRef idx="minor">
+              <a:schemeClr val="tx1"/>
+            </a:fontRef>
+          </p:style>
+        </p:cxnSp>
+        <p:sp>
+          <p:nvSpPr>
+            <p:cNvPr id="11" name="CaixaDeTexto 10"/>
+            <p:cNvSpPr txBox="1"/>
+            <p:nvPr/>
+          </p:nvSpPr>
+          <p:spPr>
+            <a:xfrm>
+              <a:off x="8669345" y="4355812"/>
+              <a:ext cx="2395207" cy="369332"/>
+            </a:xfrm>
+            <a:prstGeom prst="rect">
+              <a:avLst/>
+            </a:prstGeom>
+            <a:noFill/>
+          </p:spPr>
+          <p:txBody>
+            <a:bodyPr wrap="none" rtlCol="0">
+              <a:spAutoFit/>
+            </a:bodyPr>
+            <a:lstStyle/>
+            <a:p>
+              <a:r>
+                <a:rPr lang="pt-BR" dirty="0"/>
+                <a:t>Operador de atribuição</a:t>
+              </a:r>
+            </a:p>
+          </p:txBody>
+        </p:sp>
+      </p:grpSp>
+      <p:grpSp>
+        <p:nvGrpSpPr>
+          <p:cNvPr id="20" name="Agrupar 19">
+            <a:extLst>
+              <a:ext uri="{FF2B5EF4-FFF2-40B4-BE49-F238E27FC236}">
+                <a16:creationId xmlns:a16="http://schemas.microsoft.com/office/drawing/2014/main" id="{D8989772-AC44-4851-B932-F6EBE9D598AA}"/>
+              </a:ext>
+            </a:extLst>
+          </p:cNvPr>
+          <p:cNvGrpSpPr/>
           <p:nvPr/>
-        </p:nvSpPr>
-        <p:spPr>
+        </p:nvGrpSpPr>
+        <p:grpSpPr>
           <a:xfrm>
-            <a:off x="7526336" y="3569994"/>
-            <a:ext cx="2214579" cy="400110"/>
+            <a:off x="1775520" y="4221088"/>
+            <a:ext cx="3985312" cy="1868108"/>
+            <a:chOff x="1919536" y="3861048"/>
+            <a:chExt cx="3985312" cy="1868108"/>
           </a:xfrm>
-          <a:prstGeom prst="rect">
-            <a:avLst/>
-          </a:prstGeom>
-          <a:noFill/>
-        </p:spPr>
-        <p:txBody>
-          <a:bodyPr wrap="square" rtlCol="0">
-            <a:spAutoFit/>
-          </a:bodyPr>
-          <a:lstStyle/>
-          <a:p>
-            <a:r>
-              <a:rPr lang="pt-BR" sz="2000" dirty="0">
-                <a:latin typeface="+mj-lt"/>
-              </a:rPr>
-              <a:t>cenouras = 25;</a:t>
-            </a:r>
-          </a:p>
-        </p:txBody>
-      </p:sp>
-      <p:sp>
-        <p:nvSpPr>
-          <p:cNvPr id="6" name="CaixaDeTexto 5"/>
-          <p:cNvSpPr txBox="1"/>
-          <p:nvPr/>
-        </p:nvSpPr>
-        <p:spPr>
-          <a:xfrm>
-            <a:off x="9026535" y="2927052"/>
-            <a:ext cx="691215" cy="369332"/>
-          </a:xfrm>
-          <a:prstGeom prst="rect">
-            <a:avLst/>
-          </a:prstGeom>
-          <a:noFill/>
-        </p:spPr>
-        <p:txBody>
-          <a:bodyPr wrap="none" rtlCol="0">
-            <a:spAutoFit/>
-          </a:bodyPr>
-          <a:lstStyle/>
-          <a:p>
-            <a:r>
-              <a:rPr lang="pt-BR" dirty="0"/>
-              <a:t>Valor</a:t>
-            </a:r>
-          </a:p>
-        </p:txBody>
-      </p:sp>
-      <p:cxnSp>
-        <p:nvCxnSpPr>
-          <p:cNvPr id="7" name="Conector reto 6"/>
-          <p:cNvCxnSpPr/>
-          <p:nvPr/>
-        </p:nvCxnSpPr>
-        <p:spPr>
-          <a:xfrm rot="5400000">
-            <a:off x="9170204" y="3426324"/>
-            <a:ext cx="285752" cy="1588"/>
-          </a:xfrm>
-          <a:prstGeom prst="line">
-            <a:avLst/>
-          </a:prstGeom>
-          <a:ln>
+        </p:grpSpPr>
+        <p:sp>
+          <p:nvSpPr>
+            <p:cNvPr id="12" name="Retângulo 11"/>
+            <p:cNvSpPr/>
+            <p:nvPr/>
+          </p:nvSpPr>
+          <p:spPr>
+            <a:xfrm>
+              <a:off x="2991106" y="3979782"/>
+              <a:ext cx="1071570" cy="214314"/>
+            </a:xfrm>
+            <a:prstGeom prst="rect">
+              <a:avLst/>
+            </a:prstGeom>
             <a:solidFill>
+              <a:schemeClr val="accent3">
+                <a:lumMod val="75000"/>
+              </a:schemeClr>
+            </a:solidFill>
+            <a:ln>
+              <a:solidFill>
+                <a:schemeClr val="tx1"/>
+              </a:solidFill>
+            </a:ln>
+          </p:spPr>
+          <p:style>
+            <a:lnRef idx="2">
+              <a:schemeClr val="accent1">
+                <a:shade val="50000"/>
+              </a:schemeClr>
+            </a:lnRef>
+            <a:fillRef idx="1">
+              <a:schemeClr val="accent1"/>
+            </a:fillRef>
+            <a:effectRef idx="0">
+              <a:schemeClr val="accent1"/>
+            </a:effectRef>
+            <a:fontRef idx="minor">
+              <a:schemeClr val="lt1"/>
+            </a:fontRef>
+          </p:style>
+          <p:txBody>
+            <a:bodyPr rtlCol="0" anchor="ctr"/>
+            <a:lstStyle/>
+            <a:p>
+              <a:pPr algn="ctr"/>
+              <a:r>
+                <a:rPr lang="pt-BR" sz="1200" dirty="0">
+                  <a:latin typeface="+mj-lt"/>
+                </a:rPr>
+                <a:t>00000000</a:t>
+              </a:r>
+            </a:p>
+          </p:txBody>
+        </p:sp>
+        <p:sp>
+          <p:nvSpPr>
+            <p:cNvPr id="13" name="Retângulo 12"/>
+            <p:cNvSpPr/>
+            <p:nvPr/>
+          </p:nvSpPr>
+          <p:spPr>
+            <a:xfrm>
+              <a:off x="2991106" y="4194096"/>
+              <a:ext cx="1071570" cy="214314"/>
+            </a:xfrm>
+            <a:prstGeom prst="rect">
+              <a:avLst/>
+            </a:prstGeom>
+            <a:solidFill>
+              <a:schemeClr val="accent3">
+                <a:lumMod val="75000"/>
+              </a:schemeClr>
+            </a:solidFill>
+            <a:ln>
+              <a:solidFill>
+                <a:schemeClr val="tx1"/>
+              </a:solidFill>
+            </a:ln>
+          </p:spPr>
+          <p:style>
+            <a:lnRef idx="2">
+              <a:schemeClr val="accent1">
+                <a:shade val="50000"/>
+              </a:schemeClr>
+            </a:lnRef>
+            <a:fillRef idx="1">
+              <a:schemeClr val="accent1"/>
+            </a:fillRef>
+            <a:effectRef idx="0">
+              <a:schemeClr val="accent1"/>
+            </a:effectRef>
+            <a:fontRef idx="minor">
+              <a:schemeClr val="lt1"/>
+            </a:fontRef>
+          </p:style>
+          <p:txBody>
+            <a:bodyPr rtlCol="0" anchor="ctr"/>
+            <a:lstStyle/>
+            <a:p>
+              <a:pPr algn="ctr"/>
+              <a:r>
+                <a:rPr lang="pt-BR" sz="1200" dirty="0">
+                  <a:latin typeface="+mj-lt"/>
+                </a:rPr>
+                <a:t>00000000</a:t>
+              </a:r>
+            </a:p>
+          </p:txBody>
+        </p:sp>
+        <p:sp>
+          <p:nvSpPr>
+            <p:cNvPr id="14" name="Retângulo 13"/>
+            <p:cNvSpPr/>
+            <p:nvPr/>
+          </p:nvSpPr>
+          <p:spPr>
+            <a:xfrm>
+              <a:off x="2991106" y="4408410"/>
+              <a:ext cx="1071570" cy="214314"/>
+            </a:xfrm>
+            <a:prstGeom prst="rect">
+              <a:avLst/>
+            </a:prstGeom>
+            <a:solidFill>
+              <a:schemeClr val="accent3">
+                <a:lumMod val="75000"/>
+              </a:schemeClr>
+            </a:solidFill>
+            <a:ln>
+              <a:solidFill>
+                <a:schemeClr val="tx1"/>
+              </a:solidFill>
+            </a:ln>
+          </p:spPr>
+          <p:style>
+            <a:lnRef idx="2">
+              <a:schemeClr val="accent1">
+                <a:shade val="50000"/>
+              </a:schemeClr>
+            </a:lnRef>
+            <a:fillRef idx="1">
+              <a:schemeClr val="accent1"/>
+            </a:fillRef>
+            <a:effectRef idx="0">
+              <a:schemeClr val="accent1"/>
+            </a:effectRef>
+            <a:fontRef idx="minor">
+              <a:schemeClr val="lt1"/>
+            </a:fontRef>
+          </p:style>
+          <p:txBody>
+            <a:bodyPr rtlCol="0" anchor="ctr"/>
+            <a:lstStyle/>
+            <a:p>
+              <a:pPr algn="ctr"/>
+              <a:r>
+                <a:rPr lang="pt-BR" sz="1200" dirty="0">
+                  <a:latin typeface="+mj-lt"/>
+                </a:rPr>
+                <a:t>00000000</a:t>
+              </a:r>
+            </a:p>
+          </p:txBody>
+        </p:sp>
+        <p:sp>
+          <p:nvSpPr>
+            <p:cNvPr id="15" name="Retângulo 14"/>
+            <p:cNvSpPr/>
+            <p:nvPr/>
+          </p:nvSpPr>
+          <p:spPr>
+            <a:xfrm>
+              <a:off x="2991106" y="4622724"/>
+              <a:ext cx="1071570" cy="214314"/>
+            </a:xfrm>
+            <a:prstGeom prst="rect">
+              <a:avLst/>
+            </a:prstGeom>
+            <a:solidFill>
+              <a:schemeClr val="accent3">
+                <a:lumMod val="75000"/>
+              </a:schemeClr>
+            </a:solidFill>
+            <a:ln>
+              <a:solidFill>
+                <a:schemeClr val="tx1"/>
+              </a:solidFill>
+            </a:ln>
+          </p:spPr>
+          <p:style>
+            <a:lnRef idx="2">
+              <a:schemeClr val="accent1">
+                <a:shade val="50000"/>
+              </a:schemeClr>
+            </a:lnRef>
+            <a:fillRef idx="1">
+              <a:schemeClr val="accent1"/>
+            </a:fillRef>
+            <a:effectRef idx="0">
+              <a:schemeClr val="accent1"/>
+            </a:effectRef>
+            <a:fontRef idx="minor">
+              <a:schemeClr val="lt1"/>
+            </a:fontRef>
+          </p:style>
+          <p:txBody>
+            <a:bodyPr rtlCol="0" anchor="ctr"/>
+            <a:lstStyle/>
+            <a:p>
+              <a:pPr algn="ctr"/>
+              <a:r>
+                <a:rPr lang="pt-BR" sz="1200" dirty="0">
+                  <a:latin typeface="+mj-lt"/>
+                </a:rPr>
+                <a:t>00011001</a:t>
+              </a:r>
+            </a:p>
+          </p:txBody>
+        </p:sp>
+        <p:sp>
+          <p:nvSpPr>
+            <p:cNvPr id="16" name="Retângulo 15"/>
+            <p:cNvSpPr/>
+            <p:nvPr/>
+          </p:nvSpPr>
+          <p:spPr>
+            <a:xfrm>
+              <a:off x="2991106" y="4837038"/>
+              <a:ext cx="1071570" cy="214314"/>
+            </a:xfrm>
+            <a:prstGeom prst="rect">
+              <a:avLst/>
+            </a:prstGeom>
+            <a:solidFill>
+              <a:schemeClr val="accent3">
+                <a:lumMod val="75000"/>
+              </a:schemeClr>
+            </a:solidFill>
+            <a:ln>
+              <a:solidFill>
+                <a:schemeClr val="tx1"/>
+              </a:solidFill>
+            </a:ln>
+          </p:spPr>
+          <p:style>
+            <a:lnRef idx="2">
+              <a:schemeClr val="accent1">
+                <a:shade val="50000"/>
+              </a:schemeClr>
+            </a:lnRef>
+            <a:fillRef idx="1">
+              <a:schemeClr val="accent1"/>
+            </a:fillRef>
+            <a:effectRef idx="0">
+              <a:schemeClr val="accent1"/>
+            </a:effectRef>
+            <a:fontRef idx="minor">
+              <a:schemeClr val="lt1"/>
+            </a:fontRef>
+          </p:style>
+          <p:txBody>
+            <a:bodyPr rtlCol="0" anchor="ctr"/>
+            <a:lstStyle/>
+            <a:p>
+              <a:pPr algn="ctr"/>
+              <a:endParaRPr lang="pt-BR" sz="1200" dirty="0">
+                <a:latin typeface="+mj-lt"/>
+              </a:endParaRPr>
+            </a:p>
+          </p:txBody>
+        </p:sp>
+        <p:sp>
+          <p:nvSpPr>
+            <p:cNvPr id="17" name="Retângulo 16"/>
+            <p:cNvSpPr/>
+            <p:nvPr/>
+          </p:nvSpPr>
+          <p:spPr>
+            <a:xfrm>
+              <a:off x="2991106" y="5051352"/>
+              <a:ext cx="1071570" cy="214314"/>
+            </a:xfrm>
+            <a:prstGeom prst="rect">
+              <a:avLst/>
+            </a:prstGeom>
+            <a:solidFill>
+              <a:schemeClr val="accent3">
+                <a:lumMod val="75000"/>
+              </a:schemeClr>
+            </a:solidFill>
+            <a:ln>
+              <a:solidFill>
+                <a:schemeClr val="tx1"/>
+              </a:solidFill>
+            </a:ln>
+          </p:spPr>
+          <p:style>
+            <a:lnRef idx="2">
+              <a:schemeClr val="accent1">
+                <a:shade val="50000"/>
+              </a:schemeClr>
+            </a:lnRef>
+            <a:fillRef idx="1">
+              <a:schemeClr val="accent1"/>
+            </a:fillRef>
+            <a:effectRef idx="0">
+              <a:schemeClr val="accent1"/>
+            </a:effectRef>
+            <a:fontRef idx="minor">
+              <a:schemeClr val="lt1"/>
+            </a:fontRef>
+          </p:style>
+          <p:txBody>
+            <a:bodyPr rtlCol="0" anchor="ctr"/>
+            <a:lstStyle/>
+            <a:p>
+              <a:pPr algn="ctr"/>
+              <a:endParaRPr lang="pt-BR" sz="1200" dirty="0">
+                <a:latin typeface="+mj-lt"/>
+              </a:endParaRPr>
+            </a:p>
+          </p:txBody>
+        </p:sp>
+        <p:sp>
+          <p:nvSpPr>
+            <p:cNvPr id="18" name="Retângulo 17"/>
+            <p:cNvSpPr/>
+            <p:nvPr/>
+          </p:nvSpPr>
+          <p:spPr>
+            <a:xfrm>
+              <a:off x="2991106" y="5265666"/>
+              <a:ext cx="1071570" cy="214314"/>
+            </a:xfrm>
+            <a:prstGeom prst="rect">
+              <a:avLst/>
+            </a:prstGeom>
+            <a:solidFill>
+              <a:schemeClr val="accent3">
+                <a:lumMod val="75000"/>
+              </a:schemeClr>
+            </a:solidFill>
+            <a:ln>
+              <a:solidFill>
+                <a:schemeClr val="tx1"/>
+              </a:solidFill>
+            </a:ln>
+          </p:spPr>
+          <p:style>
+            <a:lnRef idx="2">
+              <a:schemeClr val="accent1">
+                <a:shade val="50000"/>
+              </a:schemeClr>
+            </a:lnRef>
+            <a:fillRef idx="1">
+              <a:schemeClr val="accent1"/>
+            </a:fillRef>
+            <a:effectRef idx="0">
+              <a:schemeClr val="accent1"/>
+            </a:effectRef>
+            <a:fontRef idx="minor">
+              <a:schemeClr val="lt1"/>
+            </a:fontRef>
+          </p:style>
+          <p:txBody>
+            <a:bodyPr rtlCol="0" anchor="ctr"/>
+            <a:lstStyle/>
+            <a:p>
+              <a:pPr algn="ctr"/>
+              <a:endParaRPr lang="pt-BR" sz="1200" dirty="0">
+                <a:latin typeface="+mj-lt"/>
+              </a:endParaRPr>
+            </a:p>
+          </p:txBody>
+        </p:sp>
+        <p:sp>
+          <p:nvSpPr>
+            <p:cNvPr id="19" name="Retângulo 18"/>
+            <p:cNvSpPr/>
+            <p:nvPr/>
+          </p:nvSpPr>
+          <p:spPr>
+            <a:xfrm>
+              <a:off x="2991106" y="5479980"/>
+              <a:ext cx="1071570" cy="214314"/>
+            </a:xfrm>
+            <a:prstGeom prst="rect">
+              <a:avLst/>
+            </a:prstGeom>
+            <a:solidFill>
+              <a:schemeClr val="accent3">
+                <a:lumMod val="75000"/>
+              </a:schemeClr>
+            </a:solidFill>
+            <a:ln>
+              <a:solidFill>
+                <a:schemeClr val="tx1"/>
+              </a:solidFill>
+            </a:ln>
+          </p:spPr>
+          <p:style>
+            <a:lnRef idx="2">
+              <a:schemeClr val="accent1">
+                <a:shade val="50000"/>
+              </a:schemeClr>
+            </a:lnRef>
+            <a:fillRef idx="1">
+              <a:schemeClr val="accent1"/>
+            </a:fillRef>
+            <a:effectRef idx="0">
+              <a:schemeClr val="accent1"/>
+            </a:effectRef>
+            <a:fontRef idx="minor">
+              <a:schemeClr val="lt1"/>
+            </a:fontRef>
+          </p:style>
+          <p:txBody>
+            <a:bodyPr rtlCol="0" anchor="ctr"/>
+            <a:lstStyle/>
+            <a:p>
+              <a:pPr algn="ctr"/>
+              <a:endParaRPr lang="pt-BR" sz="1200" dirty="0">
+                <a:latin typeface="+mj-lt"/>
+              </a:endParaRPr>
+            </a:p>
+          </p:txBody>
+        </p:sp>
+        <p:sp>
+          <p:nvSpPr>
+            <p:cNvPr id="32" name="Chave direita 31"/>
+            <p:cNvSpPr/>
+            <p:nvPr/>
+          </p:nvSpPr>
+          <p:spPr>
+            <a:xfrm flipH="1">
+              <a:off x="2633916" y="3979782"/>
+              <a:ext cx="142876" cy="857256"/>
+            </a:xfrm>
+            <a:prstGeom prst="rightBrace">
+              <a:avLst/>
+            </a:prstGeom>
+            <a:ln>
+              <a:solidFill>
+                <a:schemeClr val="tx1"/>
+              </a:solidFill>
+            </a:ln>
+          </p:spPr>
+          <p:style>
+            <a:lnRef idx="1">
+              <a:schemeClr val="accent1"/>
+            </a:lnRef>
+            <a:fillRef idx="0">
+              <a:schemeClr val="accent1"/>
+            </a:fillRef>
+            <a:effectRef idx="0">
+              <a:schemeClr val="accent1"/>
+            </a:effectRef>
+            <a:fontRef idx="minor">
               <a:schemeClr val="tx1"/>
-            </a:solidFill>
-          </a:ln>
-        </p:spPr>
-        <p:style>
-          <a:lnRef idx="1">
-            <a:schemeClr val="accent1"/>
-          </a:lnRef>
-          <a:fillRef idx="0">
-            <a:schemeClr val="accent1"/>
-          </a:fillRef>
-          <a:effectRef idx="0">
-            <a:schemeClr val="accent1"/>
-          </a:effectRef>
-          <a:fontRef idx="minor">
-            <a:schemeClr val="tx1"/>
-          </a:fontRef>
-        </p:style>
-      </p:cxnSp>
-      <p:sp>
-        <p:nvSpPr>
-          <p:cNvPr id="8" name="CaixaDeTexto 7"/>
-          <p:cNvSpPr txBox="1"/>
-          <p:nvPr/>
-        </p:nvSpPr>
-        <p:spPr>
-          <a:xfrm>
-            <a:off x="4878863" y="2927052"/>
-            <a:ext cx="3245119" cy="369332"/>
-          </a:xfrm>
-          <a:prstGeom prst="rect">
-            <a:avLst/>
-          </a:prstGeom>
-          <a:noFill/>
-        </p:spPr>
-        <p:txBody>
-          <a:bodyPr wrap="none" rtlCol="0">
-            <a:spAutoFit/>
-          </a:bodyPr>
-          <a:lstStyle/>
-          <a:p>
-            <a:pPr algn="r"/>
-            <a:r>
-              <a:rPr lang="pt-BR" dirty="0"/>
-              <a:t>Rótulo do endereço de memória</a:t>
-            </a:r>
-          </a:p>
-        </p:txBody>
-      </p:sp>
-      <p:cxnSp>
-        <p:nvCxnSpPr>
-          <p:cNvPr id="9" name="Conector reto 8"/>
-          <p:cNvCxnSpPr/>
-          <p:nvPr/>
-        </p:nvCxnSpPr>
-        <p:spPr>
-          <a:xfrm rot="5400000">
-            <a:off x="7670006" y="3426324"/>
-            <a:ext cx="285752" cy="1588"/>
-          </a:xfrm>
-          <a:prstGeom prst="line">
-            <a:avLst/>
-          </a:prstGeom>
-          <a:ln>
-            <a:solidFill>
-              <a:schemeClr val="tx1"/>
-            </a:solidFill>
-          </a:ln>
-        </p:spPr>
-        <p:style>
-          <a:lnRef idx="1">
-            <a:schemeClr val="accent1"/>
-          </a:lnRef>
-          <a:fillRef idx="0">
-            <a:schemeClr val="accent1"/>
-          </a:fillRef>
-          <a:effectRef idx="0">
-            <a:schemeClr val="accent1"/>
-          </a:effectRef>
-          <a:fontRef idx="minor">
-            <a:schemeClr val="tx1"/>
-          </a:fontRef>
-        </p:style>
-      </p:cxnSp>
-      <p:cxnSp>
-        <p:nvCxnSpPr>
-          <p:cNvPr id="10" name="Conector reto 9"/>
-          <p:cNvCxnSpPr/>
-          <p:nvPr/>
-        </p:nvCxnSpPr>
-        <p:spPr>
-          <a:xfrm rot="5400000">
-            <a:off x="8776438" y="4140704"/>
-            <a:ext cx="285752" cy="1588"/>
-          </a:xfrm>
-          <a:prstGeom prst="line">
-            <a:avLst/>
-          </a:prstGeom>
-          <a:ln>
-            <a:solidFill>
-              <a:schemeClr val="tx1"/>
-            </a:solidFill>
-          </a:ln>
-        </p:spPr>
-        <p:style>
-          <a:lnRef idx="1">
-            <a:schemeClr val="accent1"/>
-          </a:lnRef>
-          <a:fillRef idx="0">
-            <a:schemeClr val="accent1"/>
-          </a:fillRef>
-          <a:effectRef idx="0">
-            <a:schemeClr val="accent1"/>
-          </a:effectRef>
-          <a:fontRef idx="minor">
-            <a:schemeClr val="tx1"/>
-          </a:fontRef>
-        </p:style>
-      </p:cxnSp>
-      <p:sp>
-        <p:nvSpPr>
-          <p:cNvPr id="11" name="CaixaDeTexto 10"/>
-          <p:cNvSpPr txBox="1"/>
-          <p:nvPr/>
-        </p:nvSpPr>
-        <p:spPr>
-          <a:xfrm>
-            <a:off x="8669345" y="4355812"/>
-            <a:ext cx="2395207" cy="369332"/>
-          </a:xfrm>
-          <a:prstGeom prst="rect">
-            <a:avLst/>
-          </a:prstGeom>
-          <a:noFill/>
-        </p:spPr>
-        <p:txBody>
-          <a:bodyPr wrap="none" rtlCol="0">
-            <a:spAutoFit/>
-          </a:bodyPr>
-          <a:lstStyle/>
-          <a:p>
-            <a:r>
-              <a:rPr lang="pt-BR" dirty="0"/>
-              <a:t>Operador de atribuição</a:t>
-            </a:r>
-          </a:p>
-        </p:txBody>
-      </p:sp>
-      <p:sp>
-        <p:nvSpPr>
-          <p:cNvPr id="12" name="Retângulo 11"/>
-          <p:cNvSpPr/>
-          <p:nvPr/>
-        </p:nvSpPr>
-        <p:spPr>
-          <a:xfrm>
-            <a:off x="2991106" y="3979782"/>
-            <a:ext cx="1071570" cy="214314"/>
-          </a:xfrm>
-          <a:prstGeom prst="rect">
-            <a:avLst/>
-          </a:prstGeom>
-          <a:solidFill>
-            <a:schemeClr val="accent3">
-              <a:lumMod val="75000"/>
-            </a:schemeClr>
-          </a:solidFill>
-          <a:ln>
-            <a:solidFill>
-              <a:schemeClr val="tx1"/>
-            </a:solidFill>
-          </a:ln>
-        </p:spPr>
-        <p:style>
-          <a:lnRef idx="2">
-            <a:schemeClr val="accent1">
-              <a:shade val="50000"/>
-            </a:schemeClr>
-          </a:lnRef>
-          <a:fillRef idx="1">
-            <a:schemeClr val="accent1"/>
-          </a:fillRef>
-          <a:effectRef idx="0">
-            <a:schemeClr val="accent1"/>
-          </a:effectRef>
-          <a:fontRef idx="minor">
-            <a:schemeClr val="lt1"/>
-          </a:fontRef>
-        </p:style>
-        <p:txBody>
-          <a:bodyPr rtlCol="0" anchor="ctr"/>
-          <a:lstStyle/>
-          <a:p>
-            <a:pPr algn="ctr"/>
-            <a:r>
-              <a:rPr lang="pt-BR" sz="1200" dirty="0">
-                <a:latin typeface="+mj-lt"/>
-              </a:rPr>
-              <a:t>00000000</a:t>
-            </a:r>
-          </a:p>
-        </p:txBody>
-      </p:sp>
-      <p:sp>
-        <p:nvSpPr>
-          <p:cNvPr id="13" name="Retângulo 12"/>
-          <p:cNvSpPr/>
-          <p:nvPr/>
-        </p:nvSpPr>
-        <p:spPr>
-          <a:xfrm>
-            <a:off x="2991106" y="4194096"/>
-            <a:ext cx="1071570" cy="214314"/>
-          </a:xfrm>
-          <a:prstGeom prst="rect">
-            <a:avLst/>
-          </a:prstGeom>
-          <a:solidFill>
-            <a:schemeClr val="accent3">
-              <a:lumMod val="75000"/>
-            </a:schemeClr>
-          </a:solidFill>
-          <a:ln>
-            <a:solidFill>
-              <a:schemeClr val="tx1"/>
-            </a:solidFill>
-          </a:ln>
-        </p:spPr>
-        <p:style>
-          <a:lnRef idx="2">
-            <a:schemeClr val="accent1">
-              <a:shade val="50000"/>
-            </a:schemeClr>
-          </a:lnRef>
-          <a:fillRef idx="1">
-            <a:schemeClr val="accent1"/>
-          </a:fillRef>
-          <a:effectRef idx="0">
-            <a:schemeClr val="accent1"/>
-          </a:effectRef>
-          <a:fontRef idx="minor">
-            <a:schemeClr val="lt1"/>
-          </a:fontRef>
-        </p:style>
-        <p:txBody>
-          <a:bodyPr rtlCol="0" anchor="ctr"/>
-          <a:lstStyle/>
-          <a:p>
-            <a:pPr algn="ctr"/>
-            <a:r>
-              <a:rPr lang="pt-BR" sz="1200" dirty="0">
-                <a:latin typeface="+mj-lt"/>
-              </a:rPr>
-              <a:t>00000000</a:t>
-            </a:r>
-          </a:p>
-        </p:txBody>
-      </p:sp>
-      <p:sp>
-        <p:nvSpPr>
-          <p:cNvPr id="14" name="Retângulo 13"/>
-          <p:cNvSpPr/>
-          <p:nvPr/>
-        </p:nvSpPr>
-        <p:spPr>
-          <a:xfrm>
-            <a:off x="2991106" y="4408410"/>
-            <a:ext cx="1071570" cy="214314"/>
-          </a:xfrm>
-          <a:prstGeom prst="rect">
-            <a:avLst/>
-          </a:prstGeom>
-          <a:solidFill>
-            <a:schemeClr val="accent3">
-              <a:lumMod val="75000"/>
-            </a:schemeClr>
-          </a:solidFill>
-          <a:ln>
-            <a:solidFill>
-              <a:schemeClr val="tx1"/>
-            </a:solidFill>
-          </a:ln>
-        </p:spPr>
-        <p:style>
-          <a:lnRef idx="2">
-            <a:schemeClr val="accent1">
-              <a:shade val="50000"/>
-            </a:schemeClr>
-          </a:lnRef>
-          <a:fillRef idx="1">
-            <a:schemeClr val="accent1"/>
-          </a:fillRef>
-          <a:effectRef idx="0">
-            <a:schemeClr val="accent1"/>
-          </a:effectRef>
-          <a:fontRef idx="minor">
-            <a:schemeClr val="lt1"/>
-          </a:fontRef>
-        </p:style>
-        <p:txBody>
-          <a:bodyPr rtlCol="0" anchor="ctr"/>
-          <a:lstStyle/>
-          <a:p>
-            <a:pPr algn="ctr"/>
-            <a:r>
-              <a:rPr lang="pt-BR" sz="1200" dirty="0">
-                <a:latin typeface="+mj-lt"/>
-              </a:rPr>
-              <a:t>00000000</a:t>
-            </a:r>
-          </a:p>
-        </p:txBody>
-      </p:sp>
-      <p:sp>
-        <p:nvSpPr>
-          <p:cNvPr id="15" name="Retângulo 14"/>
-          <p:cNvSpPr/>
-          <p:nvPr/>
-        </p:nvSpPr>
-        <p:spPr>
-          <a:xfrm>
-            <a:off x="2991106" y="4622724"/>
-            <a:ext cx="1071570" cy="214314"/>
-          </a:xfrm>
-          <a:prstGeom prst="rect">
-            <a:avLst/>
-          </a:prstGeom>
-          <a:solidFill>
-            <a:schemeClr val="accent3">
-              <a:lumMod val="75000"/>
-            </a:schemeClr>
-          </a:solidFill>
-          <a:ln>
-            <a:solidFill>
-              <a:schemeClr val="tx1"/>
-            </a:solidFill>
-          </a:ln>
-        </p:spPr>
-        <p:style>
-          <a:lnRef idx="2">
-            <a:schemeClr val="accent1">
-              <a:shade val="50000"/>
-            </a:schemeClr>
-          </a:lnRef>
-          <a:fillRef idx="1">
-            <a:schemeClr val="accent1"/>
-          </a:fillRef>
-          <a:effectRef idx="0">
-            <a:schemeClr val="accent1"/>
-          </a:effectRef>
-          <a:fontRef idx="minor">
-            <a:schemeClr val="lt1"/>
-          </a:fontRef>
-        </p:style>
-        <p:txBody>
-          <a:bodyPr rtlCol="0" anchor="ctr"/>
-          <a:lstStyle/>
-          <a:p>
-            <a:pPr algn="ctr"/>
-            <a:r>
-              <a:rPr lang="pt-BR" sz="1200" dirty="0">
-                <a:latin typeface="+mj-lt"/>
-              </a:rPr>
-              <a:t>00011001</a:t>
-            </a:r>
-          </a:p>
-        </p:txBody>
-      </p:sp>
-      <p:sp>
-        <p:nvSpPr>
-          <p:cNvPr id="16" name="Retângulo 15"/>
-          <p:cNvSpPr/>
-          <p:nvPr/>
-        </p:nvSpPr>
-        <p:spPr>
-          <a:xfrm>
-            <a:off x="2991106" y="4837038"/>
-            <a:ext cx="1071570" cy="214314"/>
-          </a:xfrm>
-          <a:prstGeom prst="rect">
-            <a:avLst/>
-          </a:prstGeom>
-          <a:solidFill>
-            <a:schemeClr val="accent3">
-              <a:lumMod val="75000"/>
-            </a:schemeClr>
-          </a:solidFill>
-          <a:ln>
-            <a:solidFill>
-              <a:schemeClr val="tx1"/>
-            </a:solidFill>
-          </a:ln>
-        </p:spPr>
-        <p:style>
-          <a:lnRef idx="2">
-            <a:schemeClr val="accent1">
-              <a:shade val="50000"/>
-            </a:schemeClr>
-          </a:lnRef>
-          <a:fillRef idx="1">
-            <a:schemeClr val="accent1"/>
-          </a:fillRef>
-          <a:effectRef idx="0">
-            <a:schemeClr val="accent1"/>
-          </a:effectRef>
-          <a:fontRef idx="minor">
-            <a:schemeClr val="lt1"/>
-          </a:fontRef>
-        </p:style>
-        <p:txBody>
-          <a:bodyPr rtlCol="0" anchor="ctr"/>
-          <a:lstStyle/>
-          <a:p>
-            <a:pPr algn="ctr"/>
-            <a:endParaRPr lang="pt-BR" sz="1200" dirty="0">
-              <a:latin typeface="+mj-lt"/>
-            </a:endParaRPr>
-          </a:p>
-        </p:txBody>
-      </p:sp>
-      <p:sp>
-        <p:nvSpPr>
-          <p:cNvPr id="17" name="Retângulo 16"/>
-          <p:cNvSpPr/>
-          <p:nvPr/>
-        </p:nvSpPr>
-        <p:spPr>
-          <a:xfrm>
-            <a:off x="2991106" y="5051352"/>
-            <a:ext cx="1071570" cy="214314"/>
-          </a:xfrm>
-          <a:prstGeom prst="rect">
-            <a:avLst/>
-          </a:prstGeom>
-          <a:solidFill>
-            <a:schemeClr val="accent3">
-              <a:lumMod val="75000"/>
-            </a:schemeClr>
-          </a:solidFill>
-          <a:ln>
-            <a:solidFill>
-              <a:schemeClr val="tx1"/>
-            </a:solidFill>
-          </a:ln>
-        </p:spPr>
-        <p:style>
-          <a:lnRef idx="2">
-            <a:schemeClr val="accent1">
-              <a:shade val="50000"/>
-            </a:schemeClr>
-          </a:lnRef>
-          <a:fillRef idx="1">
-            <a:schemeClr val="accent1"/>
-          </a:fillRef>
-          <a:effectRef idx="0">
-            <a:schemeClr val="accent1"/>
-          </a:effectRef>
-          <a:fontRef idx="minor">
-            <a:schemeClr val="lt1"/>
-          </a:fontRef>
-        </p:style>
-        <p:txBody>
-          <a:bodyPr rtlCol="0" anchor="ctr"/>
-          <a:lstStyle/>
-          <a:p>
-            <a:pPr algn="ctr"/>
-            <a:endParaRPr lang="pt-BR" sz="1200" dirty="0">
-              <a:latin typeface="+mj-lt"/>
-            </a:endParaRPr>
-          </a:p>
-        </p:txBody>
-      </p:sp>
-      <p:sp>
-        <p:nvSpPr>
-          <p:cNvPr id="18" name="Retângulo 17"/>
-          <p:cNvSpPr/>
-          <p:nvPr/>
-        </p:nvSpPr>
-        <p:spPr>
-          <a:xfrm>
-            <a:off x="2991106" y="5265666"/>
-            <a:ext cx="1071570" cy="214314"/>
-          </a:xfrm>
-          <a:prstGeom prst="rect">
-            <a:avLst/>
-          </a:prstGeom>
-          <a:solidFill>
-            <a:schemeClr val="accent3">
-              <a:lumMod val="75000"/>
-            </a:schemeClr>
-          </a:solidFill>
-          <a:ln>
-            <a:solidFill>
-              <a:schemeClr val="tx1"/>
-            </a:solidFill>
-          </a:ln>
-        </p:spPr>
-        <p:style>
-          <a:lnRef idx="2">
-            <a:schemeClr val="accent1">
-              <a:shade val="50000"/>
-            </a:schemeClr>
-          </a:lnRef>
-          <a:fillRef idx="1">
-            <a:schemeClr val="accent1"/>
-          </a:fillRef>
-          <a:effectRef idx="0">
-            <a:schemeClr val="accent1"/>
-          </a:effectRef>
-          <a:fontRef idx="minor">
-            <a:schemeClr val="lt1"/>
-          </a:fontRef>
-        </p:style>
-        <p:txBody>
-          <a:bodyPr rtlCol="0" anchor="ctr"/>
-          <a:lstStyle/>
-          <a:p>
-            <a:pPr algn="ctr"/>
-            <a:endParaRPr lang="pt-BR" sz="1200" dirty="0">
-              <a:latin typeface="+mj-lt"/>
-            </a:endParaRPr>
-          </a:p>
-        </p:txBody>
-      </p:sp>
-      <p:sp>
-        <p:nvSpPr>
-          <p:cNvPr id="19" name="Retângulo 18"/>
-          <p:cNvSpPr/>
-          <p:nvPr/>
-        </p:nvSpPr>
-        <p:spPr>
-          <a:xfrm>
-            <a:off x="2991106" y="5479980"/>
-            <a:ext cx="1071570" cy="214314"/>
-          </a:xfrm>
-          <a:prstGeom prst="rect">
-            <a:avLst/>
-          </a:prstGeom>
-          <a:solidFill>
-            <a:schemeClr val="accent3">
-              <a:lumMod val="75000"/>
-            </a:schemeClr>
-          </a:solidFill>
-          <a:ln>
-            <a:solidFill>
-              <a:schemeClr val="tx1"/>
-            </a:solidFill>
-          </a:ln>
-        </p:spPr>
-        <p:style>
-          <a:lnRef idx="2">
-            <a:schemeClr val="accent1">
-              <a:shade val="50000"/>
-            </a:schemeClr>
-          </a:lnRef>
-          <a:fillRef idx="1">
-            <a:schemeClr val="accent1"/>
-          </a:fillRef>
-          <a:effectRef idx="0">
-            <a:schemeClr val="accent1"/>
-          </a:effectRef>
-          <a:fontRef idx="minor">
-            <a:schemeClr val="lt1"/>
-          </a:fontRef>
-        </p:style>
-        <p:txBody>
-          <a:bodyPr rtlCol="0" anchor="ctr"/>
-          <a:lstStyle/>
-          <a:p>
-            <a:pPr algn="ctr"/>
-            <a:endParaRPr lang="pt-BR" sz="1200" dirty="0">
-              <a:latin typeface="+mj-lt"/>
-            </a:endParaRPr>
-          </a:p>
-        </p:txBody>
-      </p:sp>
-      <p:sp>
-        <p:nvSpPr>
-          <p:cNvPr id="32" name="Chave direita 31"/>
-          <p:cNvSpPr/>
-          <p:nvPr/>
-        </p:nvSpPr>
-        <p:spPr>
-          <a:xfrm flipH="1">
-            <a:off x="2633916" y="3979782"/>
-            <a:ext cx="142876" cy="857256"/>
-          </a:xfrm>
-          <a:prstGeom prst="rightBrace">
-            <a:avLst/>
-          </a:prstGeom>
-          <a:ln>
-            <a:solidFill>
-              <a:schemeClr val="tx1"/>
-            </a:solidFill>
-          </a:ln>
-        </p:spPr>
-        <p:style>
-          <a:lnRef idx="1">
-            <a:schemeClr val="accent1"/>
-          </a:lnRef>
-          <a:fillRef idx="0">
-            <a:schemeClr val="accent1"/>
-          </a:fillRef>
-          <a:effectRef idx="0">
-            <a:schemeClr val="accent1"/>
-          </a:effectRef>
-          <a:fontRef idx="minor">
-            <a:schemeClr val="tx1"/>
-          </a:fontRef>
-        </p:style>
-        <p:txBody>
-          <a:bodyPr rtlCol="0" anchor="ctr"/>
-          <a:lstStyle/>
-          <a:p>
-            <a:pPr algn="ctr"/>
-            <a:endParaRPr lang="pt-BR" dirty="0"/>
-          </a:p>
-        </p:txBody>
-      </p:sp>
-      <p:sp>
-        <p:nvSpPr>
-          <p:cNvPr id="33" name="CaixaDeTexto 32"/>
-          <p:cNvSpPr txBox="1"/>
-          <p:nvPr/>
-        </p:nvSpPr>
-        <p:spPr>
-          <a:xfrm>
-            <a:off x="1919536" y="4194096"/>
-            <a:ext cx="437940" cy="369332"/>
-          </a:xfrm>
-          <a:prstGeom prst="rect">
-            <a:avLst/>
-          </a:prstGeom>
-          <a:noFill/>
-        </p:spPr>
-        <p:txBody>
-          <a:bodyPr wrap="none" rtlCol="0">
-            <a:spAutoFit/>
-          </a:bodyPr>
-          <a:lstStyle/>
-          <a:p>
-            <a:r>
-              <a:rPr lang="pt-BR" dirty="0">
-                <a:latin typeface="+mj-lt"/>
-              </a:rPr>
-              <a:t>25</a:t>
-            </a:r>
-            <a:endParaRPr lang="pt-BR" dirty="0"/>
-          </a:p>
-        </p:txBody>
-      </p:sp>
-      <p:sp>
-        <p:nvSpPr>
-          <p:cNvPr id="30" name="CaixaDeTexto 29"/>
-          <p:cNvSpPr txBox="1"/>
-          <p:nvPr/>
-        </p:nvSpPr>
-        <p:spPr>
-          <a:xfrm>
-            <a:off x="4062677" y="3861048"/>
-            <a:ext cx="1842171" cy="369332"/>
-          </a:xfrm>
-          <a:prstGeom prst="rect">
-            <a:avLst/>
-          </a:prstGeom>
-          <a:noFill/>
-        </p:spPr>
-        <p:txBody>
-          <a:bodyPr wrap="none" rtlCol="0">
-            <a:spAutoFit/>
-          </a:bodyPr>
-          <a:lstStyle/>
-          <a:p>
-            <a:r>
-              <a:rPr lang="pt-BR" sz="1100" dirty="0">
-                <a:latin typeface="+mj-lt"/>
-              </a:rPr>
-              <a:t>0xCB20 </a:t>
-            </a:r>
-            <a:r>
-              <a:rPr lang="pt-BR" dirty="0">
-                <a:latin typeface="+mj-lt"/>
-              </a:rPr>
-              <a:t>= </a:t>
-            </a:r>
-            <a:r>
-              <a:rPr lang="pt-BR" dirty="0"/>
-              <a:t>cenouras</a:t>
-            </a:r>
-            <a:endParaRPr lang="pt-BR" sz="1100" dirty="0">
-              <a:latin typeface="+mj-lt"/>
-            </a:endParaRPr>
-          </a:p>
-        </p:txBody>
-      </p:sp>
-      <p:sp>
-        <p:nvSpPr>
-          <p:cNvPr id="31" name="CaixaDeTexto 30"/>
-          <p:cNvSpPr txBox="1"/>
-          <p:nvPr/>
-        </p:nvSpPr>
-        <p:spPr>
-          <a:xfrm>
-            <a:off x="4062677" y="4181662"/>
-            <a:ext cx="646331" cy="261610"/>
-          </a:xfrm>
-          <a:prstGeom prst="rect">
-            <a:avLst/>
-          </a:prstGeom>
-          <a:noFill/>
-        </p:spPr>
-        <p:txBody>
-          <a:bodyPr wrap="none" rtlCol="0">
-            <a:spAutoFit/>
-          </a:bodyPr>
-          <a:lstStyle/>
-          <a:p>
-            <a:r>
-              <a:rPr lang="pt-BR" sz="1100" dirty="0">
-                <a:latin typeface="+mj-lt"/>
-              </a:rPr>
-              <a:t>0xCB21</a:t>
-            </a:r>
-          </a:p>
-        </p:txBody>
-      </p:sp>
-      <p:sp>
-        <p:nvSpPr>
-          <p:cNvPr id="34" name="CaixaDeTexto 33"/>
-          <p:cNvSpPr txBox="1"/>
-          <p:nvPr/>
-        </p:nvSpPr>
-        <p:spPr>
-          <a:xfrm>
-            <a:off x="4062677" y="4395976"/>
-            <a:ext cx="646331" cy="261610"/>
-          </a:xfrm>
-          <a:prstGeom prst="rect">
-            <a:avLst/>
-          </a:prstGeom>
-          <a:noFill/>
-        </p:spPr>
-        <p:txBody>
-          <a:bodyPr wrap="none" rtlCol="0">
-            <a:spAutoFit/>
-          </a:bodyPr>
-          <a:lstStyle/>
-          <a:p>
-            <a:r>
-              <a:rPr lang="pt-BR" sz="1100" dirty="0">
-                <a:latin typeface="+mj-lt"/>
-              </a:rPr>
-              <a:t>0xCB22</a:t>
-            </a:r>
-          </a:p>
-        </p:txBody>
-      </p:sp>
-      <p:sp>
-        <p:nvSpPr>
-          <p:cNvPr id="35" name="CaixaDeTexto 34"/>
-          <p:cNvSpPr txBox="1"/>
-          <p:nvPr/>
-        </p:nvSpPr>
-        <p:spPr>
-          <a:xfrm>
-            <a:off x="4062677" y="4610290"/>
-            <a:ext cx="646331" cy="261610"/>
-          </a:xfrm>
-          <a:prstGeom prst="rect">
-            <a:avLst/>
-          </a:prstGeom>
-          <a:noFill/>
-        </p:spPr>
-        <p:txBody>
-          <a:bodyPr wrap="none" rtlCol="0">
-            <a:spAutoFit/>
-          </a:bodyPr>
-          <a:lstStyle/>
-          <a:p>
-            <a:r>
-              <a:rPr lang="pt-BR" sz="1100" dirty="0">
-                <a:latin typeface="+mj-lt"/>
-              </a:rPr>
-              <a:t>0xCB23</a:t>
-            </a:r>
-          </a:p>
-        </p:txBody>
-      </p:sp>
-      <p:sp>
-        <p:nvSpPr>
-          <p:cNvPr id="36" name="CaixaDeTexto 35"/>
-          <p:cNvSpPr txBox="1"/>
-          <p:nvPr/>
-        </p:nvSpPr>
-        <p:spPr>
-          <a:xfrm>
-            <a:off x="4062677" y="4824604"/>
-            <a:ext cx="646331" cy="261610"/>
-          </a:xfrm>
-          <a:prstGeom prst="rect">
-            <a:avLst/>
-          </a:prstGeom>
-          <a:noFill/>
-        </p:spPr>
-        <p:txBody>
-          <a:bodyPr wrap="none" rtlCol="0">
-            <a:spAutoFit/>
-          </a:bodyPr>
-          <a:lstStyle/>
-          <a:p>
-            <a:r>
-              <a:rPr lang="pt-BR" sz="1100" dirty="0">
-                <a:latin typeface="+mj-lt"/>
-              </a:rPr>
-              <a:t>0xCB24</a:t>
-            </a:r>
-          </a:p>
-        </p:txBody>
-      </p:sp>
-      <p:sp>
-        <p:nvSpPr>
-          <p:cNvPr id="37" name="CaixaDeTexto 36"/>
-          <p:cNvSpPr txBox="1"/>
-          <p:nvPr/>
-        </p:nvSpPr>
-        <p:spPr>
-          <a:xfrm>
-            <a:off x="4062677" y="5038918"/>
-            <a:ext cx="646331" cy="261610"/>
-          </a:xfrm>
-          <a:prstGeom prst="rect">
-            <a:avLst/>
-          </a:prstGeom>
-          <a:noFill/>
-        </p:spPr>
-        <p:txBody>
-          <a:bodyPr wrap="none" rtlCol="0">
-            <a:spAutoFit/>
-          </a:bodyPr>
-          <a:lstStyle/>
-          <a:p>
-            <a:r>
-              <a:rPr lang="pt-BR" sz="1100" dirty="0">
-                <a:latin typeface="+mj-lt"/>
-              </a:rPr>
-              <a:t>0xCB25</a:t>
-            </a:r>
-          </a:p>
-        </p:txBody>
-      </p:sp>
-      <p:sp>
-        <p:nvSpPr>
-          <p:cNvPr id="38" name="CaixaDeTexto 37"/>
-          <p:cNvSpPr txBox="1"/>
-          <p:nvPr/>
-        </p:nvSpPr>
-        <p:spPr>
-          <a:xfrm>
-            <a:off x="4062677" y="5253232"/>
-            <a:ext cx="646331" cy="261610"/>
-          </a:xfrm>
-          <a:prstGeom prst="rect">
-            <a:avLst/>
-          </a:prstGeom>
-          <a:noFill/>
-        </p:spPr>
-        <p:txBody>
-          <a:bodyPr wrap="none" rtlCol="0">
-            <a:spAutoFit/>
-          </a:bodyPr>
-          <a:lstStyle/>
-          <a:p>
-            <a:r>
-              <a:rPr lang="pt-BR" sz="1100" dirty="0">
-                <a:latin typeface="+mj-lt"/>
-              </a:rPr>
-              <a:t>0xCB26</a:t>
-            </a:r>
-          </a:p>
-        </p:txBody>
-      </p:sp>
-      <p:sp>
-        <p:nvSpPr>
-          <p:cNvPr id="39" name="CaixaDeTexto 38"/>
-          <p:cNvSpPr txBox="1"/>
-          <p:nvPr/>
-        </p:nvSpPr>
-        <p:spPr>
-          <a:xfrm>
-            <a:off x="4062677" y="5467546"/>
-            <a:ext cx="646331" cy="261610"/>
-          </a:xfrm>
-          <a:prstGeom prst="rect">
-            <a:avLst/>
-          </a:prstGeom>
-          <a:noFill/>
-        </p:spPr>
-        <p:txBody>
-          <a:bodyPr wrap="none" rtlCol="0">
-            <a:spAutoFit/>
-          </a:bodyPr>
-          <a:lstStyle/>
-          <a:p>
-            <a:r>
-              <a:rPr lang="pt-BR" sz="1100" dirty="0">
-                <a:latin typeface="+mj-lt"/>
-              </a:rPr>
-              <a:t>0xCB27</a:t>
-            </a:r>
-          </a:p>
-        </p:txBody>
-      </p:sp>
+            </a:fontRef>
+          </p:style>
+          <p:txBody>
+            <a:bodyPr rtlCol="0" anchor="ctr"/>
+            <a:lstStyle/>
+            <a:p>
+              <a:pPr algn="ctr"/>
+              <a:endParaRPr lang="pt-BR" dirty="0"/>
+            </a:p>
+          </p:txBody>
+        </p:sp>
+        <p:sp>
+          <p:nvSpPr>
+            <p:cNvPr id="33" name="CaixaDeTexto 32"/>
+            <p:cNvSpPr txBox="1"/>
+            <p:nvPr/>
+          </p:nvSpPr>
+          <p:spPr>
+            <a:xfrm>
+              <a:off x="1919536" y="4194096"/>
+              <a:ext cx="437940" cy="369332"/>
+            </a:xfrm>
+            <a:prstGeom prst="rect">
+              <a:avLst/>
+            </a:prstGeom>
+            <a:noFill/>
+          </p:spPr>
+          <p:txBody>
+            <a:bodyPr wrap="none" rtlCol="0">
+              <a:spAutoFit/>
+            </a:bodyPr>
+            <a:lstStyle/>
+            <a:p>
+              <a:r>
+                <a:rPr lang="pt-BR" dirty="0">
+                  <a:latin typeface="+mj-lt"/>
+                </a:rPr>
+                <a:t>25</a:t>
+              </a:r>
+              <a:endParaRPr lang="pt-BR" dirty="0"/>
+            </a:p>
+          </p:txBody>
+        </p:sp>
+        <p:sp>
+          <p:nvSpPr>
+            <p:cNvPr id="30" name="CaixaDeTexto 29"/>
+            <p:cNvSpPr txBox="1"/>
+            <p:nvPr/>
+          </p:nvSpPr>
+          <p:spPr>
+            <a:xfrm>
+              <a:off x="4062677" y="3861048"/>
+              <a:ext cx="1842171" cy="369332"/>
+            </a:xfrm>
+            <a:prstGeom prst="rect">
+              <a:avLst/>
+            </a:prstGeom>
+            <a:noFill/>
+          </p:spPr>
+          <p:txBody>
+            <a:bodyPr wrap="none" rtlCol="0">
+              <a:spAutoFit/>
+            </a:bodyPr>
+            <a:lstStyle/>
+            <a:p>
+              <a:r>
+                <a:rPr lang="pt-BR" sz="1100" dirty="0">
+                  <a:latin typeface="+mj-lt"/>
+                </a:rPr>
+                <a:t>0xCB20 </a:t>
+              </a:r>
+              <a:r>
+                <a:rPr lang="pt-BR" dirty="0">
+                  <a:latin typeface="+mj-lt"/>
+                </a:rPr>
+                <a:t>= </a:t>
+              </a:r>
+              <a:r>
+                <a:rPr lang="pt-BR" dirty="0"/>
+                <a:t>cenouras</a:t>
+              </a:r>
+              <a:endParaRPr lang="pt-BR" sz="1100" dirty="0">
+                <a:latin typeface="+mj-lt"/>
+              </a:endParaRPr>
+            </a:p>
+          </p:txBody>
+        </p:sp>
+        <p:sp>
+          <p:nvSpPr>
+            <p:cNvPr id="31" name="CaixaDeTexto 30"/>
+            <p:cNvSpPr txBox="1"/>
+            <p:nvPr/>
+          </p:nvSpPr>
+          <p:spPr>
+            <a:xfrm>
+              <a:off x="4062677" y="4181662"/>
+              <a:ext cx="646331" cy="261610"/>
+            </a:xfrm>
+            <a:prstGeom prst="rect">
+              <a:avLst/>
+            </a:prstGeom>
+            <a:noFill/>
+          </p:spPr>
+          <p:txBody>
+            <a:bodyPr wrap="none" rtlCol="0">
+              <a:spAutoFit/>
+            </a:bodyPr>
+            <a:lstStyle/>
+            <a:p>
+              <a:r>
+                <a:rPr lang="pt-BR" sz="1100" dirty="0">
+                  <a:latin typeface="+mj-lt"/>
+                </a:rPr>
+                <a:t>0xCB21</a:t>
+              </a:r>
+            </a:p>
+          </p:txBody>
+        </p:sp>
+        <p:sp>
+          <p:nvSpPr>
+            <p:cNvPr id="34" name="CaixaDeTexto 33"/>
+            <p:cNvSpPr txBox="1"/>
+            <p:nvPr/>
+          </p:nvSpPr>
+          <p:spPr>
+            <a:xfrm>
+              <a:off x="4062677" y="4395976"/>
+              <a:ext cx="646331" cy="261610"/>
+            </a:xfrm>
+            <a:prstGeom prst="rect">
+              <a:avLst/>
+            </a:prstGeom>
+            <a:noFill/>
+          </p:spPr>
+          <p:txBody>
+            <a:bodyPr wrap="none" rtlCol="0">
+              <a:spAutoFit/>
+            </a:bodyPr>
+            <a:lstStyle/>
+            <a:p>
+              <a:r>
+                <a:rPr lang="pt-BR" sz="1100" dirty="0">
+                  <a:latin typeface="+mj-lt"/>
+                </a:rPr>
+                <a:t>0xCB22</a:t>
+              </a:r>
+            </a:p>
+          </p:txBody>
+        </p:sp>
+        <p:sp>
+          <p:nvSpPr>
+            <p:cNvPr id="35" name="CaixaDeTexto 34"/>
+            <p:cNvSpPr txBox="1"/>
+            <p:nvPr/>
+          </p:nvSpPr>
+          <p:spPr>
+            <a:xfrm>
+              <a:off x="4062677" y="4610290"/>
+              <a:ext cx="646331" cy="261610"/>
+            </a:xfrm>
+            <a:prstGeom prst="rect">
+              <a:avLst/>
+            </a:prstGeom>
+            <a:noFill/>
+          </p:spPr>
+          <p:txBody>
+            <a:bodyPr wrap="none" rtlCol="0">
+              <a:spAutoFit/>
+            </a:bodyPr>
+            <a:lstStyle/>
+            <a:p>
+              <a:r>
+                <a:rPr lang="pt-BR" sz="1100" dirty="0">
+                  <a:latin typeface="+mj-lt"/>
+                </a:rPr>
+                <a:t>0xCB23</a:t>
+              </a:r>
+            </a:p>
+          </p:txBody>
+        </p:sp>
+        <p:sp>
+          <p:nvSpPr>
+            <p:cNvPr id="36" name="CaixaDeTexto 35"/>
+            <p:cNvSpPr txBox="1"/>
+            <p:nvPr/>
+          </p:nvSpPr>
+          <p:spPr>
+            <a:xfrm>
+              <a:off x="4062677" y="4824604"/>
+              <a:ext cx="646331" cy="261610"/>
+            </a:xfrm>
+            <a:prstGeom prst="rect">
+              <a:avLst/>
+            </a:prstGeom>
+            <a:noFill/>
+          </p:spPr>
+          <p:txBody>
+            <a:bodyPr wrap="none" rtlCol="0">
+              <a:spAutoFit/>
+            </a:bodyPr>
+            <a:lstStyle/>
+            <a:p>
+              <a:r>
+                <a:rPr lang="pt-BR" sz="1100" dirty="0">
+                  <a:latin typeface="+mj-lt"/>
+                </a:rPr>
+                <a:t>0xCB24</a:t>
+              </a:r>
+            </a:p>
+          </p:txBody>
+        </p:sp>
+        <p:sp>
+          <p:nvSpPr>
+            <p:cNvPr id="37" name="CaixaDeTexto 36"/>
+            <p:cNvSpPr txBox="1"/>
+            <p:nvPr/>
+          </p:nvSpPr>
+          <p:spPr>
+            <a:xfrm>
+              <a:off x="4062677" y="5038918"/>
+              <a:ext cx="646331" cy="261610"/>
+            </a:xfrm>
+            <a:prstGeom prst="rect">
+              <a:avLst/>
+            </a:prstGeom>
+            <a:noFill/>
+          </p:spPr>
+          <p:txBody>
+            <a:bodyPr wrap="none" rtlCol="0">
+              <a:spAutoFit/>
+            </a:bodyPr>
+            <a:lstStyle/>
+            <a:p>
+              <a:r>
+                <a:rPr lang="pt-BR" sz="1100" dirty="0">
+                  <a:latin typeface="+mj-lt"/>
+                </a:rPr>
+                <a:t>0xCB25</a:t>
+              </a:r>
+            </a:p>
+          </p:txBody>
+        </p:sp>
+        <p:sp>
+          <p:nvSpPr>
+            <p:cNvPr id="38" name="CaixaDeTexto 37"/>
+            <p:cNvSpPr txBox="1"/>
+            <p:nvPr/>
+          </p:nvSpPr>
+          <p:spPr>
+            <a:xfrm>
+              <a:off x="4062677" y="5253232"/>
+              <a:ext cx="646331" cy="261610"/>
+            </a:xfrm>
+            <a:prstGeom prst="rect">
+              <a:avLst/>
+            </a:prstGeom>
+            <a:noFill/>
+          </p:spPr>
+          <p:txBody>
+            <a:bodyPr wrap="none" rtlCol="0">
+              <a:spAutoFit/>
+            </a:bodyPr>
+            <a:lstStyle/>
+            <a:p>
+              <a:r>
+                <a:rPr lang="pt-BR" sz="1100" dirty="0">
+                  <a:latin typeface="+mj-lt"/>
+                </a:rPr>
+                <a:t>0xCB26</a:t>
+              </a:r>
+            </a:p>
+          </p:txBody>
+        </p:sp>
+        <p:sp>
+          <p:nvSpPr>
+            <p:cNvPr id="39" name="CaixaDeTexto 38"/>
+            <p:cNvSpPr txBox="1"/>
+            <p:nvPr/>
+          </p:nvSpPr>
+          <p:spPr>
+            <a:xfrm>
+              <a:off x="4062677" y="5467546"/>
+              <a:ext cx="646331" cy="261610"/>
+            </a:xfrm>
+            <a:prstGeom prst="rect">
+              <a:avLst/>
+            </a:prstGeom>
+            <a:noFill/>
+          </p:spPr>
+          <p:txBody>
+            <a:bodyPr wrap="none" rtlCol="0">
+              <a:spAutoFit/>
+            </a:bodyPr>
+            <a:lstStyle/>
+            <a:p>
+              <a:r>
+                <a:rPr lang="pt-BR" sz="1100" dirty="0">
+                  <a:latin typeface="+mj-lt"/>
+                </a:rPr>
+                <a:t>0xCB27</a:t>
+              </a:r>
+            </a:p>
+          </p:txBody>
+        </p:sp>
+      </p:grpSp>
       <p:grpSp>
         <p:nvGrpSpPr>
           <p:cNvPr id="40" name="Agrupar 39">
@@ -14697,7 +15402,9 @@
         </p:nvSpPr>
         <p:spPr/>
         <p:txBody>
-          <a:bodyPr/>
+          <a:bodyPr>
+            <a:normAutofit/>
+          </a:bodyPr>
           <a:lstStyle/>
           <a:p>
             <a:r>
@@ -14716,7 +15423,14 @@
             </a:r>
             <a:r>
               <a:rPr lang="pt-BR" dirty="0"/>
-              <a:t> mostra que </a:t>
+              <a:t> </a:t>
+            </a:r>
+            <a:br>
+              <a:rPr lang="pt-BR" dirty="0"/>
+            </a:br>
+            <a:r>
+              <a:rPr lang="pt-BR" dirty="0"/>
+              <a:t>mostra que </a:t>
             </a:r>
             <a:r>
               <a:rPr lang="pt-BR" dirty="0">
@@ -14742,11 +15456,7 @@
             <a:endParaRPr lang="pt-BR" dirty="0"/>
           </a:p>
           <a:p>
-            <a:pPr lvl="1"/>
-            <a:r>
-              <a:rPr lang="pt-BR" dirty="0"/>
-              <a:t>A </a:t>
-            </a:r>
+            <a:pPr lvl="2"/>
             <a:r>
               <a:rPr lang="pt-BR" dirty="0">
                 <a:solidFill>
@@ -14755,11 +15465,59 @@
                   </a:schemeClr>
                 </a:solidFill>
               </a:rPr>
-              <a:t>expressão matemática é avaliada</a:t>
+              <a:t>Primeiro</a:t>
             </a:r>
             <a:r>
               <a:rPr lang="pt-BR" dirty="0"/>
-              <a:t> e o resultado é atribuído a variável cenouras</a:t>
+              <a:t> a expressão </a:t>
+            </a:r>
+            <a:br>
+              <a:rPr lang="pt-BR" dirty="0"/>
+            </a:br>
+            <a:r>
+              <a:rPr lang="pt-BR" dirty="0"/>
+              <a:t>matemática é avaliada</a:t>
+            </a:r>
+            <a:br>
+              <a:rPr lang="pt-BR" dirty="0"/>
+            </a:br>
+            <a:endParaRPr lang="pt-BR" dirty="0">
+              <a:solidFill>
+                <a:schemeClr val="accent3">
+                  <a:lumMod val="75000"/>
+                </a:schemeClr>
+              </a:solidFill>
+            </a:endParaRPr>
+          </a:p>
+          <a:p>
+            <a:pPr lvl="2"/>
+            <a:r>
+              <a:rPr lang="pt-BR" dirty="0">
+                <a:solidFill>
+                  <a:schemeClr val="accent3">
+                    <a:lumMod val="75000"/>
+                  </a:schemeClr>
+                </a:solidFill>
+              </a:rPr>
+              <a:t>Depois</a:t>
+            </a:r>
+            <a:r>
+              <a:rPr lang="pt-BR" dirty="0"/>
+              <a:t> o resultado é </a:t>
+            </a:r>
+            <a:br>
+              <a:rPr lang="pt-BR" dirty="0"/>
+            </a:br>
+            <a:r>
+              <a:rPr lang="pt-BR" dirty="0"/>
+              <a:t>atribuído a variável </a:t>
+            </a:r>
+            <a:br>
+              <a:rPr lang="pt-BR" dirty="0"/>
+            </a:br>
+            <a:r>
+              <a:rPr lang="pt-BR" dirty="0"/>
+              <a:t>cenouras</a:t>
             </a:r>
           </a:p>
         </p:txBody>
@@ -14806,212 +15564,245 @@
           </a:p>
         </p:txBody>
       </p:sp>
-      <p:sp>
-        <p:nvSpPr>
-          <p:cNvPr id="5" name="CaixaDeTexto 4"/>
-          <p:cNvSpPr txBox="1"/>
+      <p:grpSp>
+        <p:nvGrpSpPr>
+          <p:cNvPr id="17" name="Agrupar 16">
+            <a:extLst>
+              <a:ext uri="{FF2B5EF4-FFF2-40B4-BE49-F238E27FC236}">
+                <a16:creationId xmlns:a16="http://schemas.microsoft.com/office/drawing/2014/main" id="{3CE35039-F696-45CC-A33A-370253A99676}"/>
+              </a:ext>
+            </a:extLst>
+          </p:cNvPr>
+          <p:cNvGrpSpPr/>
           <p:nvPr/>
-        </p:nvSpPr>
-        <p:spPr>
+        </p:nvGrpSpPr>
+        <p:grpSpPr>
           <a:xfrm>
-            <a:off x="4488360" y="5662700"/>
-            <a:ext cx="3839887" cy="369332"/>
+            <a:off x="6023992" y="4069560"/>
+            <a:ext cx="3839887" cy="1781484"/>
+            <a:chOff x="4488360" y="4713849"/>
+            <a:chExt cx="3839887" cy="1781484"/>
           </a:xfrm>
-          <a:prstGeom prst="rect">
-            <a:avLst/>
-          </a:prstGeom>
-          <a:noFill/>
-        </p:spPr>
-        <p:txBody>
-          <a:bodyPr wrap="square" rtlCol="0">
-            <a:spAutoFit/>
-          </a:bodyPr>
-          <a:lstStyle/>
-          <a:p>
-            <a:r>
-              <a:rPr lang="pt-BR" dirty="0">
-                <a:latin typeface="+mj-lt"/>
-              </a:rPr>
-              <a:t>cenouras = cenouras – 1;  </a:t>
-            </a:r>
-            <a:endParaRPr lang="pt-BR" dirty="0">
+        </p:grpSpPr>
+        <p:sp>
+          <p:nvSpPr>
+            <p:cNvPr id="5" name="CaixaDeTexto 4"/>
+            <p:cNvSpPr txBox="1"/>
+            <p:nvPr/>
+          </p:nvSpPr>
+          <p:spPr>
+            <a:xfrm>
+              <a:off x="4488360" y="5662700"/>
+              <a:ext cx="3839887" cy="369332"/>
+            </a:xfrm>
+            <a:prstGeom prst="rect">
+              <a:avLst/>
+            </a:prstGeom>
+            <a:noFill/>
+          </p:spPr>
+          <p:txBody>
+            <a:bodyPr wrap="square" rtlCol="0">
+              <a:spAutoFit/>
+            </a:bodyPr>
+            <a:lstStyle/>
+            <a:p>
+              <a:r>
+                <a:rPr lang="pt-BR" dirty="0">
+                  <a:latin typeface="+mj-lt"/>
+                </a:rPr>
+                <a:t>cenouras =  cenouras – 1 ;  </a:t>
+              </a:r>
+              <a:endParaRPr lang="pt-BR" dirty="0">
+                <a:solidFill>
+                  <a:schemeClr val="tx1">
+                    <a:lumMod val="50000"/>
+                  </a:schemeClr>
+                </a:solidFill>
+                <a:latin typeface="+mj-lt"/>
+              </a:endParaRPr>
+            </a:p>
+          </p:txBody>
+        </p:sp>
+        <p:sp>
+          <p:nvSpPr>
+            <p:cNvPr id="8" name="CaixaDeTexto 7"/>
+            <p:cNvSpPr txBox="1"/>
+            <p:nvPr/>
+          </p:nvSpPr>
+          <p:spPr>
+            <a:xfrm>
+              <a:off x="6274842" y="6126001"/>
+              <a:ext cx="1154483" cy="369332"/>
+            </a:xfrm>
+            <a:prstGeom prst="rect">
+              <a:avLst/>
+            </a:prstGeom>
+            <a:noFill/>
+          </p:spPr>
+          <p:txBody>
+            <a:bodyPr wrap="none" rtlCol="0">
+              <a:spAutoFit/>
+            </a:bodyPr>
+            <a:lstStyle/>
+            <a:p>
+              <a:r>
+                <a:rPr lang="pt-BR" dirty="0">
+                  <a:solidFill>
+                    <a:schemeClr val="accent3"/>
+                  </a:solidFill>
+                </a:rPr>
+                <a:t>Expressão</a:t>
+              </a:r>
+            </a:p>
+          </p:txBody>
+        </p:sp>
+        <p:cxnSp>
+          <p:nvCxnSpPr>
+            <p:cNvPr id="10" name="Conector angulado 9"/>
+            <p:cNvCxnSpPr>
+              <a:cxnSpLocks/>
+              <a:stCxn id="6" idx="0"/>
+            </p:cNvCxnSpPr>
+            <p:nvPr/>
+          </p:nvCxnSpPr>
+          <p:spPr>
+            <a:xfrm rot="16200000" flipV="1">
+              <a:off x="5931690" y="4753321"/>
+              <a:ext cx="12700" cy="1782605"/>
+            </a:xfrm>
+            <a:prstGeom prst="bentConnector3">
+              <a:avLst>
+                <a:gd name="adj1" fmla="val 3894528"/>
+              </a:avLst>
+            </a:prstGeom>
+            <a:ln w="19050">
               <a:solidFill>
-                <a:schemeClr val="tx1">
-                  <a:lumMod val="50000"/>
+                <a:schemeClr val="accent3">
+                  <a:lumMod val="75000"/>
                 </a:schemeClr>
               </a:solidFill>
-              <a:latin typeface="+mj-lt"/>
-            </a:endParaRPr>
-          </a:p>
-        </p:txBody>
-      </p:sp>
-      <p:sp>
-        <p:nvSpPr>
-          <p:cNvPr id="7" name="Colchete duplo 6"/>
-          <p:cNvSpPr/>
-          <p:nvPr/>
-        </p:nvSpPr>
-        <p:spPr>
-          <a:xfrm rot="16200000">
-            <a:off x="6366414" y="5093512"/>
-            <a:ext cx="683308" cy="1512168"/>
-          </a:xfrm>
-          <a:prstGeom prst="bracketPair">
-            <a:avLst/>
-          </a:prstGeom>
-          <a:ln w="19050">
-            <a:solidFill>
+              <a:tailEnd type="arrow"/>
+            </a:ln>
+            <a:effectLst>
+              <a:outerShdw blurRad="50800" dist="38100" dir="2700000" algn="tl" rotWithShape="0">
+                <a:prstClr val="black">
+                  <a:alpha val="40000"/>
+                </a:prstClr>
+              </a:outerShdw>
+            </a:effectLst>
+          </p:spPr>
+          <p:style>
+            <a:lnRef idx="1">
+              <a:schemeClr val="accent1"/>
+            </a:lnRef>
+            <a:fillRef idx="0">
+              <a:schemeClr val="accent1"/>
+            </a:fillRef>
+            <a:effectRef idx="0">
+              <a:schemeClr val="accent1"/>
+            </a:effectRef>
+            <a:fontRef idx="minor">
               <a:schemeClr val="tx1"/>
-            </a:solidFill>
-          </a:ln>
-          <a:effectLst>
-            <a:outerShdw blurRad="50800" dist="38100" dir="2700000" algn="tl" rotWithShape="0">
-              <a:prstClr val="black">
-                <a:alpha val="40000"/>
-              </a:prstClr>
-            </a:outerShdw>
-          </a:effectLst>
-        </p:spPr>
-        <p:style>
-          <a:lnRef idx="1">
-            <a:schemeClr val="accent1"/>
-          </a:lnRef>
-          <a:fillRef idx="0">
-            <a:schemeClr val="accent1"/>
-          </a:fillRef>
-          <a:effectRef idx="0">
-            <a:schemeClr val="accent1"/>
-          </a:effectRef>
-          <a:fontRef idx="minor">
-            <a:schemeClr val="tx1"/>
-          </a:fontRef>
-        </p:style>
-        <p:txBody>
-          <a:bodyPr rtlCol="0" anchor="ctr"/>
-          <a:lstStyle/>
-          <a:p>
-            <a:pPr algn="ctr"/>
-            <a:endParaRPr lang="pt-BR"/>
-          </a:p>
-        </p:txBody>
-      </p:sp>
-      <p:sp>
-        <p:nvSpPr>
-          <p:cNvPr id="8" name="CaixaDeTexto 7"/>
-          <p:cNvSpPr txBox="1"/>
-          <p:nvPr/>
-        </p:nvSpPr>
-        <p:spPr>
-          <a:xfrm>
-            <a:off x="6130826" y="6201243"/>
-            <a:ext cx="1154483" cy="369332"/>
-          </a:xfrm>
-          <a:prstGeom prst="rect">
-            <a:avLst/>
-          </a:prstGeom>
-          <a:noFill/>
-        </p:spPr>
-        <p:txBody>
-          <a:bodyPr wrap="none" rtlCol="0">
-            <a:spAutoFit/>
-          </a:bodyPr>
-          <a:lstStyle/>
-          <a:p>
-            <a:r>
-              <a:rPr lang="pt-BR" dirty="0">
-                <a:solidFill>
-                  <a:schemeClr val="accent3"/>
-                </a:solidFill>
-              </a:rPr>
-              <a:t>Expressão</a:t>
-            </a:r>
-          </a:p>
-        </p:txBody>
-      </p:sp>
-      <p:cxnSp>
-        <p:nvCxnSpPr>
-          <p:cNvPr id="10" name="Conector angulado 9"/>
-          <p:cNvCxnSpPr>
-            <a:cxnSpLocks/>
-          </p:cNvCxnSpPr>
-          <p:nvPr/>
-        </p:nvCxnSpPr>
-        <p:spPr>
-          <a:xfrm rot="16200000" flipH="1" flipV="1">
-            <a:off x="5816328" y="4769508"/>
-            <a:ext cx="163299" cy="1620180"/>
-          </a:xfrm>
-          <a:prstGeom prst="bentConnector3">
-            <a:avLst>
-              <a:gd name="adj1" fmla="val -242121"/>
-            </a:avLst>
-          </a:prstGeom>
-          <a:ln w="19050">
-            <a:solidFill>
-              <a:schemeClr val="accent3">
-                <a:lumMod val="75000"/>
+            </a:fontRef>
+          </p:style>
+        </p:cxnSp>
+        <p:sp>
+          <p:nvSpPr>
+            <p:cNvPr id="21" name="CaixaDeTexto 20"/>
+            <p:cNvSpPr txBox="1"/>
+            <p:nvPr/>
+          </p:nvSpPr>
+          <p:spPr>
+            <a:xfrm>
+              <a:off x="5328590" y="4713849"/>
+              <a:ext cx="1138773" cy="369332"/>
+            </a:xfrm>
+            <a:prstGeom prst="rect">
+              <a:avLst/>
+            </a:prstGeom>
+            <a:noFill/>
+          </p:spPr>
+          <p:txBody>
+            <a:bodyPr wrap="none" rtlCol="0">
+              <a:spAutoFit/>
+            </a:bodyPr>
+            <a:lstStyle/>
+            <a:p>
+              <a:r>
+                <a:rPr lang="pt-BR" dirty="0">
+                  <a:solidFill>
+                    <a:schemeClr val="accent3">
+                      <a:lumMod val="75000"/>
+                    </a:schemeClr>
+                  </a:solidFill>
+                </a:rPr>
+                <a:t>Resultado</a:t>
+              </a:r>
+            </a:p>
+          </p:txBody>
+        </p:sp>
+        <p:sp>
+          <p:nvSpPr>
+            <p:cNvPr id="6" name="Retângulo: Cantos Arredondados 5">
+              <a:extLst>
+                <a:ext uri="{FF2B5EF4-FFF2-40B4-BE49-F238E27FC236}">
+                  <a16:creationId xmlns:a16="http://schemas.microsoft.com/office/drawing/2014/main" id="{C81CA089-73DA-4C28-9FBD-26A32CB3D4EB}"/>
+                </a:ext>
+              </a:extLst>
+            </p:cNvPr>
+            <p:cNvSpPr/>
+            <p:nvPr/>
+          </p:nvSpPr>
+          <p:spPr>
+            <a:xfrm>
+              <a:off x="5994900" y="5644624"/>
+              <a:ext cx="1656183" cy="414767"/>
+            </a:xfrm>
+            <a:prstGeom prst="roundRect">
+              <a:avLst/>
+            </a:prstGeom>
+            <a:noFill/>
+            <a:ln>
+              <a:solidFill>
+                <a:schemeClr val="accent3">
+                  <a:lumMod val="75000"/>
+                </a:schemeClr>
+              </a:solidFill>
+            </a:ln>
+            <a:effectLst>
+              <a:outerShdw blurRad="50800" dist="38100" dir="2700000" algn="tl" rotWithShape="0">
+                <a:prstClr val="black">
+                  <a:alpha val="40000"/>
+                </a:prstClr>
+              </a:outerShdw>
+            </a:effectLst>
+          </p:spPr>
+          <p:style>
+            <a:lnRef idx="2">
+              <a:schemeClr val="accent1">
+                <a:shade val="50000"/>
               </a:schemeClr>
-            </a:solidFill>
-            <a:tailEnd type="arrow"/>
-          </a:ln>
-          <a:effectLst>
-            <a:outerShdw blurRad="50800" dist="38100" dir="2700000" algn="tl" rotWithShape="0">
-              <a:prstClr val="black">
-                <a:alpha val="40000"/>
-              </a:prstClr>
-            </a:outerShdw>
-          </a:effectLst>
-        </p:spPr>
-        <p:style>
-          <a:lnRef idx="1">
-            <a:schemeClr val="accent1"/>
-          </a:lnRef>
-          <a:fillRef idx="0">
-            <a:schemeClr val="accent1"/>
-          </a:fillRef>
-          <a:effectRef idx="0">
-            <a:schemeClr val="accent1"/>
-          </a:effectRef>
-          <a:fontRef idx="minor">
-            <a:schemeClr val="tx1"/>
-          </a:fontRef>
-        </p:style>
-      </p:cxnSp>
-      <p:sp>
-        <p:nvSpPr>
-          <p:cNvPr id="21" name="CaixaDeTexto 20"/>
-          <p:cNvSpPr txBox="1"/>
-          <p:nvPr/>
-        </p:nvSpPr>
-        <p:spPr>
-          <a:xfrm>
-            <a:off x="5328590" y="4713849"/>
-            <a:ext cx="1138773" cy="369332"/>
-          </a:xfrm>
-          <a:prstGeom prst="rect">
-            <a:avLst/>
-          </a:prstGeom>
-          <a:noFill/>
-        </p:spPr>
-        <p:txBody>
-          <a:bodyPr wrap="none" rtlCol="0">
-            <a:spAutoFit/>
-          </a:bodyPr>
-          <a:lstStyle/>
-          <a:p>
-            <a:r>
-              <a:rPr lang="pt-BR" dirty="0">
-                <a:solidFill>
-                  <a:schemeClr val="accent3">
-                    <a:lumMod val="75000"/>
-                  </a:schemeClr>
-                </a:solidFill>
-              </a:rPr>
-              <a:t>Resultado</a:t>
-            </a:r>
-          </a:p>
-        </p:txBody>
-      </p:sp>
+            </a:lnRef>
+            <a:fillRef idx="1">
+              <a:schemeClr val="accent1"/>
+            </a:fillRef>
+            <a:effectRef idx="0">
+              <a:schemeClr val="accent1"/>
+            </a:effectRef>
+            <a:fontRef idx="minor">
+              <a:schemeClr val="lt1"/>
+            </a:fontRef>
+          </p:style>
+          <p:txBody>
+            <a:bodyPr rtlCol="0" anchor="ctr"/>
+            <a:lstStyle/>
+            <a:p>
+              <a:pPr algn="ctr"/>
+              <a:endParaRPr lang="pt-BR"/>
+            </a:p>
+          </p:txBody>
+        </p:sp>
+      </p:grpSp>
     </p:spTree>
   </p:cSld>
   <p:clrMapOvr>
@@ -15159,27 +15950,22 @@
             <a:pPr lvl="1"/>
             <a:r>
               <a:rPr lang="pt-BR" dirty="0"/>
-              <a:t>A execução se inicia pela </a:t>
-            </a:r>
-            <a:r>
-              <a:rPr lang="pt-BR" dirty="0">
+              <a:t>A execução se inicia pela função principal (</a:t>
+            </a:r>
+            <a:r>
+              <a:rPr lang="pt-BR" sz="2400" dirty="0" err="1">
                 <a:solidFill>
                   <a:schemeClr val="accent3">
                     <a:lumMod val="75000"/>
                   </a:schemeClr>
                 </a:solidFill>
-              </a:rPr>
-              <a:t>função </a:t>
-            </a:r>
-            <a:r>
-              <a:rPr lang="pt-BR" dirty="0" err="1">
-                <a:solidFill>
-                  <a:schemeClr val="accent3">
-                    <a:lumMod val="75000"/>
-                  </a:schemeClr>
-                </a:solidFill>
+                <a:latin typeface="+mj-lt"/>
               </a:rPr>
               <a:t>main</a:t>
+            </a:r>
+            <a:r>
+              <a:rPr lang="pt-BR" dirty="0"/>
+              <a:t>)</a:t>
             </a:r>
             <a:endParaRPr lang="pt-BR" dirty="0">
               <a:solidFill>
@@ -15737,6 +16523,15 @@
               </a:rPr>
               <a:t>sobrescrevem os valores antigos </a:t>
             </a:r>
+            <a:br>
+              <a:rPr lang="pt-BR" dirty="0">
+                <a:solidFill>
+                  <a:schemeClr val="accent3">
+                    <a:lumMod val="75000"/>
+                  </a:schemeClr>
+                </a:solidFill>
+              </a:rPr>
+            </a:br>
             <a:r>
               <a:rPr lang="pt-BR" dirty="0"/>
               <a:t>daquela posição de memória</a:t>
@@ -16216,7 +17011,7 @@
           <a:p>
             <a:r>
               <a:rPr lang="pt-BR" dirty="0"/>
-              <a:t>Imprimindo Variáveis</a:t>
+              <a:t>Exibindo Variáveis</a:t>
             </a:r>
           </a:p>
         </p:txBody>
@@ -16642,11 +17437,30 @@
                   </a:schemeClr>
                 </a:solidFill>
               </a:rPr>
-              <a:t>identificar o tipo de dado e convertê-lo</a:t>
+              <a:t>identificar o tipo </a:t>
+            </a:r>
+            <a:br>
+              <a:rPr lang="pt-BR" dirty="0">
+                <a:solidFill>
+                  <a:schemeClr val="accent3">
+                    <a:lumMod val="75000"/>
+                  </a:schemeClr>
+                </a:solidFill>
+              </a:rPr>
+            </a:br>
+            <a:r>
+              <a:rPr lang="pt-BR" dirty="0">
+                <a:solidFill>
+                  <a:schemeClr val="accent3">
+                    <a:lumMod val="75000"/>
+                  </a:schemeClr>
+                </a:solidFill>
+              </a:rPr>
+              <a:t>de dado e convertê-lo</a:t>
             </a:r>
             <a:r>
               <a:rPr lang="pt-BR" dirty="0"/>
-              <a:t> para a saída em modo texto </a:t>
+              <a:t> para a saída em formato texto </a:t>
             </a:r>
           </a:p>
         </p:txBody>
@@ -16690,16 +17504,10 @@
           </a:p>
           <a:p>
             <a:r>
-              <a:rPr lang="pt-BR" dirty="0" err="1">
-                <a:latin typeface="+mj-lt"/>
-              </a:rPr>
-              <a:t>cout</a:t>
-            </a:r>
-            <a:r>
-              <a:rPr lang="pt-BR" dirty="0">
-                <a:latin typeface="+mj-lt"/>
-              </a:rPr>
-              <a:t> &lt;&lt; </a:t>
+              <a:rPr lang="pt-BR" dirty="0">
+                <a:latin typeface="+mj-lt"/>
+              </a:rPr>
+              <a:t>cout &lt;&lt; </a:t>
             </a:r>
             <a:r>
               <a:rPr lang="pt-BR" dirty="0">
@@ -16711,7 +17519,7 @@
                 </a:solidFill>
                 <a:latin typeface="+mj-lt"/>
               </a:rPr>
-              <a:t>"Imprimindo uma string: "</a:t>
+              <a:t>"Exibindo uma string: "</a:t>
             </a:r>
             <a:r>
               <a:rPr lang="pt-BR" dirty="0">
@@ -16754,16 +17562,10 @@
           </a:p>
           <a:p>
             <a:r>
-              <a:rPr lang="pt-BR" dirty="0" err="1">
-                <a:latin typeface="+mj-lt"/>
-              </a:rPr>
-              <a:t>cout</a:t>
-            </a:r>
-            <a:r>
-              <a:rPr lang="pt-BR" dirty="0">
-                <a:latin typeface="+mj-lt"/>
-              </a:rPr>
-              <a:t> &lt;&lt; </a:t>
+              <a:rPr lang="pt-BR" dirty="0">
+                <a:latin typeface="+mj-lt"/>
+              </a:rPr>
+              <a:t>cout &lt;&lt; </a:t>
             </a:r>
             <a:r>
               <a:rPr lang="pt-BR" dirty="0">
@@ -16775,7 +17577,7 @@
                 </a:solidFill>
                 <a:latin typeface="+mj-lt"/>
               </a:rPr>
-              <a:t>"Imprimindo um inteiro: " </a:t>
+              <a:t>"Exibindo um inteiro: " </a:t>
             </a:r>
             <a:r>
               <a:rPr lang="pt-BR" dirty="0">
@@ -16786,16 +17588,10 @@
           </a:p>
           <a:p>
             <a:r>
-              <a:rPr lang="pt-BR" dirty="0" err="1">
-                <a:latin typeface="+mj-lt"/>
-              </a:rPr>
-              <a:t>cout</a:t>
-            </a:r>
-            <a:r>
-              <a:rPr lang="pt-BR" dirty="0">
-                <a:latin typeface="+mj-lt"/>
-              </a:rPr>
-              <a:t> &lt;&lt; </a:t>
+              <a:rPr lang="pt-BR" dirty="0">
+                <a:latin typeface="+mj-lt"/>
+              </a:rPr>
+              <a:t>cout &lt;&lt; </a:t>
             </a:r>
             <a:r>
               <a:rPr lang="pt-BR" dirty="0">
@@ -16807,7 +17603,7 @@
                 </a:solidFill>
                 <a:latin typeface="+mj-lt"/>
               </a:rPr>
-              <a:t>"Imprimindo uma string: " </a:t>
+              <a:t>"Exibindo uma string: " </a:t>
             </a:r>
             <a:r>
               <a:rPr lang="pt-BR" dirty="0">
@@ -16836,16 +17632,10 @@
           </a:p>
           <a:p>
             <a:r>
-              <a:rPr lang="pt-BR" dirty="0" err="1">
-                <a:latin typeface="+mj-lt"/>
-              </a:rPr>
-              <a:t>cout</a:t>
-            </a:r>
-            <a:r>
-              <a:rPr lang="pt-BR" dirty="0">
-                <a:latin typeface="+mj-lt"/>
-              </a:rPr>
-              <a:t> &lt;&lt; </a:t>
+              <a:rPr lang="pt-BR" dirty="0">
+                <a:latin typeface="+mj-lt"/>
+              </a:rPr>
+              <a:t>cout &lt;&lt; </a:t>
             </a:r>
             <a:r>
               <a:rPr lang="pt-BR" dirty="0">
@@ -16857,7 +17647,7 @@
                 </a:solidFill>
                 <a:latin typeface="+mj-lt"/>
               </a:rPr>
-              <a:t>"Imprimindo um inteiro: " </a:t>
+              <a:t>"Exibindo um inteiro: " </a:t>
             </a:r>
             <a:r>
               <a:rPr lang="pt-BR" dirty="0">
@@ -16925,7 +17715,7 @@
                 </a:solidFill>
                 <a:latin typeface="+mj-lt"/>
               </a:rPr>
-              <a:t>"Imprimindo uma string: %s"</a:t>
+              <a:t>"Exibindo uma string: %s"</a:t>
             </a:r>
             <a:r>
               <a:rPr lang="pt-BR" dirty="0">
@@ -16975,7 +17765,7 @@
                 </a:solidFill>
                 <a:latin typeface="+mj-lt"/>
               </a:rPr>
-              <a:t>"Imprimindo um inteiro: %i"</a:t>
+              <a:t>"Exibindo um inteiro: %i"</a:t>
             </a:r>
             <a:r>
               <a:rPr lang="pt-BR" dirty="0">
@@ -17888,14 +18678,8 @@
               <a:t>cin</a:t>
             </a:r>
             <a:r>
-              <a:rPr lang="pt-BR" dirty="0">
-                <a:latin typeface="+mj-lt"/>
-              </a:rPr>
-              <a:t> </a:t>
-            </a:r>
-            <a:r>
               <a:rPr lang="pt-BR" dirty="0"/>
-              <a:t>permite </a:t>
+              <a:t> permite </a:t>
             </a:r>
             <a:r>
               <a:rPr lang="pt-BR" dirty="0">
@@ -17928,7 +18712,7 @@
           <a:p>
             <a:r>
               <a:rPr lang="pt-BR" dirty="0"/>
-              <a:t>Não há diferença de usar vários </a:t>
+              <a:t>Não há diferença em usar vários </a:t>
             </a:r>
             <a:r>
               <a:rPr lang="pt-BR" dirty="0" err="1"/>
@@ -19500,9 +20284,6 @@
             <a:endParaRPr lang="pt-BR" dirty="0"/>
           </a:p>
           <a:p>
-            <a:endParaRPr lang="pt-BR" dirty="0"/>
-          </a:p>
-          <a:p>
             <a:r>
               <a:rPr lang="pt-BR" dirty="0"/>
               <a:t>Não há diferença entre </a:t>
@@ -19515,47 +20296,7 @@
                   </a:schemeClr>
                 </a:solidFill>
               </a:rPr>
-              <a:t>espaço, tabulação e salto de linha (</a:t>
-            </a:r>
-            <a:r>
-              <a:rPr lang="pt-BR" dirty="0" err="1">
-                <a:solidFill>
-                  <a:schemeClr val="accent3">
-                    <a:lumMod val="75000"/>
-                  </a:schemeClr>
-                </a:solidFill>
-              </a:rPr>
-              <a:t>carriage</a:t>
-            </a:r>
-            <a:r>
-              <a:rPr lang="pt-BR" dirty="0">
-                <a:solidFill>
-                  <a:schemeClr val="accent3">
-                    <a:lumMod val="75000"/>
-                  </a:schemeClr>
-                </a:solidFill>
-              </a:rPr>
-              <a:t> </a:t>
-            </a:r>
-            <a:r>
-              <a:rPr lang="pt-BR" dirty="0" err="1">
-                <a:solidFill>
-                  <a:schemeClr val="accent3">
-                    <a:lumMod val="75000"/>
-                  </a:schemeClr>
-                </a:solidFill>
-              </a:rPr>
-              <a:t>return</a:t>
-            </a:r>
-            <a:r>
-              <a:rPr lang="pt-BR" dirty="0">
-                <a:solidFill>
-                  <a:schemeClr val="accent3">
-                    <a:lumMod val="75000"/>
-                  </a:schemeClr>
-                </a:solidFill>
-              </a:rPr>
-              <a:t>)</a:t>
+              <a:t>espaço, tabulação e salto de linha</a:t>
             </a:r>
             <a:r>
               <a:rPr lang="pt-BR" dirty="0"/>
@@ -19572,7 +20313,7 @@
         </p:nvSpPr>
         <p:spPr>
           <a:xfrm>
-            <a:off x="1631504" y="2564904"/>
+            <a:off x="1631504" y="2420888"/>
             <a:ext cx="8856984" cy="646331"/>
           </a:xfrm>
           <a:prstGeom prst="rect">
@@ -19652,7 +20393,7 @@
         </p:nvSpPr>
         <p:spPr>
           <a:xfrm>
-            <a:off x="1640439" y="5157192"/>
+            <a:off x="1631504" y="4077072"/>
             <a:ext cx="3214710" cy="1323439"/>
           </a:xfrm>
           <a:prstGeom prst="rect">
@@ -19768,7 +20509,7 @@
         </p:nvSpPr>
         <p:spPr>
           <a:xfrm>
-            <a:off x="5212339" y="5157192"/>
+            <a:off x="5203404" y="4077072"/>
             <a:ext cx="3214710" cy="1323439"/>
           </a:xfrm>
           <a:prstGeom prst="rect">
@@ -19995,7 +20736,14 @@
           <a:p>
             <a:r>
               <a:rPr lang="pt-BR" dirty="0"/>
-              <a:t>Dados podem aparecer em um programa na forma de </a:t>
+              <a:t>Dados podem aparecer em um programa na </a:t>
+            </a:r>
+            <a:br>
+              <a:rPr lang="pt-BR" dirty="0"/>
+            </a:br>
+            <a:r>
+              <a:rPr lang="pt-BR" dirty="0"/>
+              <a:t>forma de </a:t>
             </a:r>
             <a:r>
               <a:rPr lang="pt-BR" dirty="0">
@@ -20030,14 +20778,22 @@
             <a:pPr lvl="1"/>
             <a:r>
               <a:rPr lang="pt-BR" dirty="0"/>
-              <a:t>Variáveis podem ter seu conteúdo modificado *</a:t>
+              <a:t>Variáveis podem ter seu conteúdo modificado </a:t>
+            </a:r>
+            <a:r>
+              <a:rPr lang="pt-BR" baseline="30000" dirty="0"/>
+              <a:t>†</a:t>
             </a:r>
           </a:p>
           <a:p>
             <a:pPr lvl="1"/>
             <a:r>
               <a:rPr lang="pt-BR" dirty="0"/>
-              <a:t>Constantes são valores inalteráveis *</a:t>
+              <a:t>Constantes são valores inalteráveis </a:t>
+            </a:r>
+            <a:r>
+              <a:rPr lang="pt-BR" baseline="30000" dirty="0"/>
+              <a:t>†</a:t>
             </a:r>
           </a:p>
           <a:p>
@@ -21706,8 +22462,19 @@
               <a:rPr lang="pt-BR" dirty="0"/>
             </a:br>
             <a:r>
+              <a:rPr lang="pt-BR" dirty="0">
+                <a:solidFill>
+                  <a:schemeClr val="accent3">
+                    <a:lumMod val="40000"/>
+                    <a:lumOff val="60000"/>
+                  </a:schemeClr>
+                </a:solidFill>
+              </a:rPr>
+              <a:t>Ex.</a:t>
+            </a:r>
+            <a:r>
               <a:rPr lang="pt-BR" dirty="0"/>
-              <a:t>Ex.: </a:t>
+              <a:t>: </a:t>
             </a:r>
             <a:r>
               <a:rPr lang="pt-BR" dirty="0">
@@ -21776,8 +22543,19 @@
               <a:rPr lang="pt-BR" dirty="0"/>
             </a:br>
             <a:r>
+              <a:rPr lang="pt-BR" dirty="0">
+                <a:solidFill>
+                  <a:schemeClr val="accent3">
+                    <a:lumMod val="40000"/>
+                    <a:lumOff val="60000"/>
+                  </a:schemeClr>
+                </a:solidFill>
+              </a:rPr>
+              <a:t>Ex.</a:t>
+            </a:r>
+            <a:r>
               <a:rPr lang="pt-BR" dirty="0"/>
-              <a:t>Ex.: </a:t>
+              <a:t>: </a:t>
             </a:r>
             <a:r>
               <a:rPr lang="pt-BR" dirty="0">
@@ -21846,8 +22624,19 @@
               <a:rPr lang="pt-BR" dirty="0"/>
             </a:br>
             <a:r>
+              <a:rPr lang="pt-BR" dirty="0">
+                <a:solidFill>
+                  <a:schemeClr val="accent3">
+                    <a:lumMod val="40000"/>
+                    <a:lumOff val="60000"/>
+                  </a:schemeClr>
+                </a:solidFill>
+              </a:rPr>
+              <a:t>Ex.</a:t>
+            </a:r>
+            <a:r>
               <a:rPr lang="pt-BR" dirty="0"/>
-              <a:t>Ex.: </a:t>
+              <a:t>: </a:t>
             </a:r>
             <a:r>
               <a:rPr lang="pt-BR" dirty="0">
@@ -21919,8 +22708,19 @@
               <a:rPr lang="pt-BR" dirty="0"/>
             </a:br>
             <a:r>
+              <a:rPr lang="pt-BR" dirty="0">
+                <a:solidFill>
+                  <a:schemeClr val="accent3">
+                    <a:lumMod val="40000"/>
+                    <a:lumOff val="60000"/>
+                  </a:schemeClr>
+                </a:solidFill>
+              </a:rPr>
+              <a:t>Ex.</a:t>
+            </a:r>
+            <a:r>
               <a:rPr lang="pt-BR" dirty="0"/>
-              <a:t>Ex.: </a:t>
+              <a:t>: </a:t>
             </a:r>
             <a:r>
               <a:rPr lang="pt-BR" dirty="0">

--- a/Slides/03. Variáveis Constantes e Atribuição.pptx
+++ b/Slides/03. Variáveis Constantes e Atribuição.pptx
@@ -170,7 +170,7 @@
 <file path=ppt/revisionInfo.xml><?xml version="1.0" encoding="utf-8"?>
 <p1510:revInfo xmlns:a="http://schemas.openxmlformats.org/drawingml/2006/main" xmlns:r="http://schemas.openxmlformats.org/officeDocument/2006/relationships" xmlns:p1510="http://schemas.microsoft.com/office/powerpoint/2015/10/main">
   <p1510:revLst>
-    <p1510:client id="{95A0EE36-1C5A-4AA8-99C4-AE7771F79553}" v="7" dt="2021-03-05T04:48:16.280"/>
+    <p1510:client id="{95A0EE36-1C5A-4AA8-99C4-AE7771F79553}" v="12" dt="2021-03-19T06:23:41.435"/>
   </p1510:revLst>
 </p1510:revInfo>
 </file>
@@ -360,8 +360,8 @@
   </pc:docChgLst>
   <pc:docChgLst>
     <pc:chgData name="Judson Santiago" userId="ebb108da2f256286" providerId="LiveId" clId="{95A0EE36-1C5A-4AA8-99C4-AE7771F79553}"/>
-    <pc:docChg chg="undo custSel modSld">
-      <pc:chgData name="Judson Santiago" userId="ebb108da2f256286" providerId="LiveId" clId="{95A0EE36-1C5A-4AA8-99C4-AE7771F79553}" dt="2021-03-05T04:48:40.513" v="293" actId="57"/>
+    <pc:docChg chg="undo custSel modSld modMainMaster">
+      <pc:chgData name="Judson Santiago" userId="ebb108da2f256286" providerId="LiveId" clId="{95A0EE36-1C5A-4AA8-99C4-AE7771F79553}" dt="2021-03-19T06:25:55.511" v="300" actId="207"/>
       <pc:docMkLst>
         <pc:docMk/>
       </pc:docMkLst>
@@ -895,6 +895,125 @@
           </ac:spMkLst>
         </pc:spChg>
       </pc:sldChg>
+      <pc:sldChg chg="modSp mod">
+        <pc:chgData name="Judson Santiago" userId="ebb108da2f256286" providerId="LiveId" clId="{95A0EE36-1C5A-4AA8-99C4-AE7771F79553}" dt="2021-03-19T06:25:55.511" v="300" actId="207"/>
+        <pc:sldMkLst>
+          <pc:docMk/>
+          <pc:sldMk cId="2283956066" sldId="337"/>
+        </pc:sldMkLst>
+        <pc:spChg chg="mod">
+          <ac:chgData name="Judson Santiago" userId="ebb108da2f256286" providerId="LiveId" clId="{95A0EE36-1C5A-4AA8-99C4-AE7771F79553}" dt="2021-03-19T06:25:01.058" v="299" actId="207"/>
+          <ac:spMkLst>
+            <pc:docMk/>
+            <pc:sldMk cId="2283956066" sldId="337"/>
+            <ac:spMk id="4" creationId="{CAC33E83-2A96-4080-9CE6-D26B96B317B0}"/>
+          </ac:spMkLst>
+        </pc:spChg>
+        <pc:spChg chg="mod">
+          <ac:chgData name="Judson Santiago" userId="ebb108da2f256286" providerId="LiveId" clId="{95A0EE36-1C5A-4AA8-99C4-AE7771F79553}" dt="2021-03-19T06:25:55.511" v="300" actId="207"/>
+          <ac:spMkLst>
+            <pc:docMk/>
+            <pc:sldMk cId="2283956066" sldId="337"/>
+            <ac:spMk id="5" creationId="{6F5EA634-E58A-49E6-9B93-EC17D1214902}"/>
+          </ac:spMkLst>
+        </pc:spChg>
+        <pc:spChg chg="mod">
+          <ac:chgData name="Judson Santiago" userId="ebb108da2f256286" providerId="LiveId" clId="{95A0EE36-1C5A-4AA8-99C4-AE7771F79553}" dt="2021-03-19T06:25:55.511" v="300" actId="207"/>
+          <ac:spMkLst>
+            <pc:docMk/>
+            <pc:sldMk cId="2283956066" sldId="337"/>
+            <ac:spMk id="6" creationId="{F8DB2368-FD72-4813-93E1-48154F7BF9DA}"/>
+          </ac:spMkLst>
+        </pc:spChg>
+        <pc:spChg chg="mod">
+          <ac:chgData name="Judson Santiago" userId="ebb108da2f256286" providerId="LiveId" clId="{95A0EE36-1C5A-4AA8-99C4-AE7771F79553}" dt="2021-03-19T06:25:55.511" v="300" actId="207"/>
+          <ac:spMkLst>
+            <pc:docMk/>
+            <pc:sldMk cId="2283956066" sldId="337"/>
+            <ac:spMk id="7" creationId="{FA0021A8-1D34-4C89-B0B7-4FEA33ACFFEF}"/>
+          </ac:spMkLst>
+        </pc:spChg>
+        <pc:spChg chg="mod">
+          <ac:chgData name="Judson Santiago" userId="ebb108da2f256286" providerId="LiveId" clId="{95A0EE36-1C5A-4AA8-99C4-AE7771F79553}" dt="2021-03-19T06:25:55.511" v="300" actId="207"/>
+          <ac:spMkLst>
+            <pc:docMk/>
+            <pc:sldMk cId="2283956066" sldId="337"/>
+            <ac:spMk id="8" creationId="{567893C2-F356-4075-9BB9-7C902CFDF5E5}"/>
+          </ac:spMkLst>
+        </pc:spChg>
+        <pc:spChg chg="mod">
+          <ac:chgData name="Judson Santiago" userId="ebb108da2f256286" providerId="LiveId" clId="{95A0EE36-1C5A-4AA8-99C4-AE7771F79553}" dt="2021-03-19T06:25:55.511" v="300" actId="207"/>
+          <ac:spMkLst>
+            <pc:docMk/>
+            <pc:sldMk cId="2283956066" sldId="337"/>
+            <ac:spMk id="9" creationId="{B645C446-6E1C-4D87-B0BD-BD8978DDDFEC}"/>
+          </ac:spMkLst>
+        </pc:spChg>
+        <pc:spChg chg="mod">
+          <ac:chgData name="Judson Santiago" userId="ebb108da2f256286" providerId="LiveId" clId="{95A0EE36-1C5A-4AA8-99C4-AE7771F79553}" dt="2021-03-19T06:25:55.511" v="300" actId="207"/>
+          <ac:spMkLst>
+            <pc:docMk/>
+            <pc:sldMk cId="2283956066" sldId="337"/>
+            <ac:spMk id="10" creationId="{BF5A2ED9-06AC-42A0-B287-D1F849B33613}"/>
+          </ac:spMkLst>
+        </pc:spChg>
+        <pc:spChg chg="mod">
+          <ac:chgData name="Judson Santiago" userId="ebb108da2f256286" providerId="LiveId" clId="{95A0EE36-1C5A-4AA8-99C4-AE7771F79553}" dt="2021-03-19T06:25:55.511" v="300" actId="207"/>
+          <ac:spMkLst>
+            <pc:docMk/>
+            <pc:sldMk cId="2283956066" sldId="337"/>
+            <ac:spMk id="11" creationId="{00922D4F-2977-4EA5-A35C-A7D1B4FD4DE3}"/>
+          </ac:spMkLst>
+        </pc:spChg>
+        <pc:spChg chg="mod">
+          <ac:chgData name="Judson Santiago" userId="ebb108da2f256286" providerId="LiveId" clId="{95A0EE36-1C5A-4AA8-99C4-AE7771F79553}" dt="2021-03-19T06:25:55.511" v="300" actId="207"/>
+          <ac:spMkLst>
+            <pc:docMk/>
+            <pc:sldMk cId="2283956066" sldId="337"/>
+            <ac:spMk id="12" creationId="{1909885A-0174-4A22-BECE-6531E1BB075A}"/>
+          </ac:spMkLst>
+        </pc:spChg>
+        <pc:spChg chg="mod">
+          <ac:chgData name="Judson Santiago" userId="ebb108da2f256286" providerId="LiveId" clId="{95A0EE36-1C5A-4AA8-99C4-AE7771F79553}" dt="2021-03-19T06:25:55.511" v="300" actId="207"/>
+          <ac:spMkLst>
+            <pc:docMk/>
+            <pc:sldMk cId="2283956066" sldId="337"/>
+            <ac:spMk id="13" creationId="{F4DDB406-D3CA-47E8-96B7-07C5DE0C929F}"/>
+          </ac:spMkLst>
+        </pc:spChg>
+        <pc:spChg chg="mod">
+          <ac:chgData name="Judson Santiago" userId="ebb108da2f256286" providerId="LiveId" clId="{95A0EE36-1C5A-4AA8-99C4-AE7771F79553}" dt="2021-03-19T06:25:55.511" v="300" actId="207"/>
+          <ac:spMkLst>
+            <pc:docMk/>
+            <pc:sldMk cId="2283956066" sldId="337"/>
+            <ac:spMk id="14" creationId="{81DC325D-3EC0-4FB3-94EC-23A627E9A343}"/>
+          </ac:spMkLst>
+        </pc:spChg>
+      </pc:sldChg>
+      <pc:sldMasterChg chg="setBg modSldLayout">
+        <pc:chgData name="Judson Santiago" userId="ebb108da2f256286" providerId="LiveId" clId="{95A0EE36-1C5A-4AA8-99C4-AE7771F79553}" dt="2021-03-19T06:23:48.339" v="298" actId="167"/>
+        <pc:sldMasterMkLst>
+          <pc:docMk/>
+          <pc:sldMasterMk cId="0" sldId="2147483660"/>
+        </pc:sldMasterMkLst>
+        <pc:sldLayoutChg chg="addSp modSp mod">
+          <pc:chgData name="Judson Santiago" userId="ebb108da2f256286" providerId="LiveId" clId="{95A0EE36-1C5A-4AA8-99C4-AE7771F79553}" dt="2021-03-19T06:23:48.339" v="298" actId="167"/>
+          <pc:sldLayoutMkLst>
+            <pc:docMk/>
+            <pc:sldMasterMk cId="0" sldId="2147483660"/>
+            <pc:sldLayoutMk cId="0" sldId="2147483661"/>
+          </pc:sldLayoutMkLst>
+          <pc:picChg chg="add mod ord">
+            <ac:chgData name="Judson Santiago" userId="ebb108da2f256286" providerId="LiveId" clId="{95A0EE36-1C5A-4AA8-99C4-AE7771F79553}" dt="2021-03-19T06:23:48.339" v="298" actId="167"/>
+            <ac:picMkLst>
+              <pc:docMk/>
+              <pc:sldMasterMk cId="0" sldId="2147483660"/>
+              <pc:sldLayoutMk cId="0" sldId="2147483661"/>
+              <ac:picMk id="13" creationId="{2D00AAD0-3716-4E74-AECD-68FE498E809D}"/>
+            </ac:picMkLst>
+          </pc:picChg>
+        </pc:sldLayoutChg>
+      </pc:sldMasterChg>
     </pc:docChg>
   </pc:docChgLst>
   <pc:docChgLst>
@@ -1053,7 +1172,7 @@
             <a:fld id="{67DB6B99-E1E8-4D9C-A985-A63B30E347AC}" type="datetimeFigureOut">
               <a:rPr lang="pt-BR" smtClean="0"/>
               <a:pPr/>
-              <a:t>05/03/2021</a:t>
+              <a:t>19/03/2021</a:t>
             </a:fld>
             <a:endParaRPr lang="pt-BR" dirty="0"/>
           </a:p>
@@ -3441,6 +3560,37 @@
           <a:chExt cx="0" cy="0"/>
         </a:xfrm>
       </p:grpSpPr>
+      <p:pic>
+        <p:nvPicPr>
+          <p:cNvPr id="13" name="Picture 3" descr="Rede de tecnologia iluminada em uma tela de fundo escura">
+            <a:extLst>
+              <a:ext uri="{FF2B5EF4-FFF2-40B4-BE49-F238E27FC236}">
+                <a16:creationId xmlns:a16="http://schemas.microsoft.com/office/drawing/2014/main" id="{2D00AAD0-3716-4E74-AECD-68FE498E809D}"/>
+              </a:ext>
+            </a:extLst>
+          </p:cNvPr>
+          <p:cNvPicPr>
+            <a:picLocks noChangeAspect="1"/>
+          </p:cNvPicPr>
+          <p:nvPr userDrawn="1"/>
+        </p:nvPicPr>
+        <p:blipFill rotWithShape="1">
+          <a:blip r:embed="rId2">
+            <a:alphaModFix amt="30000"/>
+          </a:blip>
+          <a:srcRect t="22329"/>
+          <a:stretch/>
+        </p:blipFill>
+        <p:spPr>
+          <a:xfrm flipH="1" flipV="1">
+            <a:off x="487680" y="0"/>
+            <a:ext cx="11704320" cy="6858000"/>
+          </a:xfrm>
+          <a:prstGeom prst="rect">
+            <a:avLst/>
+          </a:prstGeom>
+        </p:spPr>
+      </p:pic>
       <p:sp>
         <p:nvSpPr>
           <p:cNvPr id="28" name="Espaço Reservado para Data 27"/>
@@ -3459,7 +3609,7 @@
             <a:fld id="{BADD4369-A458-4831-B200-FCA465CC7541}" type="datetimeFigureOut">
               <a:rPr lang="pt-BR" smtClean="0"/>
               <a:pPr/>
-              <a:t>05/03/2021</a:t>
+              <a:t>19/03/2021</a:t>
             </a:fld>
             <a:endParaRPr lang="pt-BR" dirty="0"/>
           </a:p>
@@ -4014,7 +4164,7 @@
             <a:fld id="{BADD4369-A458-4831-B200-FCA465CC7541}" type="datetimeFigureOut">
               <a:rPr lang="pt-BR" smtClean="0"/>
               <a:pPr/>
-              <a:t>05/03/2021</a:t>
+              <a:t>19/03/2021</a:t>
             </a:fld>
             <a:endParaRPr lang="pt-BR" dirty="0"/>
           </a:p>
@@ -4191,7 +4341,7 @@
             <a:fld id="{BADD4369-A458-4831-B200-FCA465CC7541}" type="datetimeFigureOut">
               <a:rPr lang="pt-BR" smtClean="0"/>
               <a:pPr/>
-              <a:t>05/03/2021</a:t>
+              <a:t>19/03/2021</a:t>
             </a:fld>
             <a:endParaRPr lang="pt-BR" dirty="0"/>
           </a:p>
@@ -4358,7 +4508,7 @@
             <a:fld id="{BADD4369-A458-4831-B200-FCA465CC7541}" type="datetimeFigureOut">
               <a:rPr lang="pt-BR" smtClean="0"/>
               <a:pPr/>
-              <a:t>05/03/2021</a:t>
+              <a:t>19/03/2021</a:t>
             </a:fld>
             <a:endParaRPr lang="pt-BR" dirty="0"/>
           </a:p>
@@ -5807,7 +5957,7 @@
             <a:fld id="{BADD4369-A458-4831-B200-FCA465CC7541}" type="datetimeFigureOut">
               <a:rPr lang="pt-BR" smtClean="0"/>
               <a:pPr/>
-              <a:t>05/03/2021</a:t>
+              <a:t>19/03/2021</a:t>
             </a:fld>
             <a:endParaRPr lang="pt-BR" dirty="0"/>
           </a:p>
@@ -6389,7 +6539,7 @@
             <a:fld id="{BADD4369-A458-4831-B200-FCA465CC7541}" type="datetimeFigureOut">
               <a:rPr lang="pt-BR" smtClean="0"/>
               <a:pPr/>
-              <a:t>05/03/2021</a:t>
+              <a:t>19/03/2021</a:t>
             </a:fld>
             <a:endParaRPr lang="pt-BR" dirty="0"/>
           </a:p>
@@ -6820,7 +6970,7 @@
             <a:fld id="{BADD4369-A458-4831-B200-FCA465CC7541}" type="datetimeFigureOut">
               <a:rPr lang="pt-BR" smtClean="0"/>
               <a:pPr/>
-              <a:t>05/03/2021</a:t>
+              <a:t>19/03/2021</a:t>
             </a:fld>
             <a:endParaRPr lang="pt-BR" dirty="0"/>
           </a:p>
@@ -7359,7 +7509,7 @@
             <a:fld id="{BADD4369-A458-4831-B200-FCA465CC7541}" type="datetimeFigureOut">
               <a:rPr lang="pt-BR" smtClean="0"/>
               <a:pPr/>
-              <a:t>05/03/2021</a:t>
+              <a:t>19/03/2021</a:t>
             </a:fld>
             <a:endParaRPr lang="pt-BR" dirty="0"/>
           </a:p>
@@ -7451,7 +7601,7 @@
             <a:fld id="{BADD4369-A458-4831-B200-FCA465CC7541}" type="datetimeFigureOut">
               <a:rPr lang="pt-BR" smtClean="0"/>
               <a:pPr/>
-              <a:t>05/03/2021</a:t>
+              <a:t>19/03/2021</a:t>
             </a:fld>
             <a:endParaRPr lang="pt-BR" dirty="0"/>
           </a:p>
@@ -7701,7 +7851,7 @@
             <a:fld id="{BADD4369-A458-4831-B200-FCA465CC7541}" type="datetimeFigureOut">
               <a:rPr lang="pt-BR" smtClean="0"/>
               <a:pPr/>
-              <a:t>05/03/2021</a:t>
+              <a:t>19/03/2021</a:t>
             </a:fld>
             <a:endParaRPr lang="pt-BR" dirty="0"/>
           </a:p>
@@ -8416,7 +8566,7 @@
             <a:fld id="{BADD4369-A458-4831-B200-FCA465CC7541}" type="datetimeFigureOut">
               <a:rPr lang="pt-BR" smtClean="0"/>
               <a:pPr/>
-              <a:t>05/03/2021</a:t>
+              <a:t>19/03/2021</a:t>
             </a:fld>
             <a:endParaRPr lang="pt-BR" dirty="0"/>
           </a:p>
@@ -8487,9 +8637,23 @@
 <p:sldMaster xmlns:a="http://schemas.openxmlformats.org/drawingml/2006/main" xmlns:r="http://schemas.openxmlformats.org/officeDocument/2006/relationships" xmlns:p="http://schemas.openxmlformats.org/presentationml/2006/main">
   <p:cSld>
     <p:bg>
-      <p:bgRef idx="1002">
-        <a:schemeClr val="bg2"/>
-      </p:bgRef>
+      <p:bgPr>
+        <a:gradFill rotWithShape="1">
+          <a:gsLst>
+            <a:gs pos="50000">
+              <a:schemeClr val="bg1">
+                <a:shade val="90000"/>
+                <a:satMod val="375000"/>
+              </a:schemeClr>
+            </a:gs>
+            <a:gs pos="100000">
+              <a:srgbClr val="28415E"/>
+            </a:gs>
+          </a:gsLst>
+          <a:lin ang="5400000" scaled="0"/>
+        </a:gradFill>
+        <a:effectLst/>
+      </p:bgPr>
     </p:bg>
     <p:spTree>
       <p:nvGrpSpPr>
@@ -8683,7 +8847,7 @@
             <a:fld id="{BADD4369-A458-4831-B200-FCA465CC7541}" type="datetimeFigureOut">
               <a:rPr lang="pt-BR" smtClean="0"/>
               <a:pPr/>
-              <a:t>05/03/2021</a:t>
+              <a:t>19/03/2021</a:t>
             </a:fld>
             <a:endParaRPr lang="pt-BR" dirty="0"/>
           </a:p>
@@ -19189,8 +19353,8 @@
               <a:avLst/>
             </a:prstGeom>
             <a:solidFill>
-              <a:schemeClr val="accent3">
-                <a:lumMod val="75000"/>
+              <a:schemeClr val="bg2">
+                <a:lumMod val="50000"/>
               </a:schemeClr>
             </a:solidFill>
             <a:ln>
@@ -19255,8 +19419,8 @@
               <a:avLst/>
             </a:prstGeom>
             <a:solidFill>
-              <a:schemeClr val="accent3">
-                <a:lumMod val="75000"/>
+              <a:schemeClr val="bg2">
+                <a:lumMod val="50000"/>
               </a:schemeClr>
             </a:solidFill>
             <a:ln>
@@ -19316,8 +19480,8 @@
               <a:avLst/>
             </a:prstGeom>
             <a:solidFill>
-              <a:schemeClr val="accent3">
-                <a:lumMod val="75000"/>
+              <a:schemeClr val="bg2">
+                <a:lumMod val="50000"/>
               </a:schemeClr>
             </a:solidFill>
             <a:ln>
@@ -19377,8 +19541,8 @@
               <a:avLst/>
             </a:prstGeom>
             <a:solidFill>
-              <a:schemeClr val="accent3">
-                <a:lumMod val="75000"/>
+              <a:schemeClr val="bg2">
+                <a:lumMod val="50000"/>
               </a:schemeClr>
             </a:solidFill>
             <a:ln>
@@ -19438,8 +19602,8 @@
               <a:avLst/>
             </a:prstGeom>
             <a:solidFill>
-              <a:schemeClr val="accent3">
-                <a:lumMod val="75000"/>
+              <a:schemeClr val="bg2">
+                <a:lumMod val="50000"/>
               </a:schemeClr>
             </a:solidFill>
             <a:ln>
@@ -19499,8 +19663,8 @@
               <a:avLst/>
             </a:prstGeom>
             <a:solidFill>
-              <a:schemeClr val="accent3">
-                <a:lumMod val="75000"/>
+              <a:schemeClr val="bg2">
+                <a:lumMod val="50000"/>
               </a:schemeClr>
             </a:solidFill>
             <a:ln>
@@ -19560,8 +19724,8 @@
               <a:avLst/>
             </a:prstGeom>
             <a:solidFill>
-              <a:schemeClr val="accent3">
-                <a:lumMod val="75000"/>
+              <a:schemeClr val="bg2">
+                <a:lumMod val="50000"/>
               </a:schemeClr>
             </a:solidFill>
             <a:ln>
@@ -19621,8 +19785,8 @@
               <a:avLst/>
             </a:prstGeom>
             <a:solidFill>
-              <a:schemeClr val="accent3">
-                <a:lumMod val="75000"/>
+              <a:schemeClr val="bg2">
+                <a:lumMod val="50000"/>
               </a:schemeClr>
             </a:solidFill>
             <a:ln>
@@ -19682,8 +19846,8 @@
               <a:avLst/>
             </a:prstGeom>
             <a:solidFill>
-              <a:schemeClr val="accent3">
-                <a:lumMod val="75000"/>
+              <a:schemeClr val="bg2">
+                <a:lumMod val="50000"/>
               </a:schemeClr>
             </a:solidFill>
             <a:ln>
@@ -19743,8 +19907,8 @@
               <a:avLst/>
             </a:prstGeom>
             <a:solidFill>
-              <a:schemeClr val="accent3">
-                <a:lumMod val="75000"/>
+              <a:schemeClr val="bg2">
+                <a:lumMod val="50000"/>
               </a:schemeClr>
             </a:solidFill>
             <a:ln>
@@ -19804,8 +19968,8 @@
               <a:avLst/>
             </a:prstGeom>
             <a:solidFill>
-              <a:schemeClr val="accent3">
-                <a:lumMod val="75000"/>
+              <a:schemeClr val="bg2">
+                <a:lumMod val="50000"/>
               </a:schemeClr>
             </a:solidFill>
             <a:ln>
